--- a/答辩PPT.pptx
+++ b/答辩PPT.pptx
@@ -5,18 +5,19 @@
     <p:sldMasterId id="2147483660" r:id="rId1"/>
   </p:sldMasterIdLst>
   <p:notesMasterIdLst>
-    <p:notesMasterId r:id="rId11"/>
+    <p:notesMasterId r:id="rId12"/>
   </p:notesMasterIdLst>
   <p:sldIdLst>
     <p:sldId id="256" r:id="rId2"/>
-    <p:sldId id="263" r:id="rId3"/>
-    <p:sldId id="257" r:id="rId4"/>
-    <p:sldId id="260" r:id="rId5"/>
-    <p:sldId id="265" r:id="rId6"/>
-    <p:sldId id="269" r:id="rId7"/>
-    <p:sldId id="261" r:id="rId8"/>
-    <p:sldId id="268" r:id="rId9"/>
-    <p:sldId id="262" r:id="rId10"/>
+    <p:sldId id="270" r:id="rId3"/>
+    <p:sldId id="263" r:id="rId4"/>
+    <p:sldId id="257" r:id="rId5"/>
+    <p:sldId id="260" r:id="rId6"/>
+    <p:sldId id="265" r:id="rId7"/>
+    <p:sldId id="269" r:id="rId8"/>
+    <p:sldId id="261" r:id="rId9"/>
+    <p:sldId id="268" r:id="rId10"/>
+    <p:sldId id="262" r:id="rId11"/>
   </p:sldIdLst>
   <p:sldSz cx="9144000" cy="6858000" type="screen4x3"/>
   <p:notesSz cx="6858000" cy="9144000"/>
@@ -205,7 +206,7 @@
           <a:p>
             <a:fld id="{3A9BF741-CB86-DA4D-BA49-1EB17A678A4B}" type="datetimeFigureOut">
               <a:rPr kumimoji="1" lang="zh-CN" altLang="en-US" smtClean="0"/>
-              <a:t>16/5/24</a:t>
+              <a:t>16/6/4</a:t>
             </a:fld>
             <a:endParaRPr kumimoji="1" lang="zh-CN" altLang="en-US"/>
           </a:p>
@@ -492,7 +493,7 @@
       </p:grpSpPr>
       <p:sp>
         <p:nvSpPr>
-          <p:cNvPr id="2" name="Slide Image Placeholder 1"/>
+          <p:cNvPr id="2" name="幻灯片图像占位符 1"/>
           <p:cNvSpPr>
             <a:spLocks noGrp="1" noRot="1" noChangeAspect="1"/>
           </p:cNvSpPr>
@@ -504,7 +505,7 @@
       </p:sp>
       <p:sp>
         <p:nvSpPr>
-          <p:cNvPr id="3" name="Notes Placeholder 2"/>
+          <p:cNvPr id="3" name="备注占位符 2"/>
           <p:cNvSpPr>
             <a:spLocks noGrp="1"/>
           </p:cNvSpPr>
@@ -519,74 +520,69 @@
           <a:p>
             <a:r>
               <a:rPr kumimoji="1" lang="zh-CN" altLang="en-US" dirty="0" smtClean="0"/>
-              <a:t>深度学习在近年来发展飞速</a:t>
-            </a:r>
-            <a:endParaRPr kumimoji="1" lang="en-US" altLang="zh-CN" dirty="0" smtClean="0"/>
-          </a:p>
-          <a:p>
+              <a:t>前两篇是与</a:t>
+            </a:r>
+            <a:r>
+              <a:rPr kumimoji="1" lang="en-US" altLang="zh-CN" dirty="0" smtClean="0"/>
+              <a:t>SpMV</a:t>
+            </a:r>
             <a:r>
               <a:rPr kumimoji="1" lang="zh-CN" altLang="en-US" dirty="0" smtClean="0"/>
-              <a:t>根据应用的硬件平台大致可以分为两类：</a:t>
-            </a:r>
-            <a:endParaRPr kumimoji="1" lang="en-US" altLang="zh-CN" dirty="0" smtClean="0"/>
-          </a:p>
-          <a:p>
-            <a:r>
-              <a:rPr kumimoji="1" lang="zh-CN" altLang="en-US" dirty="0" smtClean="0"/>
-              <a:t>传统的基于</a:t>
+              <a:t>在</a:t>
             </a:r>
             <a:r>
               <a:rPr kumimoji="1" lang="en-US" altLang="zh-CN" dirty="0" smtClean="0"/>
-              <a:t>GPU</a:t>
-            </a:r>
-            <a:r>
-              <a:rPr kumimoji="1" lang="zh-CN" altLang="en-US" dirty="0" smtClean="0"/>
-              <a:t>的深度学习应用</a:t>
-            </a:r>
-            <a:endParaRPr kumimoji="1" lang="en-US" altLang="zh-CN" dirty="0" smtClean="0"/>
-          </a:p>
-          <a:p>
-            <a:r>
-              <a:rPr kumimoji="1" lang="zh-CN" altLang="en-US" dirty="0" smtClean="0"/>
-              <a:t>基于嵌入式平台的新兴应用</a:t>
-            </a:r>
-            <a:endParaRPr kumimoji="1" lang="en-US" altLang="zh-CN" dirty="0" smtClean="0"/>
-          </a:p>
-          <a:p>
-            <a:endParaRPr kumimoji="1" lang="en-US" altLang="zh-CN" dirty="0" smtClean="0"/>
-          </a:p>
-          <a:p>
-            <a:r>
-              <a:rPr kumimoji="1" lang="zh-CN" altLang="en-US" dirty="0" smtClean="0"/>
-              <a:t>嵌入式平台比如无人机和自动驾驶汽车，计算性能和功耗比要求等等都比较高</a:t>
-            </a:r>
-            <a:endParaRPr kumimoji="1" lang="en-US" altLang="zh-CN" dirty="0" smtClean="0"/>
-          </a:p>
-          <a:p>
-            <a:endParaRPr kumimoji="1" lang="en-US" altLang="zh-CN" dirty="0" smtClean="0"/>
-          </a:p>
-          <a:p>
-            <a:r>
-              <a:rPr kumimoji="1" lang="zh-CN" altLang="en-US" dirty="0" smtClean="0"/>
-              <a:t>这类平台难以运行传统意义上的大规模深度学习应用</a:t>
-            </a:r>
-            <a:endParaRPr kumimoji="1" lang="en-US" altLang="zh-CN" dirty="0" smtClean="0"/>
-          </a:p>
-          <a:p>
-            <a:endParaRPr kumimoji="1" lang="en-US" altLang="zh-CN" dirty="0" smtClean="0"/>
-          </a:p>
-          <a:p>
-            <a:r>
-              <a:rPr kumimoji="1" lang="zh-CN" altLang="en-US" dirty="0" smtClean="0"/>
-              <a:t>研究目标即为如何设计一种深度学习框架可以同时满足嵌入式平台的计算特性，与</a:t>
-            </a:r>
-            <a:endParaRPr kumimoji="1" lang="en-US" altLang="zh-CN" dirty="0" smtClean="0"/>
-          </a:p>
-        </p:txBody>
-      </p:sp>
-      <p:sp>
-        <p:nvSpPr>
-          <p:cNvPr id="4" name="Slide Number Placeholder 3"/>
+              <a:t>Xeon</a:t>
+            </a:r>
+            <a:r>
+              <a:rPr kumimoji="1" lang="en-US" altLang="zh-CN" baseline="0" dirty="0" smtClean="0"/>
+              <a:t> Phi</a:t>
+            </a:r>
+            <a:r>
+              <a:rPr kumimoji="1" lang="zh-CN" altLang="en-US" baseline="0" dirty="0" smtClean="0"/>
+              <a:t>上的优化有关，第三篇是</a:t>
+            </a:r>
+            <a:r>
+              <a:rPr kumimoji="1" lang="en-US" altLang="zh-CN" baseline="0" dirty="0" smtClean="0"/>
+              <a:t>FPGA</a:t>
+            </a:r>
+            <a:r>
+              <a:rPr kumimoji="1" lang="zh-CN" altLang="en-US" baseline="0" dirty="0" smtClean="0"/>
+              <a:t>上的高层次综合技术优化</a:t>
+            </a:r>
+            <a:endParaRPr kumimoji="1" lang="en-US" altLang="zh-CN" baseline="0" dirty="0" smtClean="0"/>
+          </a:p>
+          <a:p>
+            <a:endParaRPr kumimoji="1" lang="en-US" altLang="zh-CN" baseline="0" dirty="0" smtClean="0"/>
+          </a:p>
+          <a:p>
+            <a:r>
+              <a:rPr kumimoji="1" lang="zh-CN" altLang="en-US" baseline="0" dirty="0" smtClean="0"/>
+              <a:t>我在前两年的暑假分别在帝国理工的</a:t>
+            </a:r>
+            <a:r>
+              <a:rPr kumimoji="1" lang="en-US" altLang="zh-CN" baseline="0" dirty="0" smtClean="0"/>
+              <a:t>Custom Computing Group</a:t>
+            </a:r>
+            <a:r>
+              <a:rPr kumimoji="1" lang="zh-CN" altLang="en-US" baseline="0" dirty="0" smtClean="0"/>
+              <a:t>和新加坡的</a:t>
+            </a:r>
+            <a:r>
+              <a:rPr kumimoji="1" lang="en-US" altLang="zh-CN" baseline="0" dirty="0" smtClean="0"/>
+              <a:t>IHPC</a:t>
+            </a:r>
+            <a:r>
+              <a:rPr kumimoji="1" lang="zh-CN" altLang="en-US" baseline="0" dirty="0" smtClean="0"/>
+              <a:t>实验室进行海外科研实习</a:t>
+            </a:r>
+            <a:endParaRPr kumimoji="1" lang="zh-CN" altLang="en-US" dirty="0"/>
+          </a:p>
+        </p:txBody>
+      </p:sp>
+      <p:sp>
+        <p:nvSpPr>
+          <p:cNvPr id="4" name="幻灯片编号占位符 3"/>
           <p:cNvSpPr>
             <a:spLocks noGrp="1"/>
           </p:cNvSpPr>
@@ -610,7 +606,7 @@
     </p:spTree>
     <p:extLst>
       <p:ext uri="{BB962C8B-B14F-4D97-AF65-F5344CB8AC3E}">
-        <p14:creationId xmlns:p14="http://schemas.microsoft.com/office/powerpoint/2010/main" val="252902840"/>
+        <p14:creationId xmlns:p14="http://schemas.microsoft.com/office/powerpoint/2010/main" val="171611795"/>
       </p:ext>
     </p:extLst>
   </p:cSld>
@@ -666,72 +662,66 @@
           <a:p>
             <a:r>
               <a:rPr kumimoji="1" lang="zh-CN" altLang="en-US" dirty="0" smtClean="0"/>
-              <a:t>因此，本研究的研究目标是提供一种通用的嵌入式平台深度学习应用开发的解决方案</a:t>
+              <a:t>深度学习在近年来发展飞速</a:t>
             </a:r>
             <a:endParaRPr kumimoji="1" lang="en-US" altLang="zh-CN" dirty="0" smtClean="0"/>
           </a:p>
           <a:p>
             <a:r>
               <a:rPr kumimoji="1" lang="zh-CN" altLang="en-US" dirty="0" smtClean="0"/>
-              <a:t>传统实现主要针对特殊的应用进行特殊的设计，开发周期长，难以复用，并且一般深度学习研究人员不熟悉硬件</a:t>
+              <a:t>根据应用的硬件平台大致可以分为两类：</a:t>
             </a:r>
             <a:endParaRPr kumimoji="1" lang="en-US" altLang="zh-CN" dirty="0" smtClean="0"/>
           </a:p>
           <a:p>
             <a:r>
               <a:rPr kumimoji="1" lang="zh-CN" altLang="en-US" dirty="0" smtClean="0"/>
-              <a:t>基于</a:t>
+              <a:t>传统的基于</a:t>
             </a:r>
             <a:r>
               <a:rPr kumimoji="1" lang="en-US" altLang="zh-CN" dirty="0" smtClean="0"/>
-              <a:t>SoCaffe</a:t>
+              <a:t>GPU</a:t>
             </a:r>
             <a:r>
               <a:rPr kumimoji="1" lang="zh-CN" altLang="en-US" dirty="0" smtClean="0"/>
-              <a:t>的实现则利用了：</a:t>
+              <a:t>的深度学习应用</a:t>
             </a:r>
             <a:endParaRPr kumimoji="1" lang="en-US" altLang="zh-CN" dirty="0" smtClean="0"/>
           </a:p>
           <a:p>
             <a:r>
-              <a:rPr kumimoji="1" lang="en-US" altLang="zh-CN" dirty="0" smtClean="0"/>
-              <a:t>Caffe</a:t>
-            </a:r>
-          </a:p>
-          <a:p>
-            <a:r>
-              <a:rPr kumimoji="1" lang="en-US" altLang="zh-CN" dirty="0" smtClean="0"/>
-              <a:t>Zynq</a:t>
-            </a:r>
-            <a:r>
               <a:rPr kumimoji="1" lang="zh-CN" altLang="en-US" dirty="0" smtClean="0"/>
-              <a:t> </a:t>
-            </a:r>
-            <a:r>
-              <a:rPr kumimoji="1" lang="en-US" altLang="zh-CN" dirty="0" smtClean="0"/>
-              <a:t>SoC</a:t>
-            </a:r>
+              <a:t>基于嵌入式平台的新兴应用</a:t>
+            </a:r>
+            <a:endParaRPr kumimoji="1" lang="en-US" altLang="zh-CN" dirty="0" smtClean="0"/>
+          </a:p>
+          <a:p>
+            <a:endParaRPr kumimoji="1" lang="en-US" altLang="zh-CN" dirty="0" smtClean="0"/>
           </a:p>
           <a:p>
             <a:r>
               <a:rPr kumimoji="1" lang="zh-CN" altLang="en-US" dirty="0" smtClean="0"/>
-              <a:t>研究人员不用了解</a:t>
-            </a:r>
-            <a:r>
-              <a:rPr kumimoji="1" lang="en-US" altLang="zh-CN" dirty="0" smtClean="0"/>
-              <a:t>Zynq</a:t>
-            </a:r>
+              <a:t>嵌入式平台比如无人机和自动驾驶汽车，计算性能和功耗比要求等等都比较高</a:t>
+            </a:r>
+            <a:endParaRPr kumimoji="1" lang="en-US" altLang="zh-CN" dirty="0" smtClean="0"/>
+          </a:p>
+          <a:p>
+            <a:endParaRPr kumimoji="1" lang="en-US" altLang="zh-CN" dirty="0" smtClean="0"/>
+          </a:p>
+          <a:p>
             <a:r>
               <a:rPr kumimoji="1" lang="zh-CN" altLang="en-US" dirty="0" smtClean="0"/>
-              <a:t>或者硬件，可以直接开发</a:t>
-            </a:r>
-            <a:r>
-              <a:rPr kumimoji="1" lang="en-US" altLang="zh-CN" dirty="0" smtClean="0"/>
-              <a:t>Caffe</a:t>
-            </a:r>
-            <a:r>
-              <a:rPr kumimoji="1" lang="zh-CN" altLang="en-US" baseline="0" dirty="0" smtClean="0"/>
-              <a:t>应用</a:t>
+              <a:t>这类平台难以运行传统意义上的大规模深度学习应用</a:t>
+            </a:r>
+            <a:endParaRPr kumimoji="1" lang="en-US" altLang="zh-CN" dirty="0" smtClean="0"/>
+          </a:p>
+          <a:p>
+            <a:endParaRPr kumimoji="1" lang="en-US" altLang="zh-CN" dirty="0" smtClean="0"/>
+          </a:p>
+          <a:p>
+            <a:r>
+              <a:rPr kumimoji="1" lang="zh-CN" altLang="en-US" dirty="0" smtClean="0"/>
+              <a:t>研究目标即为如何设计一种深度学习框架可以同时满足嵌入式平台的计算特性，与</a:t>
             </a:r>
             <a:endParaRPr kumimoji="1" lang="en-US" altLang="zh-CN" dirty="0" smtClean="0"/>
           </a:p>
@@ -763,7 +753,7 @@
     </p:spTree>
     <p:extLst>
       <p:ext uri="{BB962C8B-B14F-4D97-AF65-F5344CB8AC3E}">
-        <p14:creationId xmlns:p14="http://schemas.microsoft.com/office/powerpoint/2010/main" val="758738836"/>
+        <p14:creationId xmlns:p14="http://schemas.microsoft.com/office/powerpoint/2010/main" val="252902840"/>
       </p:ext>
     </p:extLst>
   </p:cSld>
@@ -819,115 +809,72 @@
           <a:p>
             <a:r>
               <a:rPr kumimoji="1" lang="zh-CN" altLang="en-US" dirty="0" smtClean="0"/>
-              <a:t>核心任务是将</a:t>
-            </a:r>
+              <a:t>因此，本研究的研究目标是提供一种通用的嵌入式平台深度学习应用开发的解决方案</a:t>
+            </a:r>
+            <a:endParaRPr kumimoji="1" lang="en-US" altLang="zh-CN" dirty="0" smtClean="0"/>
+          </a:p>
+          <a:p>
+            <a:r>
+              <a:rPr kumimoji="1" lang="zh-CN" altLang="en-US" dirty="0" smtClean="0"/>
+              <a:t>传统实现主要针对特殊的应用进行特殊的设计，开发周期长，难以复用，并且一般深度学习研究人员不熟悉硬件</a:t>
+            </a:r>
+            <a:endParaRPr kumimoji="1" lang="en-US" altLang="zh-CN" dirty="0" smtClean="0"/>
+          </a:p>
+          <a:p>
+            <a:r>
+              <a:rPr kumimoji="1" lang="zh-CN" altLang="en-US" dirty="0" smtClean="0"/>
+              <a:t>基于</a:t>
+            </a:r>
+            <a:r>
+              <a:rPr kumimoji="1" lang="en-US" altLang="zh-CN" dirty="0" smtClean="0"/>
+              <a:t>SoCaffe</a:t>
+            </a:r>
+            <a:r>
+              <a:rPr kumimoji="1" lang="zh-CN" altLang="en-US" dirty="0" smtClean="0"/>
+              <a:t>的实现则利用了：</a:t>
+            </a:r>
+            <a:endParaRPr kumimoji="1" lang="en-US" altLang="zh-CN" dirty="0" smtClean="0"/>
+          </a:p>
+          <a:p>
             <a:r>
               <a:rPr kumimoji="1" lang="en-US" altLang="zh-CN" dirty="0" smtClean="0"/>
               <a:t>Caffe</a:t>
             </a:r>
+          </a:p>
+          <a:p>
+            <a:r>
+              <a:rPr kumimoji="1" lang="en-US" altLang="zh-CN" dirty="0" smtClean="0"/>
+              <a:t>Zynq</a:t>
+            </a:r>
             <a:r>
               <a:rPr kumimoji="1" lang="zh-CN" altLang="en-US" dirty="0" smtClean="0"/>
-              <a:t>部署在</a:t>
+              <a:t> </a:t>
             </a:r>
             <a:r>
               <a:rPr kumimoji="1" lang="en-US" altLang="zh-CN" dirty="0" smtClean="0"/>
-              <a:t>Zynq SoC</a:t>
-            </a:r>
+              <a:t>SoC</a:t>
+            </a:r>
+          </a:p>
+          <a:p>
             <a:r>
               <a:rPr kumimoji="1" lang="zh-CN" altLang="en-US" dirty="0" smtClean="0"/>
-              <a:t>平台上</a:t>
-            </a:r>
-            <a:endParaRPr kumimoji="1" lang="en-US" altLang="zh-CN" dirty="0" smtClean="0"/>
-          </a:p>
-          <a:p>
-            <a:endParaRPr kumimoji="1" lang="en-US" altLang="zh-CN" dirty="0" smtClean="0"/>
-          </a:p>
-          <a:p>
+              <a:t>研究人员不用了解</a:t>
+            </a:r>
+            <a:r>
+              <a:rPr kumimoji="1" lang="en-US" altLang="zh-CN" dirty="0" smtClean="0"/>
+              <a:t>Zynq</a:t>
+            </a:r>
+            <a:r>
+              <a:rPr kumimoji="1" lang="zh-CN" altLang="en-US" dirty="0" smtClean="0"/>
+              <a:t>或者硬件，可以直接开发</a:t>
+            </a:r>
             <a:r>
               <a:rPr kumimoji="1" lang="en-US" altLang="zh-CN" dirty="0" smtClean="0"/>
               <a:t>Caffe</a:t>
             </a:r>
             <a:r>
-              <a:rPr kumimoji="1" lang="zh-CN" altLang="en-US" dirty="0" smtClean="0"/>
-              <a:t>的结构由网络层和计算构成，</a:t>
-            </a:r>
-            <a:r>
-              <a:rPr kumimoji="1" lang="en-US" altLang="zh-CN" dirty="0" smtClean="0"/>
-              <a:t>Zynq</a:t>
-            </a:r>
-            <a:r>
-              <a:rPr kumimoji="1" lang="zh-CN" altLang="en-US" dirty="0" smtClean="0"/>
-              <a:t>则是软件处理系统和硬件可编程逻辑的架构</a:t>
-            </a:r>
-            <a:endParaRPr kumimoji="1" lang="en-US" altLang="zh-CN" dirty="0" smtClean="0"/>
-          </a:p>
-          <a:p>
-            <a:endParaRPr kumimoji="1" lang="en-US" altLang="zh-CN" dirty="0" smtClean="0"/>
-          </a:p>
-          <a:p>
-            <a:r>
-              <a:rPr kumimoji="1" lang="zh-CN" altLang="en-US" dirty="0" smtClean="0"/>
-              <a:t>关键问题就是如何在</a:t>
-            </a:r>
-            <a:r>
-              <a:rPr kumimoji="1" lang="en-US" altLang="zh-CN" dirty="0" smtClean="0"/>
-              <a:t>Zynq</a:t>
-            </a:r>
-            <a:r>
-              <a:rPr kumimoji="1" lang="zh-CN" altLang="en-US" dirty="0" smtClean="0"/>
-              <a:t>上划分</a:t>
-            </a:r>
-            <a:r>
-              <a:rPr kumimoji="1" lang="en-US" altLang="zh-CN" dirty="0" smtClean="0"/>
-              <a:t>Caffe</a:t>
-            </a:r>
-            <a:r>
-              <a:rPr kumimoji="1" lang="zh-CN" altLang="en-US" dirty="0" smtClean="0"/>
-              <a:t>的软硬件职责？</a:t>
-            </a:r>
-            <a:endParaRPr kumimoji="1" lang="en-US" altLang="zh-CN" dirty="0" smtClean="0"/>
-          </a:p>
-          <a:p>
-            <a:endParaRPr kumimoji="1" lang="en-US" altLang="zh-CN" dirty="0" smtClean="0"/>
-          </a:p>
-          <a:p>
-            <a:r>
-              <a:rPr kumimoji="1" lang="zh-CN" altLang="en-US" dirty="0" smtClean="0"/>
-              <a:t>本研究提出这样的设计：即</a:t>
-            </a:r>
-            <a:r>
-              <a:rPr kumimoji="1" lang="en-US" altLang="zh-CN" dirty="0" smtClean="0"/>
-              <a:t>Caffe</a:t>
-            </a:r>
-            <a:r>
-              <a:rPr kumimoji="1" lang="zh-CN" altLang="en-US" dirty="0" smtClean="0"/>
-              <a:t>的主体和第三方库文件在处理系统中，硬件逻辑上运行耗时最久的</a:t>
-            </a:r>
-            <a:r>
-              <a:rPr kumimoji="1" lang="en-US" altLang="zh-CN" dirty="0" smtClean="0"/>
-              <a:t>GEMM</a:t>
-            </a:r>
-            <a:r>
-              <a:rPr kumimoji="1" lang="zh-CN" altLang="en-US" dirty="0" smtClean="0"/>
-              <a:t>计算。</a:t>
-            </a:r>
-            <a:endParaRPr kumimoji="1" lang="en-US" altLang="zh-CN" dirty="0" smtClean="0"/>
-          </a:p>
-          <a:p>
-            <a:endParaRPr kumimoji="1" lang="en-US" altLang="zh-CN" dirty="0" smtClean="0"/>
-          </a:p>
-          <a:p>
-            <a:r>
-              <a:rPr kumimoji="1" lang="zh-CN" altLang="en-US" dirty="0" smtClean="0"/>
-              <a:t>接下来我简单介绍一下</a:t>
-            </a:r>
-            <a:r>
-              <a:rPr kumimoji="1" lang="en-US" altLang="zh-CN" dirty="0" smtClean="0"/>
-              <a:t>GEMM</a:t>
-            </a:r>
-            <a:r>
-              <a:rPr kumimoji="1" lang="zh-CN" altLang="en-US" dirty="0" smtClean="0"/>
-              <a:t>运算的特点和优化策略</a:t>
+              <a:rPr kumimoji="1" lang="zh-CN" altLang="en-US" baseline="0" dirty="0" smtClean="0"/>
+              <a:t>应用</a:t>
             </a:r>
             <a:endParaRPr kumimoji="1" lang="en-US" altLang="zh-CN" dirty="0" smtClean="0"/>
           </a:p>
@@ -959,7 +906,7 @@
     </p:spTree>
     <p:extLst>
       <p:ext uri="{BB962C8B-B14F-4D97-AF65-F5344CB8AC3E}">
-        <p14:creationId xmlns:p14="http://schemas.microsoft.com/office/powerpoint/2010/main" val="311640659"/>
+        <p14:creationId xmlns:p14="http://schemas.microsoft.com/office/powerpoint/2010/main" val="758738836"/>
       </p:ext>
     </p:extLst>
   </p:cSld>
@@ -1015,7 +962,89 @@
           <a:p>
             <a:r>
               <a:rPr kumimoji="1" lang="zh-CN" altLang="en-US" dirty="0" smtClean="0"/>
-              <a:t>主要工作是</a:t>
+              <a:t>核心任务是将</a:t>
+            </a:r>
+            <a:r>
+              <a:rPr kumimoji="1" lang="en-US" altLang="zh-CN" dirty="0" smtClean="0"/>
+              <a:t>Caffe</a:t>
+            </a:r>
+            <a:r>
+              <a:rPr kumimoji="1" lang="zh-CN" altLang="en-US" dirty="0" smtClean="0"/>
+              <a:t>部署在</a:t>
+            </a:r>
+            <a:r>
+              <a:rPr kumimoji="1" lang="en-US" altLang="zh-CN" dirty="0" smtClean="0"/>
+              <a:t>Zynq SoC</a:t>
+            </a:r>
+            <a:r>
+              <a:rPr kumimoji="1" lang="zh-CN" altLang="en-US" dirty="0" smtClean="0"/>
+              <a:t>平台上</a:t>
+            </a:r>
+            <a:endParaRPr kumimoji="1" lang="en-US" altLang="zh-CN" dirty="0" smtClean="0"/>
+          </a:p>
+          <a:p>
+            <a:endParaRPr kumimoji="1" lang="en-US" altLang="zh-CN" dirty="0" smtClean="0"/>
+          </a:p>
+          <a:p>
+            <a:r>
+              <a:rPr kumimoji="1" lang="en-US" altLang="zh-CN" dirty="0" smtClean="0"/>
+              <a:t>Caffe</a:t>
+            </a:r>
+            <a:r>
+              <a:rPr kumimoji="1" lang="zh-CN" altLang="en-US" dirty="0" smtClean="0"/>
+              <a:t>的结构由网络层和计算构成，</a:t>
+            </a:r>
+            <a:r>
+              <a:rPr kumimoji="1" lang="en-US" altLang="zh-CN" dirty="0" smtClean="0"/>
+              <a:t>Zynq</a:t>
+            </a:r>
+            <a:r>
+              <a:rPr kumimoji="1" lang="zh-CN" altLang="en-US" dirty="0" smtClean="0"/>
+              <a:t>则是软件处理系统和硬件可编程逻辑的架构</a:t>
+            </a:r>
+            <a:endParaRPr kumimoji="1" lang="en-US" altLang="zh-CN" dirty="0" smtClean="0"/>
+          </a:p>
+          <a:p>
+            <a:endParaRPr kumimoji="1" lang="en-US" altLang="zh-CN" dirty="0" smtClean="0"/>
+          </a:p>
+          <a:p>
+            <a:r>
+              <a:rPr kumimoji="1" lang="zh-CN" altLang="en-US" dirty="0" smtClean="0"/>
+              <a:t>关键问题就是如何在</a:t>
+            </a:r>
+            <a:r>
+              <a:rPr kumimoji="1" lang="en-US" altLang="zh-CN" dirty="0" smtClean="0"/>
+              <a:t>Zynq</a:t>
+            </a:r>
+            <a:r>
+              <a:rPr kumimoji="1" lang="zh-CN" altLang="en-US" dirty="0" smtClean="0"/>
+              <a:t>上划分</a:t>
+            </a:r>
+            <a:r>
+              <a:rPr kumimoji="1" lang="en-US" altLang="zh-CN" dirty="0" smtClean="0"/>
+              <a:t>Caffe</a:t>
+            </a:r>
+            <a:r>
+              <a:rPr kumimoji="1" lang="zh-CN" altLang="en-US" dirty="0" smtClean="0"/>
+              <a:t>的软硬件职责？</a:t>
+            </a:r>
+            <a:endParaRPr kumimoji="1" lang="en-US" altLang="zh-CN" dirty="0" smtClean="0"/>
+          </a:p>
+          <a:p>
+            <a:endParaRPr kumimoji="1" lang="en-US" altLang="zh-CN" dirty="0" smtClean="0"/>
+          </a:p>
+          <a:p>
+            <a:r>
+              <a:rPr kumimoji="1" lang="zh-CN" altLang="en-US" dirty="0" smtClean="0"/>
+              <a:t>本研究提出这样的设计：即</a:t>
+            </a:r>
+            <a:r>
+              <a:rPr kumimoji="1" lang="en-US" altLang="zh-CN" dirty="0" smtClean="0"/>
+              <a:t>Caffe</a:t>
+            </a:r>
+            <a:r>
+              <a:rPr kumimoji="1" lang="zh-CN" altLang="en-US" dirty="0" smtClean="0"/>
+              <a:t>的主体和第三方库文件在处理系统中，硬件逻辑上运行耗时最久的</a:t>
             </a:r>
             <a:r>
               <a:rPr kumimoji="1" lang="en-US" altLang="zh-CN" dirty="0" smtClean="0"/>
@@ -1023,7 +1052,7 @@
             </a:r>
             <a:r>
               <a:rPr kumimoji="1" lang="zh-CN" altLang="en-US" dirty="0" smtClean="0"/>
-              <a:t>的性能优化与整体系统实现</a:t>
+              <a:t>计算。</a:t>
             </a:r>
             <a:endParaRPr kumimoji="1" lang="en-US" altLang="zh-CN" dirty="0" smtClean="0"/>
           </a:p>
@@ -1031,13 +1060,19 @@
             <a:endParaRPr kumimoji="1" lang="en-US" altLang="zh-CN" dirty="0" smtClean="0"/>
           </a:p>
           <a:p>
+            <a:r>
+              <a:rPr kumimoji="1" lang="zh-CN" altLang="en-US" dirty="0" smtClean="0"/>
+              <a:t>接下来我简单介绍一下</a:t>
+            </a:r>
+            <a:r>
+              <a:rPr kumimoji="1" lang="en-US" altLang="zh-CN" dirty="0" smtClean="0"/>
+              <a:t>GEMM</a:t>
+            </a:r>
+            <a:r>
+              <a:rPr kumimoji="1" lang="zh-CN" altLang="en-US" dirty="0" smtClean="0"/>
+              <a:t>运算的特点和优化策略</a:t>
+            </a:r>
             <a:endParaRPr kumimoji="1" lang="en-US" altLang="zh-CN" dirty="0" smtClean="0"/>
-          </a:p>
-          <a:p>
-            <a:endParaRPr kumimoji="1" lang="en-US" altLang="zh-CN" dirty="0" smtClean="0"/>
-          </a:p>
-          <a:p>
-            <a:endParaRPr kumimoji="1" lang="zh-CN" altLang="en-US" dirty="0"/>
           </a:p>
         </p:txBody>
       </p:sp>
@@ -1067,7 +1102,7 @@
     </p:spTree>
     <p:extLst>
       <p:ext uri="{BB962C8B-B14F-4D97-AF65-F5344CB8AC3E}">
-        <p14:creationId xmlns:p14="http://schemas.microsoft.com/office/powerpoint/2010/main" val="1394489818"/>
+        <p14:creationId xmlns:p14="http://schemas.microsoft.com/office/powerpoint/2010/main" val="311640659"/>
       </p:ext>
     </p:extLst>
   </p:cSld>
@@ -1123,7 +1158,15 @@
           <a:p>
             <a:r>
               <a:rPr kumimoji="1" lang="zh-CN" altLang="en-US" dirty="0" smtClean="0"/>
-              <a:t>硬件设计优化是本研究的重点</a:t>
+              <a:t>主要工作是</a:t>
+            </a:r>
+            <a:r>
+              <a:rPr kumimoji="1" lang="en-US" altLang="zh-CN" dirty="0" smtClean="0"/>
+              <a:t>GEMM</a:t>
+            </a:r>
+            <a:r>
+              <a:rPr kumimoji="1" lang="zh-CN" altLang="en-US" dirty="0" smtClean="0"/>
+              <a:t>的性能优化与整体系统实现</a:t>
             </a:r>
             <a:endParaRPr kumimoji="1" lang="en-US" altLang="zh-CN" dirty="0" smtClean="0"/>
           </a:p>
@@ -1131,87 +1174,13 @@
             <a:endParaRPr kumimoji="1" lang="en-US" altLang="zh-CN" dirty="0" smtClean="0"/>
           </a:p>
           <a:p>
-            <a:r>
-              <a:rPr kumimoji="1" lang="zh-CN" altLang="en-US" dirty="0" smtClean="0"/>
-              <a:t>从</a:t>
-            </a:r>
-            <a:r>
-              <a:rPr kumimoji="1" lang="en-US" altLang="zh-CN" dirty="0" smtClean="0"/>
-              <a:t>baseline</a:t>
-            </a:r>
-            <a:r>
-              <a:rPr kumimoji="1" lang="zh-CN" altLang="en-US" dirty="0" smtClean="0"/>
-              <a:t>出发，实现了如下五种优化方案</a:t>
-            </a:r>
             <a:endParaRPr kumimoji="1" lang="en-US" altLang="zh-CN" dirty="0" smtClean="0"/>
           </a:p>
           <a:p>
-            <a:r>
-              <a:rPr kumimoji="1" lang="zh-CN" altLang="en-US" dirty="0" smtClean="0"/>
-              <a:t>分为两类，一类是对延迟的优化，包括流水线和操作合并，此时计算延迟基本缩小为矩阵尺寸平方的</a:t>
-            </a:r>
-            <a:r>
-              <a:rPr kumimoji="1" lang="en-US" altLang="zh-CN" dirty="0" smtClean="0"/>
-              <a:t>2</a:t>
-            </a:r>
-            <a:r>
-              <a:rPr kumimoji="1" lang="zh-CN" altLang="en-US" dirty="0" smtClean="0"/>
-              <a:t>倍</a:t>
-            </a:r>
             <a:endParaRPr kumimoji="1" lang="en-US" altLang="zh-CN" dirty="0" smtClean="0"/>
           </a:p>
           <a:p>
-            <a:r>
-              <a:rPr kumimoji="1" lang="zh-CN" altLang="en-US" dirty="0" smtClean="0"/>
-              <a:t>另一类是对硬件资源的优化</a:t>
-            </a:r>
-            <a:endParaRPr kumimoji="1" lang="en-US" altLang="zh-CN" dirty="0" smtClean="0"/>
-          </a:p>
-          <a:p>
-            <a:r>
-              <a:rPr kumimoji="1" lang="zh-CN" altLang="en-US" dirty="0" smtClean="0"/>
-              <a:t>使用如下的约束条件，其中常数来自</a:t>
-            </a:r>
-            <a:r>
-              <a:rPr kumimoji="1" lang="en-US" altLang="zh-CN" dirty="0" smtClean="0"/>
-              <a:t>HLS</a:t>
-            </a:r>
-            <a:r>
-              <a:rPr kumimoji="1" lang="zh-CN" altLang="en-US" dirty="0" smtClean="0"/>
-              <a:t>的</a:t>
-            </a:r>
-            <a:r>
-              <a:rPr kumimoji="1" lang="en-US" altLang="zh-CN" dirty="0" smtClean="0"/>
-              <a:t>RTL</a:t>
-            </a:r>
-            <a:r>
-              <a:rPr kumimoji="1" lang="zh-CN" altLang="en-US" dirty="0" smtClean="0"/>
-              <a:t>实现，和</a:t>
-            </a:r>
-            <a:r>
-              <a:rPr kumimoji="1" lang="en-US" altLang="zh-CN" dirty="0" smtClean="0"/>
-              <a:t>Zynq</a:t>
-            </a:r>
-            <a:r>
-              <a:rPr kumimoji="1" lang="zh-CN" altLang="en-US" dirty="0" smtClean="0"/>
-              <a:t>文档</a:t>
-            </a:r>
-            <a:endParaRPr kumimoji="1" lang="en-US" altLang="zh-CN" dirty="0" smtClean="0"/>
-          </a:p>
-          <a:p>
-            <a:r>
-              <a:rPr kumimoji="1" lang="zh-CN" altLang="en-US" dirty="0" smtClean="0"/>
-              <a:t>对硬件资源进行重新分配，令矩阵块大小不规则来优化利用存储资源，以及使用半精度浮点数（长度为单精度浮点数的</a:t>
-            </a:r>
-            <a:r>
-              <a:rPr kumimoji="1" lang="en-US" altLang="zh-CN" dirty="0" smtClean="0"/>
-              <a:t>1/2</a:t>
-            </a:r>
-            <a:r>
-              <a:rPr kumimoji="1" lang="zh-CN" altLang="en-US" dirty="0" smtClean="0"/>
-              <a:t>）</a:t>
-            </a:r>
-            <a:endParaRPr kumimoji="1" lang="en-US" altLang="zh-CN" dirty="0" smtClean="0"/>
+            <a:endParaRPr kumimoji="1" lang="zh-CN" altLang="en-US" dirty="0"/>
           </a:p>
         </p:txBody>
       </p:sp>
@@ -1241,7 +1210,7 @@
     </p:spTree>
     <p:extLst>
       <p:ext uri="{BB962C8B-B14F-4D97-AF65-F5344CB8AC3E}">
-        <p14:creationId xmlns:p14="http://schemas.microsoft.com/office/powerpoint/2010/main" val="1062168883"/>
+        <p14:creationId xmlns:p14="http://schemas.microsoft.com/office/powerpoint/2010/main" val="1394489818"/>
       </p:ext>
     </p:extLst>
   </p:cSld>
@@ -1297,17 +1266,95 @@
           <a:p>
             <a:r>
               <a:rPr kumimoji="1" lang="zh-CN" altLang="en-US" dirty="0" smtClean="0"/>
-              <a:t>这里是</a:t>
+              <a:t>硬件设计优化是本研究的重点</a:t>
+            </a:r>
+            <a:endParaRPr kumimoji="1" lang="en-US" altLang="zh-CN" dirty="0" smtClean="0"/>
+          </a:p>
+          <a:p>
+            <a:endParaRPr kumimoji="1" lang="en-US" altLang="zh-CN" dirty="0" smtClean="0"/>
+          </a:p>
+          <a:p>
+            <a:r>
+              <a:rPr kumimoji="1" lang="zh-CN" altLang="en-US" dirty="0" smtClean="0"/>
+              <a:t>从</a:t>
             </a:r>
             <a:r>
               <a:rPr kumimoji="1" lang="en-US" altLang="zh-CN" dirty="0" smtClean="0"/>
-              <a:t>GEMM</a:t>
+              <a:t>baseline</a:t>
             </a:r>
             <a:r>
               <a:rPr kumimoji="1" lang="zh-CN" altLang="en-US" dirty="0" smtClean="0"/>
-              <a:t>各种优化策略的对比，分为块测试和完整测试两种</a:t>
-            </a:r>
-            <a:endParaRPr kumimoji="1" lang="zh-CN" altLang="en-US" dirty="0"/>
+              <a:t>出发，实现了如下五种优化方案</a:t>
+            </a:r>
+            <a:endParaRPr kumimoji="1" lang="en-US" altLang="zh-CN" dirty="0" smtClean="0"/>
+          </a:p>
+          <a:p>
+            <a:r>
+              <a:rPr kumimoji="1" lang="zh-CN" altLang="en-US" dirty="0" smtClean="0"/>
+              <a:t>分为两类，一类是对延迟的优化，包括流水线和操作合并，此时计算延迟基本缩小为矩阵尺寸平方的</a:t>
+            </a:r>
+            <a:r>
+              <a:rPr kumimoji="1" lang="en-US" altLang="zh-CN" dirty="0" smtClean="0"/>
+              <a:t>2</a:t>
+            </a:r>
+            <a:r>
+              <a:rPr kumimoji="1" lang="zh-CN" altLang="en-US" dirty="0" smtClean="0"/>
+              <a:t>倍</a:t>
+            </a:r>
+            <a:endParaRPr kumimoji="1" lang="en-US" altLang="zh-CN" dirty="0" smtClean="0"/>
+          </a:p>
+          <a:p>
+            <a:r>
+              <a:rPr kumimoji="1" lang="zh-CN" altLang="en-US" dirty="0" smtClean="0"/>
+              <a:t>另一类是对硬件资源的优化</a:t>
+            </a:r>
+            <a:endParaRPr kumimoji="1" lang="en-US" altLang="zh-CN" dirty="0" smtClean="0"/>
+          </a:p>
+          <a:p>
+            <a:r>
+              <a:rPr kumimoji="1" lang="zh-CN" altLang="en-US" dirty="0" smtClean="0"/>
+              <a:t>使用如下的约束条件，其中常数来自</a:t>
+            </a:r>
+            <a:r>
+              <a:rPr kumimoji="1" lang="en-US" altLang="zh-CN" dirty="0" smtClean="0"/>
+              <a:t>HLS</a:t>
+            </a:r>
+            <a:r>
+              <a:rPr kumimoji="1" lang="zh-CN" altLang="en-US" dirty="0" smtClean="0"/>
+              <a:t>的</a:t>
+            </a:r>
+            <a:r>
+              <a:rPr kumimoji="1" lang="en-US" altLang="zh-CN" dirty="0" smtClean="0"/>
+              <a:t>RTL</a:t>
+            </a:r>
+            <a:r>
+              <a:rPr kumimoji="1" lang="zh-CN" altLang="en-US" dirty="0" smtClean="0"/>
+              <a:t>实现，和</a:t>
+            </a:r>
+            <a:r>
+              <a:rPr kumimoji="1" lang="en-US" altLang="zh-CN" dirty="0" smtClean="0"/>
+              <a:t>Zynq</a:t>
+            </a:r>
+            <a:r>
+              <a:rPr kumimoji="1" lang="zh-CN" altLang="en-US" dirty="0" smtClean="0"/>
+              <a:t>文档</a:t>
+            </a:r>
+            <a:endParaRPr kumimoji="1" lang="en-US" altLang="zh-CN" dirty="0" smtClean="0"/>
+          </a:p>
+          <a:p>
+            <a:r>
+              <a:rPr kumimoji="1" lang="zh-CN" altLang="en-US" dirty="0" smtClean="0"/>
+              <a:t>对硬件资源进行重新分配，令矩阵块大小不规则来优化利用存储资源，以及使用半精度浮点数（长度为单精度浮点数的</a:t>
+            </a:r>
+            <a:r>
+              <a:rPr kumimoji="1" lang="en-US" altLang="zh-CN" dirty="0" smtClean="0"/>
+              <a:t>1/2</a:t>
+            </a:r>
+            <a:r>
+              <a:rPr kumimoji="1" lang="zh-CN" altLang="en-US" dirty="0" smtClean="0"/>
+              <a:t>）</a:t>
+            </a:r>
+            <a:endParaRPr kumimoji="1" lang="en-US" altLang="zh-CN" dirty="0" smtClean="0"/>
           </a:p>
         </p:txBody>
       </p:sp>
@@ -1337,7 +1384,7 @@
     </p:spTree>
     <p:extLst>
       <p:ext uri="{BB962C8B-B14F-4D97-AF65-F5344CB8AC3E}">
-        <p14:creationId xmlns:p14="http://schemas.microsoft.com/office/powerpoint/2010/main" val="1239231988"/>
+        <p14:creationId xmlns:p14="http://schemas.microsoft.com/office/powerpoint/2010/main" val="1062168883"/>
       </p:ext>
     </p:extLst>
   </p:cSld>
@@ -1391,6 +1438,18 @@
           <a:bodyPr/>
           <a:lstStyle/>
           <a:p>
+            <a:r>
+              <a:rPr kumimoji="1" lang="zh-CN" altLang="en-US" dirty="0" smtClean="0"/>
+              <a:t>这里是</a:t>
+            </a:r>
+            <a:r>
+              <a:rPr kumimoji="1" lang="en-US" altLang="zh-CN" dirty="0" smtClean="0"/>
+              <a:t>GEMM</a:t>
+            </a:r>
+            <a:r>
+              <a:rPr kumimoji="1" lang="zh-CN" altLang="en-US" dirty="0" smtClean="0"/>
+              <a:t>各种优化策略的对比，分为块测试和完整测试两种</a:t>
+            </a:r>
             <a:endParaRPr kumimoji="1" lang="zh-CN" altLang="en-US" dirty="0"/>
           </a:p>
         </p:txBody>
@@ -1421,7 +1480,7 @@
     </p:spTree>
     <p:extLst>
       <p:ext uri="{BB962C8B-B14F-4D97-AF65-F5344CB8AC3E}">
-        <p14:creationId xmlns:p14="http://schemas.microsoft.com/office/powerpoint/2010/main" val="2016259547"/>
+        <p14:creationId xmlns:p14="http://schemas.microsoft.com/office/powerpoint/2010/main" val="1239231988"/>
       </p:ext>
     </p:extLst>
   </p:cSld>
@@ -1497,6 +1556,90 @@
             <a:fld id="{925C08A1-8A1F-BB40-9AF8-6BFDC7488B7C}" type="slidenum">
               <a:rPr kumimoji="1" lang="zh-CN" altLang="en-US" smtClean="0"/>
               <a:t>9</a:t>
+            </a:fld>
+            <a:endParaRPr kumimoji="1" lang="zh-CN" altLang="en-US"/>
+          </a:p>
+        </p:txBody>
+      </p:sp>
+    </p:spTree>
+    <p:extLst>
+      <p:ext uri="{BB962C8B-B14F-4D97-AF65-F5344CB8AC3E}">
+        <p14:creationId xmlns:p14="http://schemas.microsoft.com/office/powerpoint/2010/main" val="2016259547"/>
+      </p:ext>
+    </p:extLst>
+  </p:cSld>
+  <p:clrMapOvr>
+    <a:masterClrMapping/>
+  </p:clrMapOvr>
+</p:notes>
+</file>
+
+<file path=ppt/notesSlides/notesSlide9.xml><?xml version="1.0" encoding="utf-8"?>
+<p:notes xmlns:a="http://schemas.openxmlformats.org/drawingml/2006/main" xmlns:r="http://schemas.openxmlformats.org/officeDocument/2006/relationships" xmlns:p="http://schemas.openxmlformats.org/presentationml/2006/main">
+  <p:cSld>
+    <p:spTree>
+      <p:nvGrpSpPr>
+        <p:cNvPr id="1" name=""/>
+        <p:cNvGrpSpPr/>
+        <p:nvPr/>
+      </p:nvGrpSpPr>
+      <p:grpSpPr>
+        <a:xfrm>
+          <a:off x="0" y="0"/>
+          <a:ext cx="0" cy="0"/>
+          <a:chOff x="0" y="0"/>
+          <a:chExt cx="0" cy="0"/>
+        </a:xfrm>
+      </p:grpSpPr>
+      <p:sp>
+        <p:nvSpPr>
+          <p:cNvPr id="2" name="Slide Image Placeholder 1"/>
+          <p:cNvSpPr>
+            <a:spLocks noGrp="1" noRot="1" noChangeAspect="1"/>
+          </p:cNvSpPr>
+          <p:nvPr>
+            <p:ph type="sldImg"/>
+          </p:nvPr>
+        </p:nvSpPr>
+        <p:spPr/>
+      </p:sp>
+      <p:sp>
+        <p:nvSpPr>
+          <p:cNvPr id="3" name="Notes Placeholder 2"/>
+          <p:cNvSpPr>
+            <a:spLocks noGrp="1"/>
+          </p:cNvSpPr>
+          <p:nvPr>
+            <p:ph type="body" idx="1"/>
+          </p:nvPr>
+        </p:nvSpPr>
+        <p:spPr/>
+        <p:txBody>
+          <a:bodyPr/>
+          <a:lstStyle/>
+          <a:p>
+            <a:endParaRPr kumimoji="1" lang="zh-CN" altLang="en-US" dirty="0"/>
+          </a:p>
+        </p:txBody>
+      </p:sp>
+      <p:sp>
+        <p:nvSpPr>
+          <p:cNvPr id="4" name="Slide Number Placeholder 3"/>
+          <p:cNvSpPr>
+            <a:spLocks noGrp="1"/>
+          </p:cNvSpPr>
+          <p:nvPr>
+            <p:ph type="sldNum" sz="quarter" idx="10"/>
+          </p:nvPr>
+        </p:nvSpPr>
+        <p:spPr/>
+        <p:txBody>
+          <a:bodyPr/>
+          <a:lstStyle/>
+          <a:p>
+            <a:fld id="{925C08A1-8A1F-BB40-9AF8-6BFDC7488B7C}" type="slidenum">
+              <a:rPr kumimoji="1" lang="zh-CN" altLang="en-US" smtClean="0"/>
+              <a:t>10</a:t>
             </a:fld>
             <a:endParaRPr kumimoji="1" lang="zh-CN" altLang="en-US"/>
           </a:p>
@@ -1646,7 +1789,7 @@
           <a:p>
             <a:fld id="{47CD58C7-AAFF-E34F-B46B-2A48B7F39D17}" type="datetimeFigureOut">
               <a:rPr kumimoji="1" lang="zh-CN" altLang="en-US" smtClean="0"/>
-              <a:t>16/5/24</a:t>
+              <a:t>16/6/4</a:t>
             </a:fld>
             <a:endParaRPr kumimoji="1" lang="zh-CN" altLang="en-US"/>
           </a:p>
@@ -1816,7 +1959,7 @@
           <a:p>
             <a:fld id="{47CD58C7-AAFF-E34F-B46B-2A48B7F39D17}" type="datetimeFigureOut">
               <a:rPr kumimoji="1" lang="zh-CN" altLang="en-US" smtClean="0"/>
-              <a:t>16/5/24</a:t>
+              <a:t>16/6/4</a:t>
             </a:fld>
             <a:endParaRPr kumimoji="1" lang="zh-CN" altLang="en-US"/>
           </a:p>
@@ -1996,7 +2139,7 @@
           <a:p>
             <a:fld id="{47CD58C7-AAFF-E34F-B46B-2A48B7F39D17}" type="datetimeFigureOut">
               <a:rPr kumimoji="1" lang="zh-CN" altLang="en-US" smtClean="0"/>
-              <a:t>16/5/24</a:t>
+              <a:t>16/6/4</a:t>
             </a:fld>
             <a:endParaRPr kumimoji="1" lang="zh-CN" altLang="en-US"/>
           </a:p>
@@ -2166,7 +2309,7 @@
           <a:p>
             <a:fld id="{47CD58C7-AAFF-E34F-B46B-2A48B7F39D17}" type="datetimeFigureOut">
               <a:rPr kumimoji="1" lang="zh-CN" altLang="en-US" smtClean="0"/>
-              <a:t>16/5/24</a:t>
+              <a:t>16/6/4</a:t>
             </a:fld>
             <a:endParaRPr kumimoji="1" lang="zh-CN" altLang="en-US"/>
           </a:p>
@@ -2410,7 +2553,7 @@
           <a:p>
             <a:fld id="{47CD58C7-AAFF-E34F-B46B-2A48B7F39D17}" type="datetimeFigureOut">
               <a:rPr kumimoji="1" lang="zh-CN" altLang="en-US" smtClean="0"/>
-              <a:t>16/5/24</a:t>
+              <a:t>16/6/4</a:t>
             </a:fld>
             <a:endParaRPr kumimoji="1" lang="zh-CN" altLang="en-US"/>
           </a:p>
@@ -2642,7 +2785,7 @@
           <a:p>
             <a:fld id="{47CD58C7-AAFF-E34F-B46B-2A48B7F39D17}" type="datetimeFigureOut">
               <a:rPr kumimoji="1" lang="zh-CN" altLang="en-US" smtClean="0"/>
-              <a:t>16/5/24</a:t>
+              <a:t>16/6/4</a:t>
             </a:fld>
             <a:endParaRPr kumimoji="1" lang="zh-CN" altLang="en-US"/>
           </a:p>
@@ -3009,7 +3152,7 @@
           <a:p>
             <a:fld id="{47CD58C7-AAFF-E34F-B46B-2A48B7F39D17}" type="datetimeFigureOut">
               <a:rPr kumimoji="1" lang="zh-CN" altLang="en-US" smtClean="0"/>
-              <a:t>16/5/24</a:t>
+              <a:t>16/6/4</a:t>
             </a:fld>
             <a:endParaRPr kumimoji="1" lang="zh-CN" altLang="en-US"/>
           </a:p>
@@ -3127,7 +3270,7 @@
           <a:p>
             <a:fld id="{47CD58C7-AAFF-E34F-B46B-2A48B7F39D17}" type="datetimeFigureOut">
               <a:rPr kumimoji="1" lang="zh-CN" altLang="en-US" smtClean="0"/>
-              <a:t>16/5/24</a:t>
+              <a:t>16/6/4</a:t>
             </a:fld>
             <a:endParaRPr kumimoji="1" lang="zh-CN" altLang="en-US"/>
           </a:p>
@@ -3222,7 +3365,7 @@
           <a:p>
             <a:fld id="{47CD58C7-AAFF-E34F-B46B-2A48B7F39D17}" type="datetimeFigureOut">
               <a:rPr kumimoji="1" lang="zh-CN" altLang="en-US" smtClean="0"/>
-              <a:t>16/5/24</a:t>
+              <a:t>16/6/4</a:t>
             </a:fld>
             <a:endParaRPr kumimoji="1" lang="zh-CN" altLang="en-US"/>
           </a:p>
@@ -3499,7 +3642,7 @@
           <a:p>
             <a:fld id="{47CD58C7-AAFF-E34F-B46B-2A48B7F39D17}" type="datetimeFigureOut">
               <a:rPr kumimoji="1" lang="zh-CN" altLang="en-US" smtClean="0"/>
-              <a:t>16/5/24</a:t>
+              <a:t>16/6/4</a:t>
             </a:fld>
             <a:endParaRPr kumimoji="1" lang="zh-CN" altLang="en-US"/>
           </a:p>
@@ -3756,7 +3899,7 @@
           <a:p>
             <a:fld id="{47CD58C7-AAFF-E34F-B46B-2A48B7F39D17}" type="datetimeFigureOut">
               <a:rPr kumimoji="1" lang="zh-CN" altLang="en-US" smtClean="0"/>
-              <a:t>16/5/24</a:t>
+              <a:t>16/6/4</a:t>
             </a:fld>
             <a:endParaRPr kumimoji="1" lang="zh-CN" altLang="en-US"/>
           </a:p>
@@ -3969,7 +4112,7 @@
           <a:p>
             <a:fld id="{47CD58C7-AAFF-E34F-B46B-2A48B7F39D17}" type="datetimeFigureOut">
               <a:rPr kumimoji="1" lang="zh-CN" altLang="en-US" smtClean="0"/>
-              <a:t>16/5/24</a:t>
+              <a:t>16/6/4</a:t>
             </a:fld>
             <a:endParaRPr kumimoji="1" lang="zh-CN" altLang="en-US"/>
           </a:p>
@@ -4392,23 +4535,43 @@
           <a:lstStyle/>
           <a:p>
             <a:r>
-              <a:rPr kumimoji="1" lang="en-US" altLang="zh-CN" sz="4000" b="1" dirty="0"/>
+              <a:rPr kumimoji="1" lang="en-US" altLang="zh-CN" sz="4000" b="1" dirty="0">
+                <a:latin typeface="SimHei" charset="-122"/>
+                <a:ea typeface="SimHei" charset="-122"/>
+                <a:cs typeface="SimHei" charset="-122"/>
+              </a:rPr>
               <a:t>SoCaffe</a:t>
             </a:r>
             <a:r>
-              <a:rPr kumimoji="1" lang="en-US" altLang="zh-CN" sz="4000" dirty="0"/>
+              <a:rPr kumimoji="1" lang="en-US" altLang="zh-CN" sz="4000" dirty="0">
+                <a:latin typeface="SimHei" charset="-122"/>
+                <a:ea typeface="SimHei" charset="-122"/>
+                <a:cs typeface="SimHei" charset="-122"/>
+              </a:rPr>
               <a:t>: </a:t>
             </a:r>
             <a:r>
-              <a:rPr kumimoji="1" lang="zh-CN" altLang="en-US" sz="4000" dirty="0" smtClean="0"/>
+              <a:rPr kumimoji="1" lang="zh-CN" altLang="en-US" sz="4000" dirty="0" smtClean="0">
+                <a:latin typeface="SimHei" charset="-122"/>
+                <a:ea typeface="SimHei" charset="-122"/>
+                <a:cs typeface="SimHei" charset="-122"/>
+              </a:rPr>
               <a:t>基于</a:t>
             </a:r>
             <a:r>
-              <a:rPr kumimoji="1" lang="en-US" altLang="zh-CN" sz="4000" dirty="0"/>
+              <a:rPr kumimoji="1" lang="en-US" altLang="zh-CN" sz="4000" dirty="0">
+                <a:latin typeface="SimHei" charset="-122"/>
+                <a:ea typeface="SimHei" charset="-122"/>
+                <a:cs typeface="SimHei" charset="-122"/>
+              </a:rPr>
               <a:t>Zynq SoC</a:t>
             </a:r>
             <a:r>
-              <a:rPr kumimoji="1" lang="zh-CN" altLang="en-US" sz="4000" dirty="0"/>
+              <a:rPr kumimoji="1" lang="zh-CN" altLang="en-US" sz="4000" dirty="0">
+                <a:latin typeface="SimHei" charset="-122"/>
+                <a:ea typeface="SimHei" charset="-122"/>
+                <a:cs typeface="SimHei" charset="-122"/>
+              </a:rPr>
               <a:t>平台的高性能深度学习框架</a:t>
             </a:r>
           </a:p>
@@ -4437,34 +4600,66 @@
           <a:lstStyle/>
           <a:p>
             <a:r>
-              <a:rPr kumimoji="1" lang="zh-CN" altLang="en-US" dirty="0" smtClean="0"/>
+              <a:rPr kumimoji="1" lang="zh-CN" altLang="en-US" dirty="0" smtClean="0">
+                <a:latin typeface="SimHei" charset="-122"/>
+                <a:ea typeface="SimHei" charset="-122"/>
+                <a:cs typeface="SimHei" charset="-122"/>
+              </a:rPr>
               <a:t>信息科学技术学院</a:t>
             </a:r>
-            <a:endParaRPr kumimoji="1" lang="en-US" altLang="zh-CN" dirty="0" smtClean="0"/>
-          </a:p>
-          <a:p>
-            <a:r>
-              <a:rPr kumimoji="1" lang="zh-CN" altLang="en-US" sz="2200" dirty="0" smtClean="0"/>
+            <a:endParaRPr kumimoji="1" lang="en-US" altLang="zh-CN" dirty="0" smtClean="0">
+              <a:latin typeface="SimHei" charset="-122"/>
+              <a:ea typeface="SimHei" charset="-122"/>
+              <a:cs typeface="SimHei" charset="-122"/>
+            </a:endParaRPr>
+          </a:p>
+          <a:p>
+            <a:r>
+              <a:rPr kumimoji="1" lang="zh-CN" altLang="en-US" sz="2200" dirty="0" smtClean="0">
+                <a:latin typeface="SimHei" charset="-122"/>
+                <a:ea typeface="SimHei" charset="-122"/>
+                <a:cs typeface="SimHei" charset="-122"/>
+              </a:rPr>
               <a:t>姓名：赵睿哲</a:t>
             </a:r>
-            <a:endParaRPr kumimoji="1" lang="en-US" altLang="zh-CN" sz="2200" dirty="0" smtClean="0"/>
-          </a:p>
-          <a:p>
-            <a:r>
-              <a:rPr kumimoji="1" lang="zh-CN" altLang="en-US" sz="2200" dirty="0" smtClean="0"/>
+            <a:endParaRPr kumimoji="1" lang="en-US" altLang="zh-CN" sz="2200" dirty="0" smtClean="0">
+              <a:latin typeface="SimHei" charset="-122"/>
+              <a:ea typeface="SimHei" charset="-122"/>
+              <a:cs typeface="SimHei" charset="-122"/>
+            </a:endParaRPr>
+          </a:p>
+          <a:p>
+            <a:r>
+              <a:rPr kumimoji="1" lang="zh-CN" altLang="en-US" sz="2200" dirty="0" smtClean="0">
+                <a:latin typeface="SimHei" charset="-122"/>
+                <a:ea typeface="SimHei" charset="-122"/>
+                <a:cs typeface="SimHei" charset="-122"/>
+              </a:rPr>
               <a:t>学号：</a:t>
             </a:r>
             <a:r>
-              <a:rPr kumimoji="1" lang="en-US" altLang="zh-CN" sz="2200" dirty="0" smtClean="0"/>
+              <a:rPr kumimoji="1" lang="en-US" altLang="zh-CN" sz="2200" dirty="0" smtClean="0">
+                <a:latin typeface="SimHei" charset="-122"/>
+                <a:ea typeface="SimHei" charset="-122"/>
+                <a:cs typeface="SimHei" charset="-122"/>
+              </a:rPr>
               <a:t>1200012778</a:t>
             </a:r>
           </a:p>
           <a:p>
             <a:r>
-              <a:rPr kumimoji="1" lang="zh-CN" altLang="en-US" sz="2200" dirty="0" smtClean="0"/>
+              <a:rPr kumimoji="1" lang="zh-CN" altLang="en-US" sz="2200" dirty="0" smtClean="0">
+                <a:latin typeface="SimHei" charset="-122"/>
+                <a:ea typeface="SimHei" charset="-122"/>
+                <a:cs typeface="SimHei" charset="-122"/>
+              </a:rPr>
               <a:t>导师：梁云</a:t>
             </a:r>
-            <a:endParaRPr kumimoji="1" lang="en-US" altLang="zh-CN" sz="2200" dirty="0"/>
+            <a:endParaRPr kumimoji="1" lang="en-US" altLang="zh-CN" sz="2200" dirty="0">
+              <a:latin typeface="SimHei" charset="-122"/>
+              <a:ea typeface="SimHei" charset="-122"/>
+              <a:cs typeface="SimHei" charset="-122"/>
+            </a:endParaRPr>
           </a:p>
         </p:txBody>
       </p:sp>
@@ -4496,6 +4691,601 @@
 </p:sld>
 </file>
 
+<file path=ppt/slides/slide10.xml><?xml version="1.0" encoding="utf-8"?>
+<p:sld xmlns:a="http://schemas.openxmlformats.org/drawingml/2006/main" xmlns:r="http://schemas.openxmlformats.org/officeDocument/2006/relationships" xmlns:p="http://schemas.openxmlformats.org/presentationml/2006/main">
+  <p:cSld>
+    <p:spTree>
+      <p:nvGrpSpPr>
+        <p:cNvPr id="1" name=""/>
+        <p:cNvGrpSpPr/>
+        <p:nvPr/>
+      </p:nvGrpSpPr>
+      <p:grpSpPr>
+        <a:xfrm>
+          <a:off x="0" y="0"/>
+          <a:ext cx="0" cy="0"/>
+          <a:chOff x="0" y="0"/>
+          <a:chExt cx="0" cy="0"/>
+        </a:xfrm>
+      </p:grpSpPr>
+      <p:sp>
+        <p:nvSpPr>
+          <p:cNvPr id="2" name="Title 1"/>
+          <p:cNvSpPr>
+            <a:spLocks noGrp="1"/>
+          </p:cNvSpPr>
+          <p:nvPr>
+            <p:ph type="title"/>
+          </p:nvPr>
+        </p:nvSpPr>
+        <p:spPr/>
+        <p:txBody>
+          <a:bodyPr/>
+          <a:lstStyle/>
+          <a:p>
+            <a:r>
+              <a:rPr kumimoji="1" lang="zh-CN" altLang="en-US" dirty="0" smtClean="0">
+                <a:latin typeface="SimHei" charset="-122"/>
+                <a:ea typeface="SimHei" charset="-122"/>
+                <a:cs typeface="SimHei" charset="-122"/>
+              </a:rPr>
+              <a:t>总结</a:t>
+            </a:r>
+            <a:endParaRPr kumimoji="1" lang="zh-CN" altLang="en-US" dirty="0">
+              <a:latin typeface="SimHei" charset="-122"/>
+              <a:ea typeface="SimHei" charset="-122"/>
+              <a:cs typeface="SimHei" charset="-122"/>
+            </a:endParaRPr>
+          </a:p>
+        </p:txBody>
+      </p:sp>
+      <p:sp>
+        <p:nvSpPr>
+          <p:cNvPr id="5" name="TextBox 4"/>
+          <p:cNvSpPr txBox="1"/>
+          <p:nvPr/>
+        </p:nvSpPr>
+        <p:spPr>
+          <a:xfrm>
+            <a:off x="289577" y="1690689"/>
+            <a:ext cx="8680581" cy="477054"/>
+          </a:xfrm>
+          <a:prstGeom prst="rect">
+            <a:avLst/>
+          </a:prstGeom>
+          <a:noFill/>
+        </p:spPr>
+        <p:txBody>
+          <a:bodyPr wrap="none" rtlCol="0">
+            <a:spAutoFit/>
+          </a:bodyPr>
+          <a:lstStyle/>
+          <a:p>
+            <a:r>
+              <a:rPr kumimoji="1" lang="zh-CN" altLang="en-US" sz="2500" dirty="0" smtClean="0">
+                <a:latin typeface="SimHei" charset="-122"/>
+                <a:ea typeface="SimHei" charset="-122"/>
+                <a:cs typeface="SimHei" charset="-122"/>
+              </a:rPr>
+              <a:t>“</a:t>
+            </a:r>
+            <a:r>
+              <a:rPr kumimoji="1" lang="en-US" altLang="zh-CN" sz="2500" dirty="0" smtClean="0">
+                <a:latin typeface="SimHei" charset="-122"/>
+                <a:ea typeface="SimHei" charset="-122"/>
+                <a:cs typeface="SimHei" charset="-122"/>
+              </a:rPr>
+              <a:t>SoCaffe</a:t>
+            </a:r>
+            <a:r>
+              <a:rPr kumimoji="1" lang="zh-CN" altLang="en-US" sz="2500" dirty="0" smtClean="0">
+                <a:latin typeface="SimHei" charset="-122"/>
+                <a:ea typeface="SimHei" charset="-122"/>
+                <a:cs typeface="SimHei" charset="-122"/>
+              </a:rPr>
+              <a:t>是实用</a:t>
+            </a:r>
+            <a:r>
+              <a:rPr kumimoji="1" lang="zh-CN" altLang="en-US" sz="2500" dirty="0">
+                <a:latin typeface="SimHei" charset="-122"/>
+                <a:ea typeface="SimHei" charset="-122"/>
+                <a:cs typeface="SimHei" charset="-122"/>
+              </a:rPr>
+              <a:t>的、高效</a:t>
+            </a:r>
+            <a:r>
+              <a:rPr kumimoji="1" lang="zh-CN" altLang="en-US" sz="2500" dirty="0" smtClean="0">
+                <a:latin typeface="SimHei" charset="-122"/>
+                <a:ea typeface="SimHei" charset="-122"/>
+                <a:cs typeface="SimHei" charset="-122"/>
+              </a:rPr>
+              <a:t>的基于</a:t>
+            </a:r>
+            <a:r>
+              <a:rPr kumimoji="1" lang="en-US" altLang="zh-CN" sz="2500" dirty="0" smtClean="0">
+                <a:latin typeface="SimHei" charset="-122"/>
+                <a:ea typeface="SimHei" charset="-122"/>
+                <a:cs typeface="SimHei" charset="-122"/>
+              </a:rPr>
+              <a:t>Zynq SoC</a:t>
+            </a:r>
+            <a:r>
+              <a:rPr kumimoji="1" lang="zh-CN" altLang="en-US" sz="2500" dirty="0" smtClean="0">
+                <a:latin typeface="SimHei" charset="-122"/>
+                <a:ea typeface="SimHei" charset="-122"/>
+                <a:cs typeface="SimHei" charset="-122"/>
+              </a:rPr>
+              <a:t>的深度</a:t>
+            </a:r>
+            <a:r>
+              <a:rPr kumimoji="1" lang="zh-CN" altLang="en-US" sz="2500" dirty="0">
+                <a:latin typeface="SimHei" charset="-122"/>
+                <a:ea typeface="SimHei" charset="-122"/>
+                <a:cs typeface="SimHei" charset="-122"/>
+              </a:rPr>
+              <a:t>学习</a:t>
+            </a:r>
+            <a:r>
+              <a:rPr kumimoji="1" lang="zh-CN" altLang="en-US" sz="2500" dirty="0" smtClean="0">
+                <a:latin typeface="SimHei" charset="-122"/>
+                <a:ea typeface="SimHei" charset="-122"/>
+                <a:cs typeface="SimHei" charset="-122"/>
+              </a:rPr>
+              <a:t>框架”</a:t>
+            </a:r>
+            <a:endParaRPr kumimoji="1" lang="zh-CN" altLang="en-US" sz="2500" dirty="0">
+              <a:latin typeface="SimHei" charset="-122"/>
+              <a:ea typeface="SimHei" charset="-122"/>
+              <a:cs typeface="SimHei" charset="-122"/>
+            </a:endParaRPr>
+          </a:p>
+        </p:txBody>
+      </p:sp>
+      <p:graphicFrame>
+        <p:nvGraphicFramePr>
+          <p:cNvPr id="10" name="Table 9"/>
+          <p:cNvGraphicFramePr>
+            <a:graphicFrameLocks noGrp="1"/>
+          </p:cNvGraphicFramePr>
+          <p:nvPr>
+            <p:extLst>
+              <p:ext uri="{D42A27DB-BD31-4B8C-83A1-F6EECF244321}">
+                <p14:modId xmlns:p14="http://schemas.microsoft.com/office/powerpoint/2010/main" val="430278730"/>
+              </p:ext>
+            </p:extLst>
+          </p:nvPr>
+        </p:nvGraphicFramePr>
+        <p:xfrm>
+          <a:off x="1239077" y="2655404"/>
+          <a:ext cx="6665844" cy="2392680"/>
+        </p:xfrm>
+        <a:graphic>
+          <a:graphicData uri="http://schemas.openxmlformats.org/drawingml/2006/table">
+            <a:tbl>
+              <a:tblPr firstRow="1" bandRow="1">
+                <a:tableStyleId>{5940675A-B579-460E-94D1-54222C63F5DA}</a:tableStyleId>
+              </a:tblPr>
+              <a:tblGrid>
+                <a:gridCol w="2221948"/>
+                <a:gridCol w="2429653"/>
+                <a:gridCol w="2014243"/>
+              </a:tblGrid>
+              <a:tr h="370840">
+                <a:tc>
+                  <a:txBody>
+                    <a:bodyPr/>
+                    <a:lstStyle/>
+                    <a:p>
+                      <a:endParaRPr lang="zh-CN" altLang="en-US" dirty="0"/>
+                    </a:p>
+                  </a:txBody>
+                  <a:tcPr/>
+                </a:tc>
+                <a:tc gridSpan="2">
+                  <a:txBody>
+                    <a:bodyPr/>
+                    <a:lstStyle/>
+                    <a:p>
+                      <a:r>
+                        <a:rPr lang="zh-CN" altLang="en-US" b="1" dirty="0" smtClean="0"/>
+                        <a:t>工作总量</a:t>
+                      </a:r>
+                      <a:endParaRPr lang="zh-CN" altLang="en-US" b="1" dirty="0"/>
+                    </a:p>
+                  </a:txBody>
+                  <a:tcPr/>
+                </a:tc>
+                <a:tc hMerge="1">
+                  <a:txBody>
+                    <a:bodyPr/>
+                    <a:lstStyle/>
+                    <a:p>
+                      <a:endParaRPr lang="zh-CN" altLang="en-US"/>
+                    </a:p>
+                  </a:txBody>
+                  <a:tcPr/>
+                </a:tc>
+              </a:tr>
+              <a:tr h="370840">
+                <a:tc>
+                  <a:txBody>
+                    <a:bodyPr/>
+                    <a:lstStyle/>
+                    <a:p>
+                      <a:r>
+                        <a:rPr lang="zh-CN" altLang="en-US" dirty="0" smtClean="0"/>
+                        <a:t>前期工作</a:t>
+                      </a:r>
+                      <a:endParaRPr lang="zh-CN" altLang="en-US" dirty="0"/>
+                    </a:p>
+                  </a:txBody>
+                  <a:tcPr/>
+                </a:tc>
+                <a:tc gridSpan="2">
+                  <a:txBody>
+                    <a:bodyPr/>
+                    <a:lstStyle/>
+                    <a:p>
+                      <a:r>
+                        <a:rPr lang="zh-CN" altLang="en-US" dirty="0" smtClean="0"/>
+                        <a:t>利用</a:t>
+                      </a:r>
+                      <a:r>
+                        <a:rPr lang="en-US" altLang="zh-CN" dirty="0" smtClean="0"/>
+                        <a:t>GEMM</a:t>
+                      </a:r>
+                      <a:r>
+                        <a:rPr lang="zh-CN" altLang="en-US" dirty="0" smtClean="0"/>
+                        <a:t>优化</a:t>
+                      </a:r>
+                      <a:r>
+                        <a:rPr lang="en-US" altLang="zh-CN" dirty="0" smtClean="0"/>
+                        <a:t>darknet</a:t>
+                      </a:r>
+                      <a:r>
+                        <a:rPr lang="zh-CN" altLang="en-US" dirty="0" smtClean="0"/>
+                        <a:t>和</a:t>
+                      </a:r>
+                      <a:r>
+                        <a:rPr lang="en-US" altLang="zh-CN" dirty="0" smtClean="0"/>
+                        <a:t>YOLO</a:t>
+                      </a:r>
+                      <a:r>
+                        <a:rPr lang="zh-CN" altLang="en-US" dirty="0" smtClean="0"/>
+                        <a:t>网络</a:t>
+                      </a:r>
+                      <a:endParaRPr lang="zh-CN" altLang="en-US" dirty="0"/>
+                    </a:p>
+                  </a:txBody>
+                  <a:tcPr/>
+                </a:tc>
+                <a:tc hMerge="1">
+                  <a:txBody>
+                    <a:bodyPr/>
+                    <a:lstStyle/>
+                    <a:p>
+                      <a:endParaRPr lang="zh-CN" altLang="en-US" dirty="0"/>
+                    </a:p>
+                  </a:txBody>
+                  <a:tcPr/>
+                </a:tc>
+              </a:tr>
+              <a:tr h="370840">
+                <a:tc>
+                  <a:txBody>
+                    <a:bodyPr/>
+                    <a:lstStyle/>
+                    <a:p>
+                      <a:r>
+                        <a:rPr lang="zh-CN" altLang="en-US" dirty="0" smtClean="0"/>
+                        <a:t>独立</a:t>
+                      </a:r>
+                      <a:r>
+                        <a:rPr lang="en-US" altLang="zh-CN" dirty="0" smtClean="0"/>
+                        <a:t>GEMM</a:t>
+                      </a:r>
+                      <a:r>
+                        <a:rPr lang="zh-CN" altLang="en-US" dirty="0" smtClean="0"/>
+                        <a:t>加速库</a:t>
+                      </a:r>
+                      <a:endParaRPr lang="en-US" altLang="zh-CN" dirty="0" smtClean="0"/>
+                    </a:p>
+                    <a:p>
+                      <a:r>
+                        <a:rPr lang="en-US" altLang="zh-CN" dirty="0" smtClean="0"/>
+                        <a:t>(SoGEMM)</a:t>
+                      </a:r>
+                      <a:endParaRPr lang="zh-CN" altLang="en-US" dirty="0"/>
+                    </a:p>
+                  </a:txBody>
+                  <a:tcPr/>
+                </a:tc>
+                <a:tc>
+                  <a:txBody>
+                    <a:bodyPr/>
+                    <a:lstStyle/>
+                    <a:p>
+                      <a:r>
+                        <a:rPr lang="en-US" altLang="zh-CN" dirty="0" smtClean="0"/>
+                        <a:t>37</a:t>
+                      </a:r>
+                      <a:r>
+                        <a:rPr lang="zh-CN" altLang="en-US" dirty="0" smtClean="0"/>
+                        <a:t>个代码文件，</a:t>
+                      </a:r>
+                      <a:r>
+                        <a:rPr lang="en-US" altLang="zh-CN" dirty="0" smtClean="0"/>
+                        <a:t>2631</a:t>
+                      </a:r>
+                      <a:r>
+                        <a:rPr lang="zh-CN" altLang="en-US" dirty="0" smtClean="0"/>
+                        <a:t>行</a:t>
+                      </a:r>
+                      <a:endParaRPr lang="zh-CN" altLang="en-US" dirty="0"/>
+                    </a:p>
+                  </a:txBody>
+                  <a:tcPr/>
+                </a:tc>
+                <a:tc>
+                  <a:txBody>
+                    <a:bodyPr/>
+                    <a:lstStyle/>
+                    <a:p>
+                      <a:r>
+                        <a:rPr lang="zh-CN" altLang="en-US" dirty="0" smtClean="0"/>
+                        <a:t>纯</a:t>
+                      </a:r>
+                      <a:r>
+                        <a:rPr lang="en-US" altLang="zh-CN" dirty="0" smtClean="0"/>
+                        <a:t>C/C++</a:t>
+                      </a:r>
+                      <a:r>
+                        <a:rPr lang="zh-CN" altLang="en-US" dirty="0" smtClean="0"/>
+                        <a:t>开发</a:t>
+                      </a:r>
+                      <a:endParaRPr lang="zh-CN" altLang="en-US" dirty="0"/>
+                    </a:p>
+                  </a:txBody>
+                  <a:tcPr/>
+                </a:tc>
+              </a:tr>
+              <a:tr h="370840">
+                <a:tc>
+                  <a:txBody>
+                    <a:bodyPr/>
+                    <a:lstStyle/>
+                    <a:p>
+                      <a:r>
+                        <a:rPr lang="zh-CN" altLang="en-US" dirty="0" smtClean="0"/>
+                        <a:t>多种优化策略</a:t>
+                      </a:r>
+                      <a:endParaRPr lang="zh-CN" altLang="en-US" dirty="0"/>
+                    </a:p>
+                  </a:txBody>
+                  <a:tcPr/>
+                </a:tc>
+                <a:tc gridSpan="2">
+                  <a:txBody>
+                    <a:bodyPr/>
+                    <a:lstStyle/>
+                    <a:p>
+                      <a:r>
+                        <a:rPr lang="en-US" altLang="zh-CN" dirty="0" smtClean="0"/>
+                        <a:t>50</a:t>
+                      </a:r>
+                      <a:r>
+                        <a:rPr lang="zh-CN" altLang="en-US" dirty="0" smtClean="0"/>
+                        <a:t>多种优化条件、预编译</a:t>
+                      </a:r>
+                      <a:r>
+                        <a:rPr lang="en-US" altLang="zh-CN" dirty="0" smtClean="0"/>
+                        <a:t>pragma</a:t>
+                      </a:r>
+                      <a:endParaRPr lang="zh-CN" altLang="en-US" dirty="0"/>
+                    </a:p>
+                  </a:txBody>
+                  <a:tcPr/>
+                </a:tc>
+                <a:tc hMerge="1">
+                  <a:txBody>
+                    <a:bodyPr/>
+                    <a:lstStyle/>
+                    <a:p>
+                      <a:endParaRPr lang="zh-CN" altLang="en-US"/>
+                    </a:p>
+                  </a:txBody>
+                  <a:tcPr/>
+                </a:tc>
+              </a:tr>
+              <a:tr h="370840">
+                <a:tc>
+                  <a:txBody>
+                    <a:bodyPr/>
+                    <a:lstStyle/>
+                    <a:p>
+                      <a:r>
+                        <a:rPr lang="en-US" altLang="zh-CN" dirty="0" smtClean="0"/>
+                        <a:t>SoCaffe</a:t>
+                      </a:r>
+                      <a:r>
+                        <a:rPr lang="zh-CN" altLang="en-US" dirty="0" smtClean="0"/>
+                        <a:t>系统</a:t>
+                      </a:r>
+                      <a:endParaRPr lang="zh-CN" altLang="en-US" dirty="0"/>
+                    </a:p>
+                  </a:txBody>
+                  <a:tcPr/>
+                </a:tc>
+                <a:tc>
+                  <a:txBody>
+                    <a:bodyPr/>
+                    <a:lstStyle/>
+                    <a:p>
+                      <a:r>
+                        <a:rPr lang="zh-CN" altLang="en-US" dirty="0" smtClean="0"/>
+                        <a:t>交叉编译完成</a:t>
+                      </a:r>
+                      <a:r>
+                        <a:rPr lang="en-US" altLang="zh-CN" dirty="0" smtClean="0"/>
+                        <a:t>Caffe</a:t>
+                      </a:r>
+                      <a:r>
+                        <a:rPr lang="zh-CN" altLang="en-US" dirty="0" smtClean="0"/>
+                        <a:t>和所有第三方链接库</a:t>
+                      </a:r>
+                      <a:endParaRPr lang="zh-CN" altLang="en-US" dirty="0"/>
+                    </a:p>
+                  </a:txBody>
+                  <a:tcPr/>
+                </a:tc>
+                <a:tc>
+                  <a:txBody>
+                    <a:bodyPr/>
+                    <a:lstStyle/>
+                    <a:p>
+                      <a:r>
+                        <a:rPr lang="zh-CN" altLang="en-US" dirty="0" smtClean="0"/>
+                        <a:t>运行环境搭建</a:t>
+                      </a:r>
+                      <a:endParaRPr lang="zh-CN" altLang="en-US" dirty="0"/>
+                    </a:p>
+                  </a:txBody>
+                  <a:tcPr/>
+                </a:tc>
+              </a:tr>
+            </a:tbl>
+          </a:graphicData>
+        </a:graphic>
+      </p:graphicFrame>
+      <p:sp>
+        <p:nvSpPr>
+          <p:cNvPr id="13" name="TextBox 12"/>
+          <p:cNvSpPr txBox="1"/>
+          <p:nvPr/>
+        </p:nvSpPr>
+        <p:spPr>
+          <a:xfrm>
+            <a:off x="3432313" y="5367130"/>
+            <a:ext cx="1723549" cy="707886"/>
+          </a:xfrm>
+          <a:prstGeom prst="rect">
+            <a:avLst/>
+          </a:prstGeom>
+          <a:noFill/>
+        </p:spPr>
+        <p:txBody>
+          <a:bodyPr wrap="none" rtlCol="0">
+            <a:spAutoFit/>
+          </a:bodyPr>
+          <a:lstStyle/>
+          <a:p>
+            <a:r>
+              <a:rPr kumimoji="1" lang="zh-CN" altLang="en-US" sz="4000" b="1" dirty="0" smtClean="0">
+                <a:latin typeface="SimHei" charset="-122"/>
+                <a:ea typeface="SimHei" charset="-122"/>
+                <a:cs typeface="SimHei" charset="-122"/>
+              </a:rPr>
+              <a:t>谢谢！</a:t>
+            </a:r>
+            <a:endParaRPr kumimoji="1" lang="zh-CN" altLang="en-US" sz="4000" b="1" dirty="0">
+              <a:latin typeface="SimHei" charset="-122"/>
+              <a:ea typeface="SimHei" charset="-122"/>
+              <a:cs typeface="SimHei" charset="-122"/>
+            </a:endParaRPr>
+          </a:p>
+        </p:txBody>
+      </p:sp>
+    </p:spTree>
+    <p:extLst>
+      <p:ext uri="{BB962C8B-B14F-4D97-AF65-F5344CB8AC3E}">
+        <p14:creationId xmlns:p14="http://schemas.microsoft.com/office/powerpoint/2010/main" val="895532036"/>
+      </p:ext>
+    </p:extLst>
+  </p:cSld>
+  <p:clrMapOvr>
+    <a:masterClrMapping/>
+  </p:clrMapOvr>
+  <p:timing>
+    <p:tnLst>
+      <p:par>
+        <p:cTn id="1" dur="indefinite" restart="never" nodeType="tmRoot">
+          <p:childTnLst>
+            <p:seq concurrent="1" nextAc="seek">
+              <p:cTn id="2" dur="indefinite" nodeType="mainSeq">
+                <p:childTnLst>
+                  <p:par>
+                    <p:cTn id="3" fill="hold">
+                      <p:stCondLst>
+                        <p:cond delay="indefinite"/>
+                      </p:stCondLst>
+                      <p:childTnLst>
+                        <p:par>
+                          <p:cTn id="4" fill="hold">
+                            <p:stCondLst>
+                              <p:cond delay="0"/>
+                            </p:stCondLst>
+                            <p:childTnLst>
+                              <p:par>
+                                <p:cTn id="5" presetID="1" presetClass="entr" presetSubtype="0" fill="hold" grpId="0" nodeType="clickEffect">
+                                  <p:stCondLst>
+                                    <p:cond delay="0"/>
+                                  </p:stCondLst>
+                                  <p:childTnLst>
+                                    <p:set>
+                                      <p:cBhvr>
+                                        <p:cTn id="6" dur="1" fill="hold">
+                                          <p:stCondLst>
+                                            <p:cond delay="0"/>
+                                          </p:stCondLst>
+                                        </p:cTn>
+                                        <p:tgtEl>
+                                          <p:spTgt spid="13"/>
+                                        </p:tgtEl>
+                                        <p:attrNameLst>
+                                          <p:attrName>style.visibility</p:attrName>
+                                        </p:attrNameLst>
+                                      </p:cBhvr>
+                                      <p:to>
+                                        <p:strVal val="visible"/>
+                                      </p:to>
+                                    </p:set>
+                                  </p:childTnLst>
+                                </p:cTn>
+                              </p:par>
+                            </p:childTnLst>
+                          </p:cTn>
+                        </p:par>
+                      </p:childTnLst>
+                    </p:cTn>
+                  </p:par>
+                </p:childTnLst>
+              </p:cTn>
+              <p:prevCondLst>
+                <p:cond evt="onPrev" delay="0">
+                  <p:tgtEl>
+                    <p:sldTgt/>
+                  </p:tgtEl>
+                </p:cond>
+              </p:prevCondLst>
+              <p:nextCondLst>
+                <p:cond evt="onNext" delay="0">
+                  <p:tgtEl>
+                    <p:sldTgt/>
+                  </p:tgtEl>
+                </p:cond>
+              </p:nextCondLst>
+            </p:seq>
+          </p:childTnLst>
+        </p:cTn>
+      </p:par>
+    </p:tnLst>
+    <p:bldLst>
+      <p:bldP spid="13" grpId="0"/>
+    </p:bldLst>
+  </p:timing>
+</p:sld>
+</file>
+
 <file path=ppt/slides/slide2.xml><?xml version="1.0" encoding="utf-8"?>
 <p:sld xmlns:a="http://schemas.openxmlformats.org/drawingml/2006/main" xmlns:r="http://schemas.openxmlformats.org/officeDocument/2006/relationships" xmlns:p="http://schemas.openxmlformats.org/presentationml/2006/main">
   <p:cSld>
@@ -4515,6 +5305,863 @@
       </p:grpSpPr>
       <p:sp>
         <p:nvSpPr>
+          <p:cNvPr id="2" name="标题 1"/>
+          <p:cNvSpPr>
+            <a:spLocks noGrp="1"/>
+          </p:cNvSpPr>
+          <p:nvPr>
+            <p:ph type="title"/>
+          </p:nvPr>
+        </p:nvSpPr>
+        <p:spPr/>
+        <p:txBody>
+          <a:bodyPr/>
+          <a:lstStyle/>
+          <a:p>
+            <a:r>
+              <a:rPr kumimoji="1" lang="zh-CN" altLang="en-US" dirty="0" smtClean="0"/>
+              <a:t>自我介绍</a:t>
+            </a:r>
+            <a:endParaRPr kumimoji="1" lang="zh-CN" altLang="en-US" dirty="0"/>
+          </a:p>
+        </p:txBody>
+      </p:sp>
+      <p:graphicFrame>
+        <p:nvGraphicFramePr>
+          <p:cNvPr id="5" name="表格 4"/>
+          <p:cNvGraphicFramePr>
+            <a:graphicFrameLocks noGrp="1"/>
+          </p:cNvGraphicFramePr>
+          <p:nvPr>
+            <p:extLst>
+              <p:ext uri="{D42A27DB-BD31-4B8C-83A1-F6EECF244321}">
+                <p14:modId xmlns:p14="http://schemas.microsoft.com/office/powerpoint/2010/main" val="1254993933"/>
+              </p:ext>
+            </p:extLst>
+          </p:nvPr>
+        </p:nvGraphicFramePr>
+        <p:xfrm>
+          <a:off x="628651" y="1690689"/>
+          <a:ext cx="7886700" cy="4114800"/>
+        </p:xfrm>
+        <a:graphic>
+          <a:graphicData uri="http://schemas.openxmlformats.org/drawingml/2006/table">
+            <a:tbl>
+              <a:tblPr firstRow="1" bandRow="1">
+                <a:tableStyleId>{5940675A-B579-460E-94D1-54222C63F5DA}</a:tableStyleId>
+              </a:tblPr>
+              <a:tblGrid>
+                <a:gridCol w="1547900"/>
+                <a:gridCol w="1201247"/>
+                <a:gridCol w="5137553"/>
+              </a:tblGrid>
+              <a:tr h="536137">
+                <a:tc>
+                  <a:txBody>
+                    <a:bodyPr/>
+                    <a:lstStyle/>
+                    <a:p>
+                      <a:r>
+                        <a:rPr lang="zh-CN" altLang="en-US" b="1" dirty="0" smtClean="0">
+                          <a:latin typeface="SimHei" charset="-122"/>
+                          <a:ea typeface="SimHei" charset="-122"/>
+                          <a:cs typeface="SimHei" charset="-122"/>
+                        </a:rPr>
+                        <a:t>研究方向</a:t>
+                      </a:r>
+                      <a:endParaRPr lang="zh-CN" altLang="en-US" b="1" dirty="0">
+                        <a:latin typeface="SimHei" charset="-122"/>
+                        <a:ea typeface="SimHei" charset="-122"/>
+                        <a:cs typeface="SimHei" charset="-122"/>
+                      </a:endParaRPr>
+                    </a:p>
+                  </a:txBody>
+                  <a:tcPr/>
+                </a:tc>
+                <a:tc gridSpan="2">
+                  <a:txBody>
+                    <a:bodyPr/>
+                    <a:lstStyle/>
+                    <a:p>
+                      <a:r>
+                        <a:rPr lang="zh-CN" altLang="en-US" dirty="0" smtClean="0">
+                          <a:latin typeface="SimHei" charset="-122"/>
+                          <a:ea typeface="SimHei" charset="-122"/>
+                          <a:cs typeface="SimHei" charset="-122"/>
+                        </a:rPr>
+                        <a:t>高性能计算、基于</a:t>
+                      </a:r>
+                      <a:r>
+                        <a:rPr lang="en-US" altLang="zh-CN" dirty="0" smtClean="0">
+                          <a:latin typeface="SimHei" charset="-122"/>
+                          <a:ea typeface="SimHei" charset="-122"/>
+                          <a:cs typeface="SimHei" charset="-122"/>
+                        </a:rPr>
+                        <a:t>FPGA</a:t>
+                      </a:r>
+                      <a:r>
+                        <a:rPr lang="zh-CN" altLang="en-US" dirty="0" smtClean="0">
+                          <a:latin typeface="SimHei" charset="-122"/>
+                          <a:ea typeface="SimHei" charset="-122"/>
+                          <a:cs typeface="SimHei" charset="-122"/>
+                        </a:rPr>
+                        <a:t>与</a:t>
+                      </a:r>
+                      <a:r>
+                        <a:rPr lang="en-US" altLang="zh-CN" dirty="0" smtClean="0">
+                          <a:latin typeface="SimHei" charset="-122"/>
+                          <a:ea typeface="SimHei" charset="-122"/>
+                          <a:cs typeface="SimHei" charset="-122"/>
+                        </a:rPr>
+                        <a:t>Intel Xeon Phi</a:t>
+                      </a:r>
+                      <a:r>
+                        <a:rPr lang="zh-CN" altLang="en-US" dirty="0" smtClean="0">
+                          <a:latin typeface="SimHei" charset="-122"/>
+                          <a:ea typeface="SimHei" charset="-122"/>
+                          <a:cs typeface="SimHei" charset="-122"/>
+                        </a:rPr>
+                        <a:t>的硬件加速、程序语言设计</a:t>
+                      </a:r>
+                      <a:endParaRPr lang="zh-CN" altLang="en-US" dirty="0">
+                        <a:latin typeface="SimHei" charset="-122"/>
+                        <a:ea typeface="SimHei" charset="-122"/>
+                        <a:cs typeface="SimHei" charset="-122"/>
+                      </a:endParaRPr>
+                    </a:p>
+                  </a:txBody>
+                  <a:tcPr/>
+                </a:tc>
+                <a:tc hMerge="1">
+                  <a:txBody>
+                    <a:bodyPr/>
+                    <a:lstStyle/>
+                    <a:p>
+                      <a:endParaRPr lang="zh-CN" altLang="en-US" dirty="0">
+                        <a:latin typeface="SimHei" charset="-122"/>
+                        <a:ea typeface="SimHei" charset="-122"/>
+                        <a:cs typeface="SimHei" charset="-122"/>
+                      </a:endParaRPr>
+                    </a:p>
+                  </a:txBody>
+                  <a:tcPr/>
+                </a:tc>
+              </a:tr>
+              <a:tr h="370840">
+                <a:tc rowSpan="3">
+                  <a:txBody>
+                    <a:bodyPr/>
+                    <a:lstStyle/>
+                    <a:p>
+                      <a:r>
+                        <a:rPr lang="zh-CN" altLang="en-US" b="1" dirty="0" smtClean="0">
+                          <a:latin typeface="SimHei" charset="-122"/>
+                          <a:ea typeface="SimHei" charset="-122"/>
+                          <a:cs typeface="SimHei" charset="-122"/>
+                        </a:rPr>
+                        <a:t>参与论文</a:t>
+                      </a:r>
+                      <a:r>
+                        <a:rPr lang="en-US" altLang="zh-CN" b="1" dirty="0" smtClean="0">
+                          <a:latin typeface="SimHei" charset="-122"/>
+                          <a:ea typeface="SimHei" charset="-122"/>
+                          <a:cs typeface="SimHei" charset="-122"/>
+                        </a:rPr>
+                        <a:t/>
+                      </a:r>
+                      <a:br>
+                        <a:rPr lang="en-US" altLang="zh-CN" b="1" dirty="0" smtClean="0">
+                          <a:latin typeface="SimHei" charset="-122"/>
+                          <a:ea typeface="SimHei" charset="-122"/>
+                          <a:cs typeface="SimHei" charset="-122"/>
+                        </a:rPr>
+                      </a:br>
+                      <a:r>
+                        <a:rPr lang="zh-CN" altLang="en-US" b="1" dirty="0" smtClean="0">
+                          <a:latin typeface="SimHei" charset="-122"/>
+                          <a:ea typeface="SimHei" charset="-122"/>
+                          <a:cs typeface="SimHei" charset="-122"/>
+                        </a:rPr>
+                        <a:t>（第一作者）</a:t>
+                      </a:r>
+                      <a:endParaRPr lang="zh-CN" altLang="en-US" b="1" dirty="0">
+                        <a:latin typeface="SimHei" charset="-122"/>
+                        <a:ea typeface="SimHei" charset="-122"/>
+                        <a:cs typeface="SimHei" charset="-122"/>
+                      </a:endParaRPr>
+                    </a:p>
+                  </a:txBody>
+                  <a:tcPr/>
+                </a:tc>
+                <a:tc gridSpan="2">
+                  <a:txBody>
+                    <a:bodyPr/>
+                    <a:lstStyle/>
+                    <a:p>
+                      <a:pPr marL="0" marR="0" indent="0" algn="l" defTabSz="914400" rtl="0" eaLnBrk="1" fontAlgn="auto" latinLnBrk="0" hangingPunct="1">
+                        <a:lnSpc>
+                          <a:spcPct val="100000"/>
+                        </a:lnSpc>
+                        <a:spcBef>
+                          <a:spcPts val="0"/>
+                        </a:spcBef>
+                        <a:spcAft>
+                          <a:spcPts val="0"/>
+                        </a:spcAft>
+                        <a:buClrTx/>
+                        <a:buSzTx/>
+                        <a:buFontTx/>
+                        <a:buNone/>
+                        <a:tabLst/>
+                        <a:defRPr/>
+                      </a:pPr>
+                      <a:r>
+                        <a:rPr lang="en-US" altLang="zh-CN" dirty="0" smtClean="0">
+                          <a:latin typeface="SimHei" charset="-122"/>
+                          <a:ea typeface="SimHei" charset="-122"/>
+                          <a:cs typeface="SimHei" charset="-122"/>
+                        </a:rPr>
+                        <a:t>Optimizing and Auto-Tuning Scale-Free Sparse</a:t>
+                      </a:r>
+                      <a:r>
+                        <a:rPr lang="zh-CN" altLang="en-US" baseline="0" dirty="0" smtClean="0">
+                          <a:latin typeface="SimHei" charset="-122"/>
+                          <a:ea typeface="SimHei" charset="-122"/>
+                          <a:cs typeface="SimHei" charset="-122"/>
+                        </a:rPr>
+                        <a:t> </a:t>
+                      </a:r>
+                      <a:r>
+                        <a:rPr lang="en-US" altLang="zh-CN" dirty="0" smtClean="0">
+                          <a:latin typeface="SimHei" charset="-122"/>
+                          <a:ea typeface="SimHei" charset="-122"/>
+                          <a:cs typeface="SimHei" charset="-122"/>
+                        </a:rPr>
+                        <a:t>Matrix-Vector Multiplication on Intel Xeon Phi</a:t>
+                      </a:r>
+                      <a:br>
+                        <a:rPr lang="en-US" altLang="zh-CN" dirty="0" smtClean="0">
+                          <a:latin typeface="SimHei" charset="-122"/>
+                          <a:ea typeface="SimHei" charset="-122"/>
+                          <a:cs typeface="SimHei" charset="-122"/>
+                        </a:rPr>
+                      </a:br>
+                      <a:r>
+                        <a:rPr lang="zh-CN" altLang="en-US" dirty="0" smtClean="0">
+                          <a:latin typeface="SimHei" charset="-122"/>
+                          <a:ea typeface="SimHei" charset="-122"/>
+                          <a:cs typeface="SimHei" charset="-122"/>
+                        </a:rPr>
+                        <a:t>（</a:t>
+                      </a:r>
+                      <a:r>
+                        <a:rPr lang="en-US" altLang="zh-CN" dirty="0" smtClean="0">
+                          <a:latin typeface="SimHei" charset="-122"/>
+                          <a:ea typeface="SimHei" charset="-122"/>
+                          <a:cs typeface="SimHei" charset="-122"/>
+                        </a:rPr>
+                        <a:t>CGO’15</a:t>
+                      </a:r>
+                      <a:r>
+                        <a:rPr lang="zh-CN" altLang="en-US" dirty="0" smtClean="0">
+                          <a:latin typeface="SimHei" charset="-122"/>
+                          <a:ea typeface="SimHei" charset="-122"/>
+                          <a:cs typeface="SimHei" charset="-122"/>
+                        </a:rPr>
+                        <a:t>） </a:t>
+                      </a:r>
+                      <a:endParaRPr lang="zh-CN" altLang="en-US" dirty="0">
+                        <a:latin typeface="SimHei" charset="-122"/>
+                        <a:ea typeface="SimHei" charset="-122"/>
+                        <a:cs typeface="SimHei" charset="-122"/>
+                      </a:endParaRPr>
+                    </a:p>
+                  </a:txBody>
+                  <a:tcPr/>
+                </a:tc>
+                <a:tc hMerge="1">
+                  <a:txBody>
+                    <a:bodyPr/>
+                    <a:lstStyle/>
+                    <a:p>
+                      <a:pPr marL="0" marR="0" indent="0" algn="l" defTabSz="914400" rtl="0" eaLnBrk="1" fontAlgn="auto" latinLnBrk="0" hangingPunct="1">
+                        <a:lnSpc>
+                          <a:spcPct val="100000"/>
+                        </a:lnSpc>
+                        <a:spcBef>
+                          <a:spcPts val="0"/>
+                        </a:spcBef>
+                        <a:spcAft>
+                          <a:spcPts val="0"/>
+                        </a:spcAft>
+                        <a:buClrTx/>
+                        <a:buSzTx/>
+                        <a:buFontTx/>
+                        <a:buNone/>
+                        <a:tabLst/>
+                        <a:defRPr/>
+                      </a:pPr>
+                      <a:endParaRPr lang="zh-CN" altLang="en-US" dirty="0">
+                        <a:latin typeface="SimHei" charset="-122"/>
+                        <a:ea typeface="SimHei" charset="-122"/>
+                        <a:cs typeface="SimHei" charset="-122"/>
+                      </a:endParaRPr>
+                    </a:p>
+                  </a:txBody>
+                  <a:tcPr/>
+                </a:tc>
+              </a:tr>
+              <a:tr h="370840">
+                <a:tc vMerge="1">
+                  <a:txBody>
+                    <a:bodyPr/>
+                    <a:lstStyle/>
+                    <a:p>
+                      <a:endParaRPr lang="zh-CN" altLang="en-US" b="1" dirty="0">
+                        <a:latin typeface="SimHei" charset="-122"/>
+                        <a:ea typeface="SimHei" charset="-122"/>
+                        <a:cs typeface="SimHei" charset="-122"/>
+                      </a:endParaRPr>
+                    </a:p>
+                  </a:txBody>
+                  <a:tcPr/>
+                </a:tc>
+                <a:tc gridSpan="2">
+                  <a:txBody>
+                    <a:bodyPr/>
+                    <a:lstStyle/>
+                    <a:p>
+                      <a:pPr marL="0" marR="0" indent="0" algn="l" defTabSz="914400" rtl="0" eaLnBrk="1" fontAlgn="auto" latinLnBrk="0" hangingPunct="1">
+                        <a:lnSpc>
+                          <a:spcPct val="100000"/>
+                        </a:lnSpc>
+                        <a:spcBef>
+                          <a:spcPts val="0"/>
+                        </a:spcBef>
+                        <a:spcAft>
+                          <a:spcPts val="0"/>
+                        </a:spcAft>
+                        <a:buClrTx/>
+                        <a:buSzTx/>
+                        <a:buFontTx/>
+                        <a:buNone/>
+                        <a:tabLst/>
+                        <a:defRPr/>
+                      </a:pPr>
+                      <a:r>
+                        <a:rPr lang="en-US" altLang="zh-CN" dirty="0" smtClean="0">
+                          <a:latin typeface="SimHei" charset="-122"/>
+                          <a:ea typeface="SimHei" charset="-122"/>
+                          <a:cs typeface="SimHei" charset="-122"/>
+                        </a:rPr>
+                        <a:t>Scale-Free Sparse Matrix-Vector Multiplication</a:t>
+                      </a:r>
+                    </a:p>
+                    <a:p>
+                      <a:pPr marL="0" marR="0" indent="0" algn="l" defTabSz="914400" rtl="0" eaLnBrk="1" fontAlgn="auto" latinLnBrk="0" hangingPunct="1">
+                        <a:lnSpc>
+                          <a:spcPct val="100000"/>
+                        </a:lnSpc>
+                        <a:spcBef>
+                          <a:spcPts val="0"/>
+                        </a:spcBef>
+                        <a:spcAft>
+                          <a:spcPts val="0"/>
+                        </a:spcAft>
+                        <a:buClrTx/>
+                        <a:buSzTx/>
+                        <a:buFontTx/>
+                        <a:buNone/>
+                        <a:tabLst/>
+                        <a:defRPr/>
+                      </a:pPr>
+                      <a:r>
+                        <a:rPr lang="en-US" altLang="zh-CN" dirty="0" smtClean="0">
+                          <a:latin typeface="SimHei" charset="-122"/>
+                          <a:ea typeface="SimHei" charset="-122"/>
+                          <a:cs typeface="SimHei" charset="-122"/>
+                        </a:rPr>
+                        <a:t>on Many-Core Architectures</a:t>
+                      </a:r>
+                      <a:r>
+                        <a:rPr lang="zh-CN" altLang="en-US" dirty="0" smtClean="0">
+                          <a:latin typeface="SimHei" charset="-122"/>
+                          <a:ea typeface="SimHei" charset="-122"/>
+                          <a:cs typeface="SimHei" charset="-122"/>
+                        </a:rPr>
+                        <a:t>（</a:t>
+                      </a:r>
+                      <a:r>
+                        <a:rPr lang="en-US" altLang="zh-CN" dirty="0" smtClean="0">
+                          <a:latin typeface="SimHei" charset="-122"/>
+                          <a:ea typeface="SimHei" charset="-122"/>
+                          <a:cs typeface="SimHei" charset="-122"/>
+                        </a:rPr>
+                        <a:t>Submitted</a:t>
+                      </a:r>
+                      <a:r>
+                        <a:rPr lang="zh-CN" altLang="en-US" dirty="0" smtClean="0">
+                          <a:latin typeface="SimHei" charset="-122"/>
+                          <a:ea typeface="SimHei" charset="-122"/>
+                          <a:cs typeface="SimHei" charset="-122"/>
+                        </a:rPr>
+                        <a:t>）</a:t>
+                      </a:r>
+                      <a:endParaRPr lang="zh-CN" altLang="en-US" dirty="0">
+                        <a:latin typeface="SimHei" charset="-122"/>
+                        <a:ea typeface="SimHei" charset="-122"/>
+                        <a:cs typeface="SimHei" charset="-122"/>
+                      </a:endParaRPr>
+                    </a:p>
+                  </a:txBody>
+                  <a:tcPr/>
+                </a:tc>
+                <a:tc hMerge="1">
+                  <a:txBody>
+                    <a:bodyPr/>
+                    <a:lstStyle/>
+                    <a:p>
+                      <a:pPr marL="0" marR="0" indent="0" algn="l" defTabSz="914400" rtl="0" eaLnBrk="1" fontAlgn="auto" latinLnBrk="0" hangingPunct="1">
+                        <a:lnSpc>
+                          <a:spcPct val="100000"/>
+                        </a:lnSpc>
+                        <a:spcBef>
+                          <a:spcPts val="0"/>
+                        </a:spcBef>
+                        <a:spcAft>
+                          <a:spcPts val="0"/>
+                        </a:spcAft>
+                        <a:buClrTx/>
+                        <a:buSzTx/>
+                        <a:buFontTx/>
+                        <a:buNone/>
+                        <a:tabLst/>
+                        <a:defRPr/>
+                      </a:pPr>
+                      <a:endParaRPr lang="zh-CN" altLang="en-US" dirty="0">
+                        <a:latin typeface="SimHei" charset="-122"/>
+                        <a:ea typeface="SimHei" charset="-122"/>
+                        <a:cs typeface="SimHei" charset="-122"/>
+                      </a:endParaRPr>
+                    </a:p>
+                  </a:txBody>
+                  <a:tcPr/>
+                </a:tc>
+              </a:tr>
+              <a:tr h="370840">
+                <a:tc vMerge="1">
+                  <a:txBody>
+                    <a:bodyPr/>
+                    <a:lstStyle/>
+                    <a:p>
+                      <a:endParaRPr lang="zh-CN" altLang="en-US" b="1" dirty="0">
+                        <a:latin typeface="SimHei" charset="-122"/>
+                        <a:ea typeface="SimHei" charset="-122"/>
+                        <a:cs typeface="SimHei" charset="-122"/>
+                      </a:endParaRPr>
+                    </a:p>
+                  </a:txBody>
+                  <a:tcPr/>
+                </a:tc>
+                <a:tc gridSpan="2">
+                  <a:txBody>
+                    <a:bodyPr/>
+                    <a:lstStyle/>
+                    <a:p>
+                      <a:pPr marL="0" marR="0" indent="0" algn="l" defTabSz="914400" rtl="0" eaLnBrk="1" fontAlgn="auto" latinLnBrk="0" hangingPunct="1">
+                        <a:lnSpc>
+                          <a:spcPct val="100000"/>
+                        </a:lnSpc>
+                        <a:spcBef>
+                          <a:spcPts val="0"/>
+                        </a:spcBef>
+                        <a:spcAft>
+                          <a:spcPts val="0"/>
+                        </a:spcAft>
+                        <a:buClrTx/>
+                        <a:buSzTx/>
+                        <a:buFontTx/>
+                        <a:buNone/>
+                        <a:tabLst/>
+                        <a:defRPr/>
+                      </a:pPr>
+                      <a:r>
+                        <a:rPr lang="en-US" altLang="zh-CN" dirty="0" smtClean="0">
+                          <a:latin typeface="SimHei" charset="-122"/>
+                          <a:ea typeface="SimHei" charset="-122"/>
+                          <a:cs typeface="SimHei" charset="-122"/>
+                        </a:rPr>
+                        <a:t>Improving reconfigurable designs using multi-pumping</a:t>
+                      </a:r>
+                      <a:r>
+                        <a:rPr lang="zh-CN" altLang="en-US" dirty="0" smtClean="0">
+                          <a:latin typeface="SimHei" charset="-122"/>
+                          <a:ea typeface="SimHei" charset="-122"/>
+                          <a:cs typeface="SimHei" charset="-122"/>
+                        </a:rPr>
+                        <a:t>（</a:t>
+                      </a:r>
+                      <a:r>
+                        <a:rPr lang="en-US" altLang="zh-CN" dirty="0" smtClean="0">
+                          <a:latin typeface="SimHei" charset="-122"/>
+                          <a:ea typeface="SimHei" charset="-122"/>
+                          <a:cs typeface="SimHei" charset="-122"/>
+                        </a:rPr>
+                        <a:t>Submitted</a:t>
+                      </a:r>
+                      <a:r>
+                        <a:rPr lang="zh-CN" altLang="en-US" dirty="0" smtClean="0">
+                          <a:latin typeface="SimHei" charset="-122"/>
+                          <a:ea typeface="SimHei" charset="-122"/>
+                          <a:cs typeface="SimHei" charset="-122"/>
+                        </a:rPr>
+                        <a:t>）</a:t>
+                      </a:r>
+                      <a:endParaRPr lang="zh-CN" altLang="en-US" dirty="0">
+                        <a:latin typeface="SimHei" charset="-122"/>
+                        <a:ea typeface="SimHei" charset="-122"/>
+                        <a:cs typeface="SimHei" charset="-122"/>
+                      </a:endParaRPr>
+                    </a:p>
+                  </a:txBody>
+                  <a:tcPr/>
+                </a:tc>
+                <a:tc hMerge="1">
+                  <a:txBody>
+                    <a:bodyPr/>
+                    <a:lstStyle/>
+                    <a:p>
+                      <a:pPr marL="0" marR="0" indent="0" algn="l" defTabSz="914400" rtl="0" eaLnBrk="1" fontAlgn="auto" latinLnBrk="0" hangingPunct="1">
+                        <a:lnSpc>
+                          <a:spcPct val="100000"/>
+                        </a:lnSpc>
+                        <a:spcBef>
+                          <a:spcPts val="0"/>
+                        </a:spcBef>
+                        <a:spcAft>
+                          <a:spcPts val="0"/>
+                        </a:spcAft>
+                        <a:buClrTx/>
+                        <a:buSzTx/>
+                        <a:buFontTx/>
+                        <a:buNone/>
+                        <a:tabLst/>
+                        <a:defRPr/>
+                      </a:pPr>
+                      <a:endParaRPr lang="zh-CN" altLang="en-US" dirty="0">
+                        <a:latin typeface="SimHei" charset="-122"/>
+                        <a:ea typeface="SimHei" charset="-122"/>
+                        <a:cs typeface="SimHei" charset="-122"/>
+                      </a:endParaRPr>
+                    </a:p>
+                  </a:txBody>
+                  <a:tcPr/>
+                </a:tc>
+              </a:tr>
+              <a:tr h="370840">
+                <a:tc rowSpan="2">
+                  <a:txBody>
+                    <a:bodyPr/>
+                    <a:lstStyle/>
+                    <a:p>
+                      <a:r>
+                        <a:rPr lang="zh-CN" altLang="en-US" b="1" dirty="0" smtClean="0">
+                          <a:latin typeface="SimHei" charset="-122"/>
+                          <a:ea typeface="SimHei" charset="-122"/>
+                          <a:cs typeface="SimHei" charset="-122"/>
+                        </a:rPr>
+                        <a:t>实习经历</a:t>
+                      </a:r>
+                      <a:endParaRPr lang="zh-CN" altLang="en-US" b="1" dirty="0">
+                        <a:latin typeface="SimHei" charset="-122"/>
+                        <a:ea typeface="SimHei" charset="-122"/>
+                        <a:cs typeface="SimHei" charset="-122"/>
+                      </a:endParaRPr>
+                    </a:p>
+                  </a:txBody>
+                  <a:tcPr/>
+                </a:tc>
+                <a:tc>
+                  <a:txBody>
+                    <a:bodyPr/>
+                    <a:lstStyle/>
+                    <a:p>
+                      <a:pPr marL="0" marR="0" indent="0" algn="l" defTabSz="914400" rtl="0" eaLnBrk="1" fontAlgn="auto" latinLnBrk="0" hangingPunct="1">
+                        <a:lnSpc>
+                          <a:spcPct val="100000"/>
+                        </a:lnSpc>
+                        <a:spcBef>
+                          <a:spcPts val="0"/>
+                        </a:spcBef>
+                        <a:spcAft>
+                          <a:spcPts val="0"/>
+                        </a:spcAft>
+                        <a:buClrTx/>
+                        <a:buSzTx/>
+                        <a:buFontTx/>
+                        <a:buNone/>
+                        <a:tabLst/>
+                        <a:defRPr/>
+                      </a:pPr>
+                      <a:r>
+                        <a:rPr lang="en-US" altLang="zh-CN" dirty="0" smtClean="0">
+                          <a:latin typeface="SimHei" charset="-122"/>
+                          <a:ea typeface="SimHei" charset="-122"/>
+                          <a:cs typeface="SimHei" charset="-122"/>
+                        </a:rPr>
+                        <a:t>2015.7-</a:t>
+                      </a:r>
+                      <a:br>
+                        <a:rPr lang="en-US" altLang="zh-CN" dirty="0" smtClean="0">
+                          <a:latin typeface="SimHei" charset="-122"/>
+                          <a:ea typeface="SimHei" charset="-122"/>
+                          <a:cs typeface="SimHei" charset="-122"/>
+                        </a:rPr>
+                      </a:br>
+                      <a:r>
+                        <a:rPr lang="en-US" altLang="zh-CN" dirty="0" smtClean="0">
+                          <a:latin typeface="SimHei" charset="-122"/>
+                          <a:ea typeface="SimHei" charset="-122"/>
+                          <a:cs typeface="SimHei" charset="-122"/>
+                        </a:rPr>
+                        <a:t>2015.9</a:t>
+                      </a:r>
+                      <a:endParaRPr lang="zh-CN" altLang="en-US" dirty="0">
+                        <a:latin typeface="SimHei" charset="-122"/>
+                        <a:ea typeface="SimHei" charset="-122"/>
+                        <a:cs typeface="SimHei" charset="-122"/>
+                      </a:endParaRPr>
+                    </a:p>
+                  </a:txBody>
+                  <a:tcPr/>
+                </a:tc>
+                <a:tc>
+                  <a:txBody>
+                    <a:bodyPr/>
+                    <a:lstStyle/>
+                    <a:p>
+                      <a:pPr marL="0" marR="0" indent="0" algn="l" defTabSz="914400" rtl="0" eaLnBrk="1" fontAlgn="auto" latinLnBrk="0" hangingPunct="1">
+                        <a:lnSpc>
+                          <a:spcPct val="100000"/>
+                        </a:lnSpc>
+                        <a:spcBef>
+                          <a:spcPts val="0"/>
+                        </a:spcBef>
+                        <a:spcAft>
+                          <a:spcPts val="0"/>
+                        </a:spcAft>
+                        <a:buClrTx/>
+                        <a:buSzTx/>
+                        <a:buFontTx/>
+                        <a:buNone/>
+                        <a:tabLst/>
+                        <a:defRPr/>
+                      </a:pPr>
+                      <a:r>
+                        <a:rPr lang="en-US" altLang="zh-CN" dirty="0" smtClean="0">
+                          <a:latin typeface="SimHei" charset="-122"/>
+                          <a:ea typeface="SimHei" charset="-122"/>
+                          <a:cs typeface="SimHei" charset="-122"/>
+                        </a:rPr>
+                        <a:t>Custom</a:t>
+                      </a:r>
+                      <a:r>
+                        <a:rPr lang="en-US" altLang="zh-CN" baseline="0" dirty="0" smtClean="0">
+                          <a:latin typeface="SimHei" charset="-122"/>
+                          <a:ea typeface="SimHei" charset="-122"/>
+                          <a:cs typeface="SimHei" charset="-122"/>
+                        </a:rPr>
+                        <a:t> Computing Group</a:t>
+                      </a:r>
+                      <a:r>
+                        <a:rPr lang="en-US" altLang="zh-CN" dirty="0" smtClean="0">
+                          <a:latin typeface="SimHei" charset="-122"/>
+                          <a:ea typeface="SimHei" charset="-122"/>
+                          <a:cs typeface="SimHei" charset="-122"/>
+                        </a:rPr>
+                        <a:t>, Imperial College London</a:t>
+                      </a:r>
+                      <a:r>
+                        <a:rPr lang="en-US" altLang="zh-CN" baseline="0" dirty="0" smtClean="0">
+                          <a:latin typeface="SimHei" charset="-122"/>
+                          <a:ea typeface="SimHei" charset="-122"/>
+                          <a:cs typeface="SimHei" charset="-122"/>
+                        </a:rPr>
+                        <a:t>, </a:t>
+                      </a:r>
+                      <a:r>
+                        <a:rPr lang="en-US" altLang="zh-CN" dirty="0" smtClean="0">
+                          <a:latin typeface="SimHei" charset="-122"/>
+                          <a:ea typeface="SimHei" charset="-122"/>
+                          <a:cs typeface="SimHei" charset="-122"/>
+                        </a:rPr>
+                        <a:t>UK</a:t>
+                      </a:r>
+                      <a:endParaRPr lang="zh-CN" altLang="en-US" dirty="0">
+                        <a:latin typeface="SimHei" charset="-122"/>
+                        <a:ea typeface="SimHei" charset="-122"/>
+                        <a:cs typeface="SimHei" charset="-122"/>
+                      </a:endParaRPr>
+                    </a:p>
+                  </a:txBody>
+                  <a:tcPr/>
+                </a:tc>
+              </a:tr>
+              <a:tr h="370840">
+                <a:tc vMerge="1">
+                  <a:txBody>
+                    <a:bodyPr/>
+                    <a:lstStyle/>
+                    <a:p>
+                      <a:endParaRPr lang="zh-CN" altLang="en-US" b="1" dirty="0">
+                        <a:latin typeface="SimHei" charset="-122"/>
+                        <a:ea typeface="SimHei" charset="-122"/>
+                        <a:cs typeface="SimHei" charset="-122"/>
+                      </a:endParaRPr>
+                    </a:p>
+                  </a:txBody>
+                  <a:tcPr/>
+                </a:tc>
+                <a:tc>
+                  <a:txBody>
+                    <a:bodyPr/>
+                    <a:lstStyle/>
+                    <a:p>
+                      <a:pPr marL="0" marR="0" indent="0" algn="l" defTabSz="914400" rtl="0" eaLnBrk="1" fontAlgn="auto" latinLnBrk="0" hangingPunct="1">
+                        <a:lnSpc>
+                          <a:spcPct val="100000"/>
+                        </a:lnSpc>
+                        <a:spcBef>
+                          <a:spcPts val="0"/>
+                        </a:spcBef>
+                        <a:spcAft>
+                          <a:spcPts val="0"/>
+                        </a:spcAft>
+                        <a:buClrTx/>
+                        <a:buSzTx/>
+                        <a:buFontTx/>
+                        <a:buNone/>
+                        <a:tabLst/>
+                        <a:defRPr/>
+                      </a:pPr>
+                      <a:r>
+                        <a:rPr lang="en-US" altLang="zh-CN" dirty="0" smtClean="0">
+                          <a:latin typeface="SimHei" charset="-122"/>
+                          <a:ea typeface="SimHei" charset="-122"/>
+                          <a:cs typeface="SimHei" charset="-122"/>
+                        </a:rPr>
+                        <a:t>2014.7-</a:t>
+                      </a:r>
+                      <a:br>
+                        <a:rPr lang="en-US" altLang="zh-CN" dirty="0" smtClean="0">
+                          <a:latin typeface="SimHei" charset="-122"/>
+                          <a:ea typeface="SimHei" charset="-122"/>
+                          <a:cs typeface="SimHei" charset="-122"/>
+                        </a:rPr>
+                      </a:br>
+                      <a:r>
+                        <a:rPr lang="en-US" altLang="zh-CN" dirty="0" smtClean="0">
+                          <a:latin typeface="SimHei" charset="-122"/>
+                          <a:ea typeface="SimHei" charset="-122"/>
+                          <a:cs typeface="SimHei" charset="-122"/>
+                        </a:rPr>
+                        <a:t>2014.9</a:t>
+                      </a:r>
+                      <a:endParaRPr lang="zh-CN" altLang="en-US" dirty="0">
+                        <a:latin typeface="SimHei" charset="-122"/>
+                        <a:ea typeface="SimHei" charset="-122"/>
+                        <a:cs typeface="SimHei" charset="-122"/>
+                      </a:endParaRPr>
+                    </a:p>
+                  </a:txBody>
+                  <a:tcPr/>
+                </a:tc>
+                <a:tc>
+                  <a:txBody>
+                    <a:bodyPr/>
+                    <a:lstStyle/>
+                    <a:p>
+                      <a:pPr marL="0" marR="0" indent="0" algn="l" defTabSz="914400" rtl="0" eaLnBrk="1" fontAlgn="auto" latinLnBrk="0" hangingPunct="1">
+                        <a:lnSpc>
+                          <a:spcPct val="100000"/>
+                        </a:lnSpc>
+                        <a:spcBef>
+                          <a:spcPts val="0"/>
+                        </a:spcBef>
+                        <a:spcAft>
+                          <a:spcPts val="0"/>
+                        </a:spcAft>
+                        <a:buClrTx/>
+                        <a:buSzTx/>
+                        <a:buFontTx/>
+                        <a:buNone/>
+                        <a:tabLst/>
+                        <a:defRPr/>
+                      </a:pPr>
+                      <a:r>
+                        <a:rPr lang="en-US" altLang="zh-CN" sz="1800" b="0" i="0" u="none" strike="noStrike" kern="1200" baseline="0" dirty="0" smtClean="0">
+                          <a:solidFill>
+                            <a:schemeClr val="tx1"/>
+                          </a:solidFill>
+                          <a:latin typeface="SimHei" charset="-122"/>
+                          <a:ea typeface="SimHei" charset="-122"/>
+                          <a:cs typeface="SimHei" charset="-122"/>
+                        </a:rPr>
+                        <a:t>Institute of High-Performance Computing, A* Star, Singapore</a:t>
+                      </a:r>
+                      <a:endParaRPr lang="zh-CN" altLang="en-US" dirty="0">
+                        <a:latin typeface="SimHei" charset="-122"/>
+                        <a:ea typeface="SimHei" charset="-122"/>
+                        <a:cs typeface="SimHei" charset="-122"/>
+                      </a:endParaRPr>
+                    </a:p>
+                  </a:txBody>
+                  <a:tcPr/>
+                </a:tc>
+              </a:tr>
+            </a:tbl>
+          </a:graphicData>
+        </a:graphic>
+      </p:graphicFrame>
+    </p:spTree>
+    <p:extLst>
+      <p:ext uri="{BB962C8B-B14F-4D97-AF65-F5344CB8AC3E}">
+        <p14:creationId xmlns:p14="http://schemas.microsoft.com/office/powerpoint/2010/main" val="921808706"/>
+      </p:ext>
+    </p:extLst>
+  </p:cSld>
+  <p:clrMapOvr>
+    <a:masterClrMapping/>
+  </p:clrMapOvr>
+  <p:timing>
+    <p:tnLst>
+      <p:par>
+        <p:cTn id="1" dur="indefinite" restart="never" nodeType="tmRoot"/>
+      </p:par>
+    </p:tnLst>
+  </p:timing>
+</p:sld>
+</file>
+
+<file path=ppt/slides/slide3.xml><?xml version="1.0" encoding="utf-8"?>
+<p:sld xmlns:a="http://schemas.openxmlformats.org/drawingml/2006/main" xmlns:r="http://schemas.openxmlformats.org/officeDocument/2006/relationships" xmlns:p="http://schemas.openxmlformats.org/presentationml/2006/main">
+  <p:cSld>
+    <p:spTree>
+      <p:nvGrpSpPr>
+        <p:cNvPr id="1" name=""/>
+        <p:cNvGrpSpPr/>
+        <p:nvPr/>
+      </p:nvGrpSpPr>
+      <p:grpSpPr>
+        <a:xfrm>
+          <a:off x="0" y="0"/>
+          <a:ext cx="0" cy="0"/>
+          <a:chOff x="0" y="0"/>
+          <a:chExt cx="0" cy="0"/>
+        </a:xfrm>
+      </p:grpSpPr>
+      <p:sp>
+        <p:nvSpPr>
           <p:cNvPr id="2" name="Title 1"/>
           <p:cNvSpPr>
             <a:spLocks noGrp="1"/>
@@ -4529,10 +6176,18 @@
           <a:lstStyle/>
           <a:p>
             <a:r>
-              <a:rPr lang="zh-CN" altLang="en-US" dirty="0"/>
+              <a:rPr lang="zh-CN" altLang="en-US" dirty="0">
+                <a:latin typeface="SimHei" charset="-122"/>
+                <a:ea typeface="SimHei" charset="-122"/>
+                <a:cs typeface="SimHei" charset="-122"/>
+              </a:rPr>
               <a:t>问题背景</a:t>
             </a:r>
-            <a:endParaRPr kumimoji="1" lang="zh-CN" altLang="en-US" dirty="0"/>
+            <a:endParaRPr kumimoji="1" lang="zh-CN" altLang="en-US" dirty="0">
+              <a:latin typeface="SimHei" charset="-122"/>
+              <a:ea typeface="SimHei" charset="-122"/>
+              <a:cs typeface="SimHei" charset="-122"/>
+            </a:endParaRPr>
           </a:p>
         </p:txBody>
       </p:sp>
@@ -4552,35 +6207,67 @@
           <a:lstStyle/>
           <a:p>
             <a:r>
-              <a:rPr kumimoji="1" lang="zh-CN" altLang="en-US" dirty="0"/>
+              <a:rPr kumimoji="1" lang="zh-CN" altLang="en-US" dirty="0">
+                <a:latin typeface="SimHei" charset="-122"/>
+                <a:ea typeface="SimHei" charset="-122"/>
+                <a:cs typeface="SimHei" charset="-122"/>
+              </a:rPr>
               <a:t> 基于</a:t>
             </a:r>
             <a:r>
-              <a:rPr kumimoji="1" lang="en-US" altLang="zh-CN" b="1" dirty="0"/>
+              <a:rPr kumimoji="1" lang="en-US" altLang="zh-CN" b="1" dirty="0">
+                <a:latin typeface="SimHei" charset="-122"/>
+                <a:ea typeface="SimHei" charset="-122"/>
+                <a:cs typeface="SimHei" charset="-122"/>
+              </a:rPr>
               <a:t>GPU</a:t>
             </a:r>
             <a:r>
-              <a:rPr kumimoji="1" lang="zh-CN" altLang="en-US" dirty="0"/>
+              <a:rPr kumimoji="1" lang="zh-CN" altLang="en-US" dirty="0">
+                <a:latin typeface="SimHei" charset="-122"/>
+                <a:ea typeface="SimHei" charset="-122"/>
+                <a:cs typeface="SimHei" charset="-122"/>
+              </a:rPr>
               <a:t>的传统深度学习应用</a:t>
             </a:r>
-            <a:endParaRPr kumimoji="1" lang="en-US" altLang="zh-CN" dirty="0"/>
-          </a:p>
-          <a:p>
-            <a:r>
-              <a:rPr kumimoji="1" lang="zh-CN" altLang="en-US" dirty="0"/>
+            <a:endParaRPr kumimoji="1" lang="en-US" altLang="zh-CN" dirty="0">
+              <a:latin typeface="SimHei" charset="-122"/>
+              <a:ea typeface="SimHei" charset="-122"/>
+              <a:cs typeface="SimHei" charset="-122"/>
+            </a:endParaRPr>
+          </a:p>
+          <a:p>
+            <a:r>
+              <a:rPr kumimoji="1" lang="zh-CN" altLang="en-US" dirty="0">
+                <a:latin typeface="SimHei" charset="-122"/>
+                <a:ea typeface="SimHei" charset="-122"/>
+                <a:cs typeface="SimHei" charset="-122"/>
+              </a:rPr>
               <a:t> 基于</a:t>
             </a:r>
             <a:r>
-              <a:rPr kumimoji="1" lang="zh-CN" altLang="en-US" b="1" dirty="0"/>
+              <a:rPr kumimoji="1" lang="zh-CN" altLang="en-US" b="1" dirty="0">
+                <a:latin typeface="SimHei" charset="-122"/>
+                <a:ea typeface="SimHei" charset="-122"/>
+                <a:cs typeface="SimHei" charset="-122"/>
+              </a:rPr>
               <a:t>嵌入式平台</a:t>
             </a:r>
             <a:r>
-              <a:rPr kumimoji="1" lang="zh-CN" altLang="en-US" dirty="0"/>
+              <a:rPr kumimoji="1" lang="zh-CN" altLang="en-US" dirty="0">
+                <a:latin typeface="SimHei" charset="-122"/>
+                <a:ea typeface="SimHei" charset="-122"/>
+                <a:cs typeface="SimHei" charset="-122"/>
+              </a:rPr>
               <a:t>的新兴应用</a:t>
             </a:r>
           </a:p>
           <a:p>
-            <a:endParaRPr kumimoji="1" lang="zh-CN" altLang="en-US" dirty="0"/>
+            <a:endParaRPr kumimoji="1" lang="zh-CN" altLang="en-US" dirty="0">
+              <a:latin typeface="SimHei" charset="-122"/>
+              <a:ea typeface="SimHei" charset="-122"/>
+              <a:cs typeface="SimHei" charset="-122"/>
+            </a:endParaRPr>
           </a:p>
         </p:txBody>
       </p:sp>
@@ -4654,7 +6341,11 @@
           <a:lstStyle/>
           <a:p>
             <a:pPr algn="ctr"/>
-            <a:endParaRPr kumimoji="1" lang="zh-CN" altLang="en-US"/>
+            <a:endParaRPr kumimoji="1" lang="zh-CN" altLang="en-US">
+              <a:latin typeface="SimHei" charset="-122"/>
+              <a:ea typeface="SimHei" charset="-122"/>
+              <a:cs typeface="SimHei" charset="-122"/>
+            </a:endParaRPr>
           </a:p>
         </p:txBody>
       </p:sp>
@@ -4681,30 +6372,58 @@
           <a:lstStyle/>
           <a:p>
             <a:r>
-              <a:rPr kumimoji="1" lang="zh-CN" altLang="en-US" sz="1400" dirty="0" smtClean="0"/>
+              <a:rPr kumimoji="1" lang="zh-CN" altLang="en-US" sz="1400" dirty="0" smtClean="0">
+                <a:latin typeface="SimHei" charset="-122"/>
+                <a:ea typeface="SimHei" charset="-122"/>
+                <a:cs typeface="SimHei" charset="-122"/>
+              </a:rPr>
               <a:t>图</a:t>
             </a:r>
             <a:r>
-              <a:rPr kumimoji="1" lang="en-US" altLang="zh-CN" sz="1400" dirty="0" smtClean="0"/>
+              <a:rPr kumimoji="1" lang="en-US" altLang="zh-CN" sz="1400" dirty="0" smtClean="0">
+                <a:latin typeface="SimHei" charset="-122"/>
+                <a:ea typeface="SimHei" charset="-122"/>
+                <a:cs typeface="SimHei" charset="-122"/>
+              </a:rPr>
               <a:t>1.</a:t>
             </a:r>
             <a:r>
-              <a:rPr kumimoji="1" lang="zh-CN" altLang="en-US" sz="1400" dirty="0" smtClean="0"/>
+              <a:rPr kumimoji="1" lang="zh-CN" altLang="en-US" sz="1400" dirty="0" smtClean="0">
+                <a:latin typeface="SimHei" charset="-122"/>
+                <a:ea typeface="SimHei" charset="-122"/>
+                <a:cs typeface="SimHei" charset="-122"/>
+              </a:rPr>
               <a:t> 深度学习的应用领域</a:t>
             </a:r>
             <a:r>
-              <a:rPr kumimoji="1" lang="en-US" altLang="zh-CN" sz="1400" dirty="0" smtClean="0"/>
+              <a:rPr kumimoji="1" lang="en-US" altLang="zh-CN" sz="1400" dirty="0" smtClean="0">
+                <a:latin typeface="SimHei" charset="-122"/>
+                <a:ea typeface="SimHei" charset="-122"/>
+                <a:cs typeface="SimHei" charset="-122"/>
+              </a:rPr>
               <a:t>.</a:t>
             </a:r>
             <a:r>
-              <a:rPr kumimoji="1" lang="zh-CN" altLang="en-US" sz="1400" dirty="0" smtClean="0"/>
+              <a:rPr kumimoji="1" lang="zh-CN" altLang="en-US" sz="1400" dirty="0" smtClean="0">
+                <a:latin typeface="SimHei" charset="-122"/>
+                <a:ea typeface="SimHei" charset="-122"/>
+                <a:cs typeface="SimHei" charset="-122"/>
+              </a:rPr>
               <a:t> </a:t>
             </a:r>
             <a:r>
-              <a:rPr kumimoji="1" lang="en-US" altLang="zh-CN" sz="1400" dirty="0" smtClean="0"/>
+              <a:rPr kumimoji="1" lang="en-US" altLang="zh-CN" sz="1400" dirty="0" smtClean="0">
+                <a:latin typeface="SimHei" charset="-122"/>
+                <a:ea typeface="SimHei" charset="-122"/>
+                <a:cs typeface="SimHei" charset="-122"/>
+              </a:rPr>
               <a:t>(Machine Learning on FPGAs, Jason Cong)</a:t>
             </a:r>
-            <a:endParaRPr kumimoji="1" lang="zh-CN" altLang="en-US" sz="1400" dirty="0"/>
+            <a:endParaRPr kumimoji="1" lang="zh-CN" altLang="en-US" sz="1400" dirty="0">
+              <a:latin typeface="SimHei" charset="-122"/>
+              <a:ea typeface="SimHei" charset="-122"/>
+              <a:cs typeface="SimHei" charset="-122"/>
+            </a:endParaRPr>
           </a:p>
         </p:txBody>
       </p:sp>
@@ -4731,38 +6450,78 @@
           <a:lstStyle/>
           <a:p>
             <a:r>
-              <a:rPr kumimoji="1" lang="zh-CN" altLang="en-US" sz="2000" b="1" dirty="0" smtClean="0"/>
+              <a:rPr kumimoji="1" lang="zh-CN" altLang="en-US" sz="2000" b="1" dirty="0" smtClean="0">
+                <a:latin typeface="SimHei" charset="-122"/>
+                <a:ea typeface="SimHei" charset="-122"/>
+                <a:cs typeface="SimHei" charset="-122"/>
+              </a:rPr>
               <a:t>计算性能</a:t>
             </a:r>
-            <a:endParaRPr kumimoji="1" lang="en-US" altLang="zh-CN" sz="2000" b="1" dirty="0" smtClean="0"/>
-          </a:p>
-          <a:p>
-            <a:r>
-              <a:rPr kumimoji="1" lang="zh-CN" altLang="en-US" sz="2000" b="1" dirty="0" smtClean="0"/>
+            <a:endParaRPr kumimoji="1" lang="en-US" altLang="zh-CN" sz="2000" b="1" dirty="0" smtClean="0">
+              <a:latin typeface="SimHei" charset="-122"/>
+              <a:ea typeface="SimHei" charset="-122"/>
+              <a:cs typeface="SimHei" charset="-122"/>
+            </a:endParaRPr>
+          </a:p>
+          <a:p>
+            <a:r>
+              <a:rPr kumimoji="1" lang="zh-CN" altLang="en-US" sz="2000" b="1" dirty="0" smtClean="0">
+                <a:latin typeface="SimHei" charset="-122"/>
+                <a:ea typeface="SimHei" charset="-122"/>
+                <a:cs typeface="SimHei" charset="-122"/>
+              </a:rPr>
               <a:t>功耗比</a:t>
             </a:r>
-            <a:endParaRPr kumimoji="1" lang="en-US" altLang="zh-CN" sz="2000" b="1" dirty="0" smtClean="0"/>
-          </a:p>
-          <a:p>
-            <a:r>
-              <a:rPr kumimoji="1" lang="zh-CN" altLang="en-US" sz="2000" b="1" dirty="0" smtClean="0"/>
+            <a:endParaRPr kumimoji="1" lang="en-US" altLang="zh-CN" sz="2000" b="1" dirty="0" smtClean="0">
+              <a:latin typeface="SimHei" charset="-122"/>
+              <a:ea typeface="SimHei" charset="-122"/>
+              <a:cs typeface="SimHei" charset="-122"/>
+            </a:endParaRPr>
+          </a:p>
+          <a:p>
+            <a:r>
+              <a:rPr kumimoji="1" lang="zh-CN" altLang="en-US" sz="2000" b="1" dirty="0" smtClean="0">
+                <a:latin typeface="SimHei" charset="-122"/>
+                <a:ea typeface="SimHei" charset="-122"/>
+                <a:cs typeface="SimHei" charset="-122"/>
+              </a:rPr>
               <a:t>实时性</a:t>
             </a:r>
-            <a:endParaRPr kumimoji="1" lang="en-US" altLang="zh-CN" sz="2000" b="1" dirty="0" smtClean="0"/>
-          </a:p>
-          <a:p>
-            <a:r>
-              <a:rPr kumimoji="1" lang="zh-CN" altLang="en-US" sz="2000" b="1" dirty="0" smtClean="0"/>
+            <a:endParaRPr kumimoji="1" lang="en-US" altLang="zh-CN" sz="2000" b="1" dirty="0" smtClean="0">
+              <a:latin typeface="SimHei" charset="-122"/>
+              <a:ea typeface="SimHei" charset="-122"/>
+              <a:cs typeface="SimHei" charset="-122"/>
+            </a:endParaRPr>
+          </a:p>
+          <a:p>
+            <a:r>
+              <a:rPr kumimoji="1" lang="zh-CN" altLang="en-US" sz="2000" b="1" dirty="0" smtClean="0">
+                <a:latin typeface="SimHei" charset="-122"/>
+                <a:ea typeface="SimHei" charset="-122"/>
+                <a:cs typeface="SimHei" charset="-122"/>
+              </a:rPr>
               <a:t>开发周期</a:t>
             </a:r>
-            <a:endParaRPr kumimoji="1" lang="en-US" altLang="zh-CN" sz="2000" b="1" dirty="0" smtClean="0"/>
-          </a:p>
-          <a:p>
-            <a:r>
-              <a:rPr kumimoji="1" lang="en-US" altLang="zh-CN" sz="2000" b="1" dirty="0"/>
+            <a:endParaRPr kumimoji="1" lang="en-US" altLang="zh-CN" sz="2000" b="1" dirty="0" smtClean="0">
+              <a:latin typeface="SimHei" charset="-122"/>
+              <a:ea typeface="SimHei" charset="-122"/>
+              <a:cs typeface="SimHei" charset="-122"/>
+            </a:endParaRPr>
+          </a:p>
+          <a:p>
+            <a:r>
+              <a:rPr kumimoji="1" lang="en-US" altLang="zh-CN" sz="2000" b="1" dirty="0">
+                <a:latin typeface="SimHei" charset="-122"/>
+                <a:ea typeface="SimHei" charset="-122"/>
+                <a:cs typeface="SimHei" charset="-122"/>
+              </a:rPr>
               <a:t>……</a:t>
             </a:r>
-            <a:endParaRPr kumimoji="1" lang="zh-CN" altLang="en-US" sz="2000" b="1" dirty="0"/>
+            <a:endParaRPr kumimoji="1" lang="zh-CN" altLang="en-US" sz="2000" b="1" dirty="0">
+              <a:latin typeface="SimHei" charset="-122"/>
+              <a:ea typeface="SimHei" charset="-122"/>
+              <a:cs typeface="SimHei" charset="-122"/>
+            </a:endParaRPr>
           </a:p>
         </p:txBody>
       </p:sp>
@@ -5058,7 +6817,7 @@
 </p:sld>
 </file>
 
-<file path=ppt/slides/slide3.xml><?xml version="1.0" encoding="utf-8"?>
+<file path=ppt/slides/slide4.xml><?xml version="1.0" encoding="utf-8"?>
 <p:sld xmlns:a="http://schemas.openxmlformats.org/drawingml/2006/main" xmlns:r="http://schemas.openxmlformats.org/officeDocument/2006/relationships" xmlns:p="http://schemas.openxmlformats.org/presentationml/2006/main">
   <p:cSld>
     <p:spTree>
@@ -5091,10 +6850,18 @@
           <a:lstStyle/>
           <a:p>
             <a:r>
-              <a:rPr kumimoji="1" lang="zh-CN" altLang="en-US" dirty="0" smtClean="0"/>
+              <a:rPr kumimoji="1" lang="zh-CN" altLang="en-US" dirty="0" smtClean="0">
+                <a:latin typeface="SimHei" charset="-122"/>
+                <a:ea typeface="SimHei" charset="-122"/>
+                <a:cs typeface="SimHei" charset="-122"/>
+              </a:rPr>
               <a:t>研究目标</a:t>
             </a:r>
-            <a:endParaRPr kumimoji="1" lang="zh-CN" altLang="en-US" dirty="0"/>
+            <a:endParaRPr kumimoji="1" lang="zh-CN" altLang="en-US" dirty="0">
+              <a:latin typeface="SimHei" charset="-122"/>
+              <a:ea typeface="SimHei" charset="-122"/>
+              <a:cs typeface="SimHei" charset="-122"/>
+            </a:endParaRPr>
           </a:p>
         </p:txBody>
       </p:sp>
@@ -5119,14 +6886,26 @@
           <a:lstStyle/>
           <a:p>
             <a:r>
-              <a:rPr kumimoji="1" lang="zh-CN" altLang="en-US" dirty="0"/>
+              <a:rPr kumimoji="1" lang="zh-CN" altLang="en-US" dirty="0">
+                <a:latin typeface="SimHei" charset="-122"/>
+                <a:ea typeface="SimHei" charset="-122"/>
+                <a:cs typeface="SimHei" charset="-122"/>
+              </a:rPr>
               <a:t>通用的嵌入式平台深度学习应用开发解决</a:t>
             </a:r>
             <a:r>
-              <a:rPr kumimoji="1" lang="zh-CN" altLang="en-US" dirty="0" smtClean="0"/>
+              <a:rPr kumimoji="1" lang="zh-CN" altLang="en-US" dirty="0" smtClean="0">
+                <a:latin typeface="SimHei" charset="-122"/>
+                <a:ea typeface="SimHei" charset="-122"/>
+                <a:cs typeface="SimHei" charset="-122"/>
+              </a:rPr>
               <a:t>方案</a:t>
             </a:r>
-            <a:endParaRPr kumimoji="1" lang="zh-CN" altLang="en-US" dirty="0"/>
+            <a:endParaRPr kumimoji="1" lang="zh-CN" altLang="en-US" dirty="0">
+              <a:latin typeface="SimHei" charset="-122"/>
+              <a:ea typeface="SimHei" charset="-122"/>
+              <a:cs typeface="SimHei" charset="-122"/>
+            </a:endParaRPr>
           </a:p>
         </p:txBody>
       </p:sp>
@@ -5170,10 +6949,18 @@
           <a:p>
             <a:pPr algn="ctr"/>
             <a:r>
-              <a:rPr kumimoji="1" lang="en-US" altLang="zh-CN" sz="2000" b="1" dirty="0"/>
+              <a:rPr kumimoji="1" lang="en-US" altLang="zh-CN" sz="2000" b="1" dirty="0">
+                <a:latin typeface="SimHei" charset="-122"/>
+                <a:ea typeface="SimHei" charset="-122"/>
+                <a:cs typeface="SimHei" charset="-122"/>
+              </a:rPr>
               <a:t>SoCaffe</a:t>
             </a:r>
-            <a:endParaRPr kumimoji="1" lang="zh-CN" altLang="en-US" sz="2000" b="1" dirty="0"/>
+            <a:endParaRPr kumimoji="1" lang="zh-CN" altLang="en-US" sz="2000" b="1" dirty="0">
+              <a:latin typeface="SimHei" charset="-122"/>
+              <a:ea typeface="SimHei" charset="-122"/>
+              <a:cs typeface="SimHei" charset="-122"/>
+            </a:endParaRPr>
           </a:p>
         </p:txBody>
       </p:sp>
@@ -5217,10 +7004,18 @@
           <a:p>
             <a:pPr algn="ctr"/>
             <a:r>
-              <a:rPr kumimoji="1" lang="en-US" altLang="zh-CN" sz="2000" dirty="0" smtClean="0"/>
+              <a:rPr kumimoji="1" lang="en-US" altLang="zh-CN" sz="2000" dirty="0" smtClean="0">
+                <a:latin typeface="SimHei" charset="-122"/>
+                <a:ea typeface="SimHei" charset="-122"/>
+                <a:cs typeface="SimHei" charset="-122"/>
+              </a:rPr>
               <a:t>Caffe</a:t>
             </a:r>
-            <a:endParaRPr kumimoji="1" lang="zh-CN" altLang="en-US" sz="2000" dirty="0"/>
+            <a:endParaRPr kumimoji="1" lang="zh-CN" altLang="en-US" sz="2000" dirty="0">
+              <a:latin typeface="SimHei" charset="-122"/>
+              <a:ea typeface="SimHei" charset="-122"/>
+              <a:cs typeface="SimHei" charset="-122"/>
+            </a:endParaRPr>
           </a:p>
         </p:txBody>
       </p:sp>
@@ -5264,10 +7059,18 @@
           <a:p>
             <a:pPr algn="ctr"/>
             <a:r>
-              <a:rPr kumimoji="1" lang="en-US" altLang="zh-CN" sz="2000" dirty="0" smtClean="0"/>
+              <a:rPr kumimoji="1" lang="en-US" altLang="zh-CN" sz="2000" dirty="0" smtClean="0">
+                <a:latin typeface="SimHei" charset="-122"/>
+                <a:ea typeface="SimHei" charset="-122"/>
+                <a:cs typeface="SimHei" charset="-122"/>
+              </a:rPr>
               <a:t>Zynq SoC</a:t>
             </a:r>
-            <a:endParaRPr kumimoji="1" lang="zh-CN" altLang="en-US" sz="2000" dirty="0"/>
+            <a:endParaRPr kumimoji="1" lang="zh-CN" altLang="en-US" sz="2000" dirty="0">
+              <a:latin typeface="SimHei" charset="-122"/>
+              <a:ea typeface="SimHei" charset="-122"/>
+              <a:cs typeface="SimHei" charset="-122"/>
+            </a:endParaRPr>
           </a:p>
         </p:txBody>
       </p:sp>
@@ -5382,7 +7185,11 @@
           <a:lstStyle/>
           <a:p>
             <a:r>
-              <a:rPr kumimoji="1" lang="zh-CN" altLang="en-US" sz="2000" dirty="0" smtClean="0"/>
+              <a:rPr kumimoji="1" lang="zh-CN" altLang="en-US" sz="2000" dirty="0" smtClean="0">
+                <a:latin typeface="SimHei" charset="-122"/>
+                <a:ea typeface="SimHei" charset="-122"/>
+                <a:cs typeface="SimHei" charset="-122"/>
+              </a:rPr>
               <a:t>流行的</a:t>
             </a:r>
             <a:r>
@@ -5390,32 +7197,63 @@
                 <a:solidFill>
                   <a:srgbClr val="FF0000"/>
                 </a:solidFill>
+                <a:latin typeface="SimHei" charset="-122"/>
+                <a:ea typeface="SimHei" charset="-122"/>
+                <a:cs typeface="SimHei" charset="-122"/>
               </a:rPr>
               <a:t>深度学习</a:t>
             </a:r>
             <a:r>
-              <a:rPr kumimoji="1" lang="zh-CN" altLang="en-US" sz="2000" dirty="0" smtClean="0"/>
+              <a:rPr kumimoji="1" lang="zh-CN" altLang="en-US" sz="2000" dirty="0" smtClean="0">
+                <a:latin typeface="SimHei" charset="-122"/>
+                <a:ea typeface="SimHei" charset="-122"/>
+                <a:cs typeface="SimHei" charset="-122"/>
+              </a:rPr>
               <a:t>框架</a:t>
             </a:r>
-            <a:endParaRPr kumimoji="1" lang="en-US" altLang="zh-CN" sz="2000" dirty="0" smtClean="0"/>
-          </a:p>
-          <a:p>
-            <a:r>
-              <a:rPr kumimoji="1" lang="en-US" altLang="zh-CN" sz="2000" dirty="0" smtClean="0"/>
+            <a:endParaRPr kumimoji="1" lang="en-US" altLang="zh-CN" sz="2000" dirty="0" smtClean="0">
+              <a:latin typeface="SimHei" charset="-122"/>
+              <a:ea typeface="SimHei" charset="-122"/>
+              <a:cs typeface="SimHei" charset="-122"/>
+            </a:endParaRPr>
+          </a:p>
+          <a:p>
+            <a:r>
+              <a:rPr kumimoji="1" lang="en-US" altLang="zh-CN" sz="2000" dirty="0" smtClean="0">
+                <a:latin typeface="SimHei" charset="-122"/>
+                <a:ea typeface="SimHei" charset="-122"/>
+                <a:cs typeface="SimHei" charset="-122"/>
+              </a:rPr>
               <a:t>C++/CUDA</a:t>
             </a:r>
             <a:r>
-              <a:rPr kumimoji="1" lang="zh-CN" altLang="en-US" sz="2000" dirty="0" smtClean="0"/>
+              <a:rPr kumimoji="1" lang="zh-CN" altLang="en-US" sz="2000" dirty="0" smtClean="0">
+                <a:latin typeface="SimHei" charset="-122"/>
+                <a:ea typeface="SimHei" charset="-122"/>
+                <a:cs typeface="SimHei" charset="-122"/>
+              </a:rPr>
               <a:t>实现</a:t>
             </a:r>
-            <a:endParaRPr kumimoji="1" lang="en-US" altLang="zh-CN" sz="2000" dirty="0" smtClean="0"/>
-          </a:p>
-          <a:p>
-            <a:r>
-              <a:rPr kumimoji="1" lang="zh-CN" altLang="en-US" sz="2000" dirty="0" smtClean="0"/>
+            <a:endParaRPr kumimoji="1" lang="en-US" altLang="zh-CN" sz="2000" dirty="0" smtClean="0">
+              <a:latin typeface="SimHei" charset="-122"/>
+              <a:ea typeface="SimHei" charset="-122"/>
+              <a:cs typeface="SimHei" charset="-122"/>
+            </a:endParaRPr>
+          </a:p>
+          <a:p>
+            <a:r>
+              <a:rPr kumimoji="1" lang="zh-CN" altLang="en-US" sz="2000" dirty="0" smtClean="0">
+                <a:latin typeface="SimHei" charset="-122"/>
+                <a:ea typeface="SimHei" charset="-122"/>
+                <a:cs typeface="SimHei" charset="-122"/>
+              </a:rPr>
               <a:t>速度快，开发简单</a:t>
             </a:r>
-            <a:endParaRPr kumimoji="1" lang="en-US" altLang="zh-CN" sz="2000" dirty="0" smtClean="0"/>
+            <a:endParaRPr kumimoji="1" lang="en-US" altLang="zh-CN" sz="2000" dirty="0" smtClean="0">
+              <a:latin typeface="SimHei" charset="-122"/>
+              <a:ea typeface="SimHei" charset="-122"/>
+              <a:cs typeface="SimHei" charset="-122"/>
+            </a:endParaRPr>
           </a:p>
         </p:txBody>
       </p:sp>
@@ -5428,7 +7266,7 @@
         <p:spPr>
           <a:xfrm>
             <a:off x="5758057" y="4670725"/>
-            <a:ext cx="2757293" cy="1015663"/>
+            <a:ext cx="2877711" cy="1015663"/>
           </a:xfrm>
           <a:prstGeom prst="rect">
             <a:avLst/>
@@ -5458,31 +7296,59 @@
           <a:lstStyle/>
           <a:p>
             <a:r>
-              <a:rPr kumimoji="1" lang="en-US" altLang="zh-CN" sz="2000" dirty="0" smtClean="0"/>
+              <a:rPr kumimoji="1" lang="en-US" altLang="zh-CN" sz="2000" dirty="0" smtClean="0">
+                <a:latin typeface="SimHei" charset="-122"/>
+                <a:ea typeface="SimHei" charset="-122"/>
+                <a:cs typeface="SimHei" charset="-122"/>
+              </a:rPr>
               <a:t>ARM</a:t>
             </a:r>
             <a:r>
-              <a:rPr kumimoji="1" lang="zh-CN" altLang="en-US" sz="2000" dirty="0" smtClean="0"/>
+              <a:rPr kumimoji="1" lang="zh-CN" altLang="en-US" sz="2000" dirty="0" smtClean="0">
+                <a:latin typeface="SimHei" charset="-122"/>
+                <a:ea typeface="SimHei" charset="-122"/>
+                <a:cs typeface="SimHei" charset="-122"/>
+              </a:rPr>
               <a:t> </a:t>
             </a:r>
             <a:r>
-              <a:rPr kumimoji="1" lang="en-US" altLang="zh-CN" sz="2000" dirty="0" smtClean="0"/>
+              <a:rPr kumimoji="1" lang="en-US" altLang="zh-CN" sz="2000" dirty="0" smtClean="0">
+                <a:latin typeface="SimHei" charset="-122"/>
+                <a:ea typeface="SimHei" charset="-122"/>
+                <a:cs typeface="SimHei" charset="-122"/>
+              </a:rPr>
               <a:t>CPU + Xilinx FPGA</a:t>
             </a:r>
           </a:p>
           <a:p>
             <a:r>
-              <a:rPr kumimoji="1" lang="zh-CN" altLang="en-US" sz="2000" dirty="0" smtClean="0"/>
+              <a:rPr kumimoji="1" lang="zh-CN" altLang="en-US" sz="2000" dirty="0" smtClean="0">
+                <a:latin typeface="SimHei" charset="-122"/>
+                <a:ea typeface="SimHei" charset="-122"/>
+                <a:cs typeface="SimHei" charset="-122"/>
+              </a:rPr>
               <a:t>功耗比低</a:t>
             </a:r>
-            <a:endParaRPr kumimoji="1" lang="en-US" altLang="zh-CN" sz="2000" dirty="0" smtClean="0"/>
-          </a:p>
-          <a:p>
-            <a:r>
-              <a:rPr kumimoji="1" lang="zh-CN" altLang="en-US" sz="2000" dirty="0" smtClean="0"/>
+            <a:endParaRPr kumimoji="1" lang="en-US" altLang="zh-CN" sz="2000" dirty="0" smtClean="0">
+              <a:latin typeface="SimHei" charset="-122"/>
+              <a:ea typeface="SimHei" charset="-122"/>
+              <a:cs typeface="SimHei" charset="-122"/>
+            </a:endParaRPr>
+          </a:p>
+          <a:p>
+            <a:r>
+              <a:rPr kumimoji="1" lang="zh-CN" altLang="en-US" sz="2000" dirty="0" smtClean="0">
+                <a:latin typeface="SimHei" charset="-122"/>
+                <a:ea typeface="SimHei" charset="-122"/>
+                <a:cs typeface="SimHei" charset="-122"/>
+              </a:rPr>
               <a:t>灵活的扩展性</a:t>
             </a:r>
-            <a:endParaRPr kumimoji="1" lang="zh-CN" altLang="en-US" sz="2000" dirty="0"/>
+            <a:endParaRPr kumimoji="1" lang="zh-CN" altLang="en-US" sz="2000" dirty="0">
+              <a:latin typeface="SimHei" charset="-122"/>
+              <a:ea typeface="SimHei" charset="-122"/>
+              <a:cs typeface="SimHei" charset="-122"/>
+            </a:endParaRPr>
           </a:p>
         </p:txBody>
       </p:sp>
@@ -5526,10 +7392,18 @@
           <a:p>
             <a:pPr algn="ctr"/>
             <a:r>
-              <a:rPr kumimoji="1" lang="zh-CN" altLang="en-US" sz="2000" b="1" dirty="0" smtClean="0"/>
+              <a:rPr kumimoji="1" lang="zh-CN" altLang="en-US" sz="2000" b="1" dirty="0" smtClean="0">
+                <a:latin typeface="SimHei" charset="-122"/>
+                <a:ea typeface="SimHei" charset="-122"/>
+                <a:cs typeface="SimHei" charset="-122"/>
+              </a:rPr>
               <a:t>传统实现</a:t>
             </a:r>
-            <a:endParaRPr kumimoji="1" lang="zh-CN" altLang="en-US" sz="2000" b="1" dirty="0"/>
+            <a:endParaRPr kumimoji="1" lang="zh-CN" altLang="en-US" sz="2000" b="1" dirty="0">
+              <a:latin typeface="SimHei" charset="-122"/>
+              <a:ea typeface="SimHei" charset="-122"/>
+              <a:cs typeface="SimHei" charset="-122"/>
+            </a:endParaRPr>
           </a:p>
         </p:txBody>
       </p:sp>
@@ -5609,14 +7483,26 @@
           <a:p>
             <a:pPr algn="ctr"/>
             <a:r>
-              <a:rPr kumimoji="1" lang="zh-CN" altLang="en-US" sz="2000" dirty="0" smtClean="0"/>
+              <a:rPr kumimoji="1" lang="zh-CN" altLang="en-US" sz="2000" dirty="0" smtClean="0">
+                <a:latin typeface="SimHei" charset="-122"/>
+                <a:ea typeface="SimHei" charset="-122"/>
+                <a:cs typeface="SimHei" charset="-122"/>
+              </a:rPr>
               <a:t>针对特殊应用</a:t>
             </a:r>
             <a:r>
-              <a:rPr kumimoji="1" lang="zh-CN" altLang="en-US" sz="2000" smtClean="0"/>
+              <a:rPr kumimoji="1" lang="zh-CN" altLang="en-US" sz="2000" smtClean="0">
+                <a:latin typeface="SimHei" charset="-122"/>
+                <a:ea typeface="SimHei" charset="-122"/>
+                <a:cs typeface="SimHei" charset="-122"/>
+              </a:rPr>
               <a:t>进行特殊设计</a:t>
             </a:r>
-            <a:endParaRPr kumimoji="1" lang="zh-CN" altLang="en-US" sz="2000" dirty="0"/>
+            <a:endParaRPr kumimoji="1" lang="zh-CN" altLang="en-US" sz="2000" dirty="0">
+              <a:latin typeface="SimHei" charset="-122"/>
+              <a:ea typeface="SimHei" charset="-122"/>
+              <a:cs typeface="SimHei" charset="-122"/>
+            </a:endParaRPr>
           </a:p>
         </p:txBody>
       </p:sp>
@@ -5629,7 +7515,7 @@
         <p:spPr>
           <a:xfrm>
             <a:off x="5177128" y="5850712"/>
-            <a:ext cx="1138902" cy="646331"/>
+            <a:ext cx="1223412" cy="646331"/>
           </a:xfrm>
           <a:prstGeom prst="rect">
             <a:avLst/>
@@ -5643,21 +7529,41 @@
           <a:lstStyle/>
           <a:p>
             <a:r>
-              <a:rPr kumimoji="1" lang="zh-CN" altLang="en-US" dirty="0" smtClean="0"/>
+              <a:rPr kumimoji="1" lang="zh-CN" altLang="en-US" dirty="0" smtClean="0">
+                <a:latin typeface="SimHei" charset="-122"/>
+                <a:ea typeface="SimHei" charset="-122"/>
+                <a:cs typeface="SimHei" charset="-122"/>
+              </a:rPr>
               <a:t>周期短</a:t>
             </a:r>
-            <a:endParaRPr kumimoji="1" lang="en-US" altLang="zh-CN" dirty="0" smtClean="0"/>
-          </a:p>
-          <a:p>
-            <a:r>
-              <a:rPr kumimoji="1" lang="zh-CN" altLang="en-US" dirty="0" smtClean="0"/>
+            <a:endParaRPr kumimoji="1" lang="en-US" altLang="zh-CN" dirty="0" smtClean="0">
+              <a:latin typeface="SimHei" charset="-122"/>
+              <a:ea typeface="SimHei" charset="-122"/>
+              <a:cs typeface="SimHei" charset="-122"/>
+            </a:endParaRPr>
+          </a:p>
+          <a:p>
+            <a:r>
+              <a:rPr kumimoji="1" lang="zh-CN" altLang="en-US" dirty="0" smtClean="0">
+                <a:latin typeface="SimHei" charset="-122"/>
+                <a:ea typeface="SimHei" charset="-122"/>
+                <a:cs typeface="SimHei" charset="-122"/>
+              </a:rPr>
               <a:t>熟悉</a:t>
             </a:r>
             <a:r>
-              <a:rPr kumimoji="1" lang="en-US" altLang="zh-CN" dirty="0" smtClean="0"/>
+              <a:rPr kumimoji="1" lang="en-US" altLang="zh-CN" dirty="0" smtClean="0">
+                <a:latin typeface="SimHei" charset="-122"/>
+                <a:ea typeface="SimHei" charset="-122"/>
+                <a:cs typeface="SimHei" charset="-122"/>
+              </a:rPr>
               <a:t>Caffe</a:t>
             </a:r>
-            <a:endParaRPr kumimoji="1" lang="zh-CN" altLang="en-US" dirty="0"/>
+            <a:endParaRPr kumimoji="1" lang="zh-CN" altLang="en-US" dirty="0">
+              <a:latin typeface="SimHei" charset="-122"/>
+              <a:ea typeface="SimHei" charset="-122"/>
+              <a:cs typeface="SimHei" charset="-122"/>
+            </a:endParaRPr>
           </a:p>
         </p:txBody>
       </p:sp>
@@ -5684,17 +7590,33 @@
           <a:lstStyle/>
           <a:p>
             <a:r>
-              <a:rPr kumimoji="1" lang="zh-CN" altLang="en-US" dirty="0" smtClean="0"/>
+              <a:rPr kumimoji="1" lang="zh-CN" altLang="en-US" dirty="0" smtClean="0">
+                <a:latin typeface="SimHei" charset="-122"/>
+                <a:ea typeface="SimHei" charset="-122"/>
+                <a:cs typeface="SimHei" charset="-122"/>
+              </a:rPr>
               <a:t>周期长</a:t>
             </a:r>
-            <a:endParaRPr kumimoji="1" lang="en-US" altLang="zh-CN" dirty="0" smtClean="0"/>
-          </a:p>
-          <a:p>
-            <a:r>
-              <a:rPr kumimoji="1" lang="zh-CN" altLang="en-US" dirty="0" smtClean="0"/>
+            <a:endParaRPr kumimoji="1" lang="en-US" altLang="zh-CN" dirty="0" smtClean="0">
+              <a:latin typeface="SimHei" charset="-122"/>
+              <a:ea typeface="SimHei" charset="-122"/>
+              <a:cs typeface="SimHei" charset="-122"/>
+            </a:endParaRPr>
+          </a:p>
+          <a:p>
+            <a:r>
+              <a:rPr kumimoji="1" lang="zh-CN" altLang="en-US" dirty="0" smtClean="0">
+                <a:latin typeface="SimHei" charset="-122"/>
+                <a:ea typeface="SimHei" charset="-122"/>
+                <a:cs typeface="SimHei" charset="-122"/>
+              </a:rPr>
               <a:t>不熟悉硬件设计</a:t>
             </a:r>
-            <a:endParaRPr kumimoji="1" lang="zh-CN" altLang="en-US" dirty="0"/>
+            <a:endParaRPr kumimoji="1" lang="zh-CN" altLang="en-US" dirty="0">
+              <a:latin typeface="SimHei" charset="-122"/>
+              <a:ea typeface="SimHei" charset="-122"/>
+              <a:cs typeface="SimHei" charset="-122"/>
+            </a:endParaRPr>
           </a:p>
         </p:txBody>
       </p:sp>
@@ -6249,7 +8171,7 @@
 </p:sld>
 </file>
 
-<file path=ppt/slides/slide4.xml><?xml version="1.0" encoding="utf-8"?>
+<file path=ppt/slides/slide5.xml><?xml version="1.0" encoding="utf-8"?>
 <p:sld xmlns:a="http://schemas.openxmlformats.org/drawingml/2006/main" xmlns:r="http://schemas.openxmlformats.org/officeDocument/2006/relationships" xmlns:p="http://schemas.openxmlformats.org/presentationml/2006/main">
   <p:cSld>
     <p:spTree>
@@ -6282,10 +8204,18 @@
           <a:lstStyle/>
           <a:p>
             <a:r>
-              <a:rPr kumimoji="1" lang="zh-CN" altLang="en-US" dirty="0" smtClean="0"/>
+              <a:rPr kumimoji="1" lang="zh-CN" altLang="en-US" dirty="0" smtClean="0">
+                <a:latin typeface="SimHei" charset="-122"/>
+                <a:ea typeface="SimHei" charset="-122"/>
+                <a:cs typeface="SimHei" charset="-122"/>
+              </a:rPr>
               <a:t>核心任务</a:t>
             </a:r>
-            <a:endParaRPr kumimoji="1" lang="zh-CN" altLang="en-US" dirty="0"/>
+            <a:endParaRPr kumimoji="1" lang="zh-CN" altLang="en-US" dirty="0">
+              <a:latin typeface="SimHei" charset="-122"/>
+              <a:ea typeface="SimHei" charset="-122"/>
+              <a:cs typeface="SimHei" charset="-122"/>
+            </a:endParaRPr>
           </a:p>
         </p:txBody>
       </p:sp>
@@ -6305,26 +8235,50 @@
           <a:lstStyle/>
           <a:p>
             <a:r>
-              <a:rPr kumimoji="1" lang="zh-CN" altLang="en-US" dirty="0" smtClean="0"/>
+              <a:rPr kumimoji="1" lang="zh-CN" altLang="en-US" dirty="0" smtClean="0">
+                <a:latin typeface="SimHei" charset="-122"/>
+                <a:ea typeface="SimHei" charset="-122"/>
+                <a:cs typeface="SimHei" charset="-122"/>
+              </a:rPr>
               <a:t>部署</a:t>
             </a:r>
             <a:r>
-              <a:rPr kumimoji="1" lang="en-US" altLang="zh-CN" dirty="0" smtClean="0"/>
+              <a:rPr kumimoji="1" lang="en-US" altLang="zh-CN" dirty="0" smtClean="0">
+                <a:latin typeface="SimHei" charset="-122"/>
+                <a:ea typeface="SimHei" charset="-122"/>
+                <a:cs typeface="SimHei" charset="-122"/>
+              </a:rPr>
               <a:t>Caffe</a:t>
             </a:r>
             <a:r>
-              <a:rPr kumimoji="1" lang="zh-CN" altLang="en-US" dirty="0" smtClean="0"/>
+              <a:rPr kumimoji="1" lang="zh-CN" altLang="en-US" dirty="0" smtClean="0">
+                <a:latin typeface="SimHei" charset="-122"/>
+                <a:ea typeface="SimHei" charset="-122"/>
+                <a:cs typeface="SimHei" charset="-122"/>
+              </a:rPr>
               <a:t>于</a:t>
             </a:r>
             <a:r>
-              <a:rPr kumimoji="1" lang="en-US" altLang="zh-CN" dirty="0" smtClean="0"/>
+              <a:rPr kumimoji="1" lang="en-US" altLang="zh-CN" dirty="0" smtClean="0">
+                <a:latin typeface="SimHei" charset="-122"/>
+                <a:ea typeface="SimHei" charset="-122"/>
+                <a:cs typeface="SimHei" charset="-122"/>
+              </a:rPr>
               <a:t>Zynq SoC</a:t>
             </a:r>
             <a:r>
-              <a:rPr kumimoji="1" lang="zh-CN" altLang="en-US" dirty="0" smtClean="0"/>
+              <a:rPr kumimoji="1" lang="zh-CN" altLang="en-US" dirty="0" smtClean="0">
+                <a:latin typeface="SimHei" charset="-122"/>
+                <a:ea typeface="SimHei" charset="-122"/>
+                <a:cs typeface="SimHei" charset="-122"/>
+              </a:rPr>
               <a:t>平台，并提供性能优化</a:t>
             </a:r>
-            <a:endParaRPr kumimoji="1" lang="zh-CN" altLang="en-US" dirty="0"/>
+            <a:endParaRPr kumimoji="1" lang="zh-CN" altLang="en-US" dirty="0">
+              <a:latin typeface="SimHei" charset="-122"/>
+              <a:ea typeface="SimHei" charset="-122"/>
+              <a:cs typeface="SimHei" charset="-122"/>
+            </a:endParaRPr>
           </a:p>
         </p:txBody>
       </p:sp>
@@ -6367,7 +8321,7 @@
         <p:spPr>
           <a:xfrm>
             <a:off x="4142718" y="5807631"/>
-            <a:ext cx="3211328" cy="369332"/>
+            <a:ext cx="3416320" cy="369332"/>
           </a:xfrm>
           <a:prstGeom prst="rect">
             <a:avLst/>
@@ -6381,22 +8335,42 @@
           <a:lstStyle/>
           <a:p>
             <a:r>
-              <a:rPr kumimoji="1" lang="en-US" altLang="zh-CN" dirty="0" smtClean="0"/>
+              <a:rPr kumimoji="1" lang="en-US" altLang="zh-CN" dirty="0" smtClean="0">
+                <a:latin typeface="SimHei" charset="-122"/>
+                <a:ea typeface="SimHei" charset="-122"/>
+                <a:cs typeface="SimHei" charset="-122"/>
+              </a:rPr>
               <a:t>Zynq = </a:t>
             </a:r>
             <a:r>
-              <a:rPr kumimoji="1" lang="zh-CN" altLang="en-US" dirty="0" smtClean="0"/>
+              <a:rPr kumimoji="1" lang="zh-CN" altLang="en-US" dirty="0" smtClean="0">
+                <a:latin typeface="SimHei" charset="-122"/>
+                <a:ea typeface="SimHei" charset="-122"/>
+                <a:cs typeface="SimHei" charset="-122"/>
+              </a:rPr>
               <a:t>处理系统 </a:t>
             </a:r>
             <a:r>
-              <a:rPr kumimoji="1" lang="en-US" altLang="zh-CN" dirty="0" smtClean="0"/>
+              <a:rPr kumimoji="1" lang="en-US" altLang="zh-CN" dirty="0" smtClean="0">
+                <a:latin typeface="SimHei" charset="-122"/>
+                <a:ea typeface="SimHei" charset="-122"/>
+                <a:cs typeface="SimHei" charset="-122"/>
+              </a:rPr>
               <a:t>+</a:t>
             </a:r>
             <a:r>
-              <a:rPr kumimoji="1" lang="zh-CN" altLang="en-US" dirty="0" smtClean="0"/>
+              <a:rPr kumimoji="1" lang="zh-CN" altLang="en-US" dirty="0" smtClean="0">
+                <a:latin typeface="SimHei" charset="-122"/>
+                <a:ea typeface="SimHei" charset="-122"/>
+                <a:cs typeface="SimHei" charset="-122"/>
+              </a:rPr>
               <a:t> 可编程逻辑</a:t>
             </a:r>
-            <a:endParaRPr kumimoji="1" lang="en-US" altLang="zh-CN" dirty="0" smtClean="0"/>
+            <a:endParaRPr kumimoji="1" lang="en-US" altLang="zh-CN" dirty="0" smtClean="0">
+              <a:latin typeface="SimHei" charset="-122"/>
+              <a:ea typeface="SimHei" charset="-122"/>
+              <a:cs typeface="SimHei" charset="-122"/>
+            </a:endParaRPr>
           </a:p>
         </p:txBody>
       </p:sp>
@@ -6433,7 +8407,7 @@
         <p:spPr>
           <a:xfrm>
             <a:off x="457519" y="5787460"/>
-            <a:ext cx="2523896" cy="369332"/>
+            <a:ext cx="2839239" cy="369332"/>
           </a:xfrm>
           <a:prstGeom prst="rect">
             <a:avLst/>
@@ -6447,22 +8421,42 @@
           <a:lstStyle/>
           <a:p>
             <a:r>
-              <a:rPr kumimoji="1" lang="en-US" altLang="zh-CN" dirty="0" smtClean="0"/>
+              <a:rPr kumimoji="1" lang="en-US" altLang="zh-CN" dirty="0" smtClean="0">
+                <a:latin typeface="SimHei" charset="-122"/>
+                <a:ea typeface="SimHei" charset="-122"/>
+                <a:cs typeface="SimHei" charset="-122"/>
+              </a:rPr>
               <a:t>Caffe = </a:t>
             </a:r>
             <a:r>
-              <a:rPr kumimoji="1" lang="zh-CN" altLang="en-US" dirty="0" smtClean="0"/>
+              <a:rPr kumimoji="1" lang="zh-CN" altLang="en-US" dirty="0" smtClean="0">
+                <a:latin typeface="SimHei" charset="-122"/>
+                <a:ea typeface="SimHei" charset="-122"/>
+                <a:cs typeface="SimHei" charset="-122"/>
+              </a:rPr>
               <a:t>网络结构 </a:t>
             </a:r>
             <a:r>
-              <a:rPr kumimoji="1" lang="en-US" altLang="zh-CN" dirty="0" smtClean="0"/>
+              <a:rPr kumimoji="1" lang="en-US" altLang="zh-CN" dirty="0" smtClean="0">
+                <a:latin typeface="SimHei" charset="-122"/>
+                <a:ea typeface="SimHei" charset="-122"/>
+                <a:cs typeface="SimHei" charset="-122"/>
+              </a:rPr>
               <a:t>+</a:t>
             </a:r>
             <a:r>
-              <a:rPr kumimoji="1" lang="zh-CN" altLang="en-US" dirty="0" smtClean="0"/>
+              <a:rPr kumimoji="1" lang="zh-CN" altLang="en-US" dirty="0" smtClean="0">
+                <a:latin typeface="SimHei" charset="-122"/>
+                <a:ea typeface="SimHei" charset="-122"/>
+                <a:cs typeface="SimHei" charset="-122"/>
+              </a:rPr>
               <a:t> 计算</a:t>
             </a:r>
-            <a:endParaRPr kumimoji="1" lang="zh-CN" altLang="en-US" dirty="0"/>
+            <a:endParaRPr kumimoji="1" lang="zh-CN" altLang="en-US" dirty="0">
+              <a:latin typeface="SimHei" charset="-122"/>
+              <a:ea typeface="SimHei" charset="-122"/>
+              <a:cs typeface="SimHei" charset="-122"/>
+            </a:endParaRPr>
           </a:p>
         </p:txBody>
       </p:sp>
@@ -6535,7 +8529,11 @@
           <a:lstStyle/>
           <a:p>
             <a:pPr algn="ctr"/>
-            <a:endParaRPr kumimoji="1" lang="zh-CN" altLang="en-US"/>
+            <a:endParaRPr kumimoji="1" lang="zh-CN" altLang="en-US">
+              <a:latin typeface="SimHei" charset="-122"/>
+              <a:ea typeface="SimHei" charset="-122"/>
+              <a:cs typeface="SimHei" charset="-122"/>
+            </a:endParaRPr>
           </a:p>
         </p:txBody>
       </p:sp>
@@ -6548,7 +8546,7 @@
         <p:spPr>
           <a:xfrm>
             <a:off x="1719467" y="6216060"/>
-            <a:ext cx="5296643" cy="553998"/>
+            <a:ext cx="5378395" cy="553998"/>
           </a:xfrm>
           <a:prstGeom prst="rect">
             <a:avLst/>
@@ -6562,23 +8560,39 @@
           <a:lstStyle/>
           <a:p>
             <a:r>
-              <a:rPr kumimoji="1" lang="zh-CN" altLang="en-US" sz="3000" b="1" dirty="0" smtClean="0"/>
+              <a:rPr kumimoji="1" lang="zh-CN" altLang="en-US" sz="3000" b="1" dirty="0" smtClean="0">
+                <a:latin typeface="SimHei" charset="-122"/>
+                <a:ea typeface="SimHei" charset="-122"/>
+                <a:cs typeface="SimHei" charset="-122"/>
+              </a:rPr>
               <a:t>如何划分</a:t>
             </a:r>
             <a:r>
-              <a:rPr kumimoji="1" lang="en-US" altLang="zh-CN" sz="3000" b="1" dirty="0" smtClean="0"/>
+              <a:rPr kumimoji="1" lang="en-US" altLang="zh-CN" sz="3000" b="1" dirty="0" smtClean="0">
+                <a:latin typeface="SimHei" charset="-122"/>
+                <a:ea typeface="SimHei" charset="-122"/>
+                <a:cs typeface="SimHei" charset="-122"/>
+              </a:rPr>
               <a:t>Caffe</a:t>
             </a:r>
             <a:r>
-              <a:rPr kumimoji="1" lang="zh-CN" altLang="en-US" sz="3000" b="1" dirty="0" smtClean="0"/>
+              <a:rPr kumimoji="1" lang="zh-CN" altLang="en-US" sz="3000" b="1" dirty="0" smtClean="0">
+                <a:latin typeface="SimHei" charset="-122"/>
+                <a:ea typeface="SimHei" charset="-122"/>
+                <a:cs typeface="SimHei" charset="-122"/>
+              </a:rPr>
               <a:t>的软硬件职责？</a:t>
             </a:r>
-            <a:endParaRPr kumimoji="1" lang="zh-CN" altLang="en-US" sz="3000" b="1" dirty="0"/>
-          </a:p>
-        </p:txBody>
-      </p:sp>
-      <mc:AlternateContent xmlns:mc="http://schemas.openxmlformats.org/markup-compatibility/2006" xmlns:a14="http://schemas.microsoft.com/office/drawing/2010/main">
-        <mc:Choice Requires="a14">
+            <a:endParaRPr kumimoji="1" lang="zh-CN" altLang="en-US" sz="3000" b="1" dirty="0">
+              <a:latin typeface="SimHei" charset="-122"/>
+              <a:ea typeface="SimHei" charset="-122"/>
+              <a:cs typeface="SimHei" charset="-122"/>
+            </a:endParaRPr>
+          </a:p>
+        </p:txBody>
+      </p:sp>
+      <mc:AlternateContent xmlns:mc="http://schemas.openxmlformats.org/markup-compatibility/2006">
+        <mc:Choice xmlns:a14="http://schemas.microsoft.com/office/drawing/2010/main" Requires="a14">
           <p:sp>
             <p:nvSpPr>
               <p:cNvPr id="6" name="TextBox 5"/>
@@ -6588,7 +8602,7 @@
             <p:spPr>
               <a:xfrm>
                 <a:off x="1185917" y="5408695"/>
-                <a:ext cx="1966629" cy="553998"/>
+                <a:ext cx="2074029" cy="553998"/>
               </a:xfrm>
               <a:prstGeom prst="rect">
                 <a:avLst/>
@@ -6610,43 +8624,57 @@
                     <m:oMath xmlns:m="http://schemas.openxmlformats.org/officeDocument/2006/math">
                       <m:r>
                         <a:rPr kumimoji="1" lang="en-US" altLang="zh-CN" sz="3000" b="0" i="1" smtClean="0">
-                          <a:latin typeface="Cambria Math" charset="0"/>
+                          <a:latin typeface="SimHei" charset="-122"/>
+                          <a:ea typeface="SimHei" charset="-122"/>
+                          <a:cs typeface="SimHei" charset="-122"/>
                         </a:rPr>
                         <m:t>𝛼</m:t>
                       </m:r>
                       <m:r>
                         <a:rPr kumimoji="1" lang="en-US" altLang="zh-CN" sz="3000" b="1" i="1" smtClean="0">
-                          <a:latin typeface="Cambria Math" charset="0"/>
+                          <a:latin typeface="SimHei" charset="-122"/>
+                          <a:ea typeface="SimHei" charset="-122"/>
+                          <a:cs typeface="SimHei" charset="-122"/>
                         </a:rPr>
                         <m:t>𝑨𝑩</m:t>
                       </m:r>
                       <m:r>
                         <a:rPr kumimoji="1" lang="en-US" altLang="zh-CN" sz="3000" b="0" i="1" smtClean="0">
-                          <a:latin typeface="Cambria Math" charset="0"/>
+                          <a:latin typeface="SimHei" charset="-122"/>
+                          <a:ea typeface="SimHei" charset="-122"/>
+                          <a:cs typeface="SimHei" charset="-122"/>
                         </a:rPr>
                         <m:t>+</m:t>
                       </m:r>
                       <m:r>
                         <a:rPr kumimoji="1" lang="en-US" altLang="zh-CN" sz="3000" b="0" i="1" smtClean="0">
-                          <a:latin typeface="Cambria Math" charset="0"/>
+                          <a:latin typeface="SimHei" charset="-122"/>
+                          <a:ea typeface="SimHei" charset="-122"/>
+                          <a:cs typeface="SimHei" charset="-122"/>
                         </a:rPr>
                         <m:t>𝛽</m:t>
                       </m:r>
                       <m:r>
                         <a:rPr kumimoji="1" lang="en-US" altLang="zh-CN" sz="3000" b="1" i="1" smtClean="0">
-                          <a:latin typeface="Cambria Math" charset="0"/>
+                          <a:latin typeface="SimHei" charset="-122"/>
+                          <a:ea typeface="SimHei" charset="-122"/>
+                          <a:cs typeface="SimHei" charset="-122"/>
                         </a:rPr>
                         <m:t>𝑪</m:t>
                       </m:r>
                     </m:oMath>
                   </m:oMathPara>
                 </a14:m>
-                <a:endParaRPr kumimoji="1" lang="zh-CN" altLang="en-US" sz="3000" b="1" dirty="0"/>
+                <a:endParaRPr kumimoji="1" lang="zh-CN" altLang="en-US" sz="3000" b="1" dirty="0">
+                  <a:latin typeface="SimHei" charset="-122"/>
+                  <a:ea typeface="SimHei" charset="-122"/>
+                  <a:cs typeface="SimHei" charset="-122"/>
+                </a:endParaRPr>
               </a:p>
             </p:txBody>
           </p:sp>
         </mc:Choice>
-        <mc:Fallback xmlns="">
+        <mc:Fallback>
           <p:sp>
             <p:nvSpPr>
               <p:cNvPr id="6" name="TextBox 5"/>
@@ -6658,7 +8686,7 @@
             <p:spPr>
               <a:xfrm>
                 <a:off x="1185917" y="5408695"/>
-                <a:ext cx="1966629" cy="553998"/>
+                <a:ext cx="2074029" cy="553998"/>
               </a:xfrm>
               <a:prstGeom prst="rect">
                 <a:avLst/>
@@ -7106,7 +9134,7 @@
 </p:sld>
 </file>
 
-<file path=ppt/slides/slide5.xml><?xml version="1.0" encoding="utf-8"?>
+<file path=ppt/slides/slide6.xml><?xml version="1.0" encoding="utf-8"?>
 <p:sld xmlns:a="http://schemas.openxmlformats.org/drawingml/2006/main" xmlns:r="http://schemas.openxmlformats.org/officeDocument/2006/relationships" xmlns:p="http://schemas.openxmlformats.org/presentationml/2006/main">
   <p:cSld>
     <p:spTree>
@@ -7139,10 +9167,18 @@
           <a:lstStyle/>
           <a:p>
             <a:r>
-              <a:rPr kumimoji="1" lang="zh-CN" altLang="en-US" dirty="0" smtClean="0"/>
+              <a:rPr kumimoji="1" lang="zh-CN" altLang="en-US" dirty="0" smtClean="0">
+                <a:latin typeface="SimHei" charset="-122"/>
+                <a:ea typeface="SimHei" charset="-122"/>
+                <a:cs typeface="SimHei" charset="-122"/>
+              </a:rPr>
               <a:t>主体工作</a:t>
             </a:r>
-            <a:endParaRPr kumimoji="1" lang="zh-CN" altLang="en-US" dirty="0"/>
+            <a:endParaRPr kumimoji="1" lang="zh-CN" altLang="en-US" dirty="0">
+              <a:latin typeface="SimHei" charset="-122"/>
+              <a:ea typeface="SimHei" charset="-122"/>
+              <a:cs typeface="SimHei" charset="-122"/>
+            </a:endParaRPr>
           </a:p>
         </p:txBody>
       </p:sp>
@@ -7184,8 +9220,8 @@
         </p:nvSpPr>
         <p:spPr>
           <a:xfrm>
-            <a:off x="814168" y="5348840"/>
-            <a:ext cx="2680542" cy="646331"/>
+            <a:off x="907944" y="5348840"/>
+            <a:ext cx="2492990" cy="646331"/>
           </a:xfrm>
           <a:prstGeom prst="rect">
             <a:avLst/>
@@ -7200,22 +9236,42 @@
           <a:p>
             <a:pPr algn="ctr"/>
             <a:r>
-              <a:rPr kumimoji="1" lang="en-US" altLang="zh-CN" dirty="0" smtClean="0"/>
+              <a:rPr kumimoji="1" lang="en-US" altLang="zh-CN" dirty="0" smtClean="0">
+                <a:latin typeface="SimHei" charset="-122"/>
+                <a:ea typeface="SimHei" charset="-122"/>
+                <a:cs typeface="SimHei" charset="-122"/>
+              </a:rPr>
               <a:t>GEMM</a:t>
             </a:r>
             <a:r>
-              <a:rPr kumimoji="1" lang="zh-CN" altLang="en-US" dirty="0" smtClean="0"/>
+              <a:rPr kumimoji="1" lang="zh-CN" altLang="en-US" dirty="0" smtClean="0">
+                <a:latin typeface="SimHei" charset="-122"/>
+                <a:ea typeface="SimHei" charset="-122"/>
+                <a:cs typeface="SimHei" charset="-122"/>
+              </a:rPr>
               <a:t>加速器设计与实现</a:t>
             </a:r>
-            <a:endParaRPr kumimoji="1" lang="en-US" altLang="zh-CN" dirty="0" smtClean="0"/>
+            <a:endParaRPr kumimoji="1" lang="en-US" altLang="zh-CN" dirty="0" smtClean="0">
+              <a:latin typeface="SimHei" charset="-122"/>
+              <a:ea typeface="SimHei" charset="-122"/>
+              <a:cs typeface="SimHei" charset="-122"/>
+            </a:endParaRPr>
           </a:p>
           <a:p>
             <a:pPr algn="ctr"/>
             <a:r>
-              <a:rPr kumimoji="1" lang="en-US" altLang="zh-CN" dirty="0" smtClean="0"/>
+              <a:rPr kumimoji="1" lang="en-US" altLang="zh-CN" dirty="0" smtClean="0">
+                <a:latin typeface="SimHei" charset="-122"/>
+                <a:ea typeface="SimHei" charset="-122"/>
+                <a:cs typeface="SimHei" charset="-122"/>
+              </a:rPr>
               <a:t>Vivado HLS</a:t>
             </a:r>
-            <a:endParaRPr kumimoji="1" lang="zh-CN" altLang="en-US" dirty="0"/>
+            <a:endParaRPr kumimoji="1" lang="zh-CN" altLang="en-US" dirty="0">
+              <a:latin typeface="SimHei" charset="-122"/>
+              <a:ea typeface="SimHei" charset="-122"/>
+              <a:cs typeface="SimHei" charset="-122"/>
+            </a:endParaRPr>
           </a:p>
         </p:txBody>
       </p:sp>
@@ -7227,8 +9283,8 @@
         </p:nvSpPr>
         <p:spPr>
           <a:xfrm>
-            <a:off x="6181859" y="5344733"/>
-            <a:ext cx="2523896" cy="646331"/>
+            <a:off x="6139604" y="5344733"/>
+            <a:ext cx="2608407" cy="646331"/>
           </a:xfrm>
           <a:prstGeom prst="rect">
             <a:avLst/>
@@ -7243,26 +9299,50 @@
           <a:p>
             <a:pPr algn="ctr"/>
             <a:r>
-              <a:rPr kumimoji="1" lang="en-US" altLang="zh-CN" dirty="0" smtClean="0"/>
+              <a:rPr kumimoji="1" lang="en-US" altLang="zh-CN" dirty="0" smtClean="0">
+                <a:latin typeface="SimHei" charset="-122"/>
+                <a:ea typeface="SimHei" charset="-122"/>
+                <a:cs typeface="SimHei" charset="-122"/>
+              </a:rPr>
               <a:t>Caffe</a:t>
             </a:r>
             <a:r>
-              <a:rPr kumimoji="1" lang="zh-CN" altLang="en-US" dirty="0" smtClean="0"/>
+              <a:rPr kumimoji="1" lang="zh-CN" altLang="en-US" dirty="0" smtClean="0">
+                <a:latin typeface="SimHei" charset="-122"/>
+                <a:ea typeface="SimHei" charset="-122"/>
+                <a:cs typeface="SimHei" charset="-122"/>
+              </a:rPr>
               <a:t>与第三方库的编译</a:t>
             </a:r>
-            <a:endParaRPr kumimoji="1" lang="en-US" altLang="zh-CN" dirty="0" smtClean="0"/>
+            <a:endParaRPr kumimoji="1" lang="en-US" altLang="zh-CN" dirty="0" smtClean="0">
+              <a:latin typeface="SimHei" charset="-122"/>
+              <a:ea typeface="SimHei" charset="-122"/>
+              <a:cs typeface="SimHei" charset="-122"/>
+            </a:endParaRPr>
           </a:p>
           <a:p>
             <a:pPr algn="ctr"/>
             <a:r>
-              <a:rPr kumimoji="1" lang="en-US" altLang="zh-CN" dirty="0" smtClean="0"/>
+              <a:rPr kumimoji="1" lang="en-US" altLang="zh-CN" dirty="0" smtClean="0">
+                <a:latin typeface="SimHei" charset="-122"/>
+                <a:ea typeface="SimHei" charset="-122"/>
+                <a:cs typeface="SimHei" charset="-122"/>
+              </a:rPr>
               <a:t>ARM GNU </a:t>
             </a:r>
             <a:r>
-              <a:rPr kumimoji="1" lang="zh-CN" altLang="en-US" dirty="0" smtClean="0"/>
+              <a:rPr kumimoji="1" lang="zh-CN" altLang="en-US" dirty="0" smtClean="0">
+                <a:latin typeface="SimHei" charset="-122"/>
+                <a:ea typeface="SimHei" charset="-122"/>
+                <a:cs typeface="SimHei" charset="-122"/>
+              </a:rPr>
               <a:t>工具链</a:t>
             </a:r>
-            <a:endParaRPr kumimoji="1" lang="zh-CN" altLang="en-US" dirty="0"/>
+            <a:endParaRPr kumimoji="1" lang="zh-CN" altLang="en-US" dirty="0">
+              <a:latin typeface="SimHei" charset="-122"/>
+              <a:ea typeface="SimHei" charset="-122"/>
+              <a:cs typeface="SimHei" charset="-122"/>
+            </a:endParaRPr>
           </a:p>
         </p:txBody>
       </p:sp>
@@ -7290,29 +9370,53 @@
           <a:p>
             <a:pPr algn="ctr"/>
             <a:r>
-              <a:rPr kumimoji="1" lang="en-US" altLang="zh-CN" b="1" dirty="0" smtClean="0"/>
+              <a:rPr kumimoji="1" lang="en-US" altLang="zh-CN" b="1" dirty="0" smtClean="0">
+                <a:latin typeface="SimHei" charset="-122"/>
+                <a:ea typeface="SimHei" charset="-122"/>
+                <a:cs typeface="SimHei" charset="-122"/>
+              </a:rPr>
               <a:t>SoC</a:t>
             </a:r>
             <a:r>
-              <a:rPr kumimoji="1" lang="zh-CN" altLang="en-US" b="1" dirty="0" smtClean="0"/>
+              <a:rPr kumimoji="1" lang="zh-CN" altLang="en-US" b="1" dirty="0" smtClean="0">
+                <a:latin typeface="SimHei" charset="-122"/>
+                <a:ea typeface="SimHei" charset="-122"/>
+                <a:cs typeface="SimHei" charset="-122"/>
+              </a:rPr>
               <a:t>系统整体生成</a:t>
             </a:r>
-            <a:endParaRPr kumimoji="1" lang="en-US" altLang="zh-CN" b="1" dirty="0" smtClean="0"/>
+            <a:endParaRPr kumimoji="1" lang="en-US" altLang="zh-CN" b="1" dirty="0" smtClean="0">
+              <a:latin typeface="SimHei" charset="-122"/>
+              <a:ea typeface="SimHei" charset="-122"/>
+              <a:cs typeface="SimHei" charset="-122"/>
+            </a:endParaRPr>
           </a:p>
           <a:p>
             <a:pPr algn="ctr"/>
             <a:r>
-              <a:rPr kumimoji="1" lang="en-US" altLang="zh-CN" b="1" dirty="0" smtClean="0"/>
+              <a:rPr kumimoji="1" lang="en-US" altLang="zh-CN" b="1" dirty="0" smtClean="0">
+                <a:latin typeface="SimHei" charset="-122"/>
+                <a:ea typeface="SimHei" charset="-122"/>
+                <a:cs typeface="SimHei" charset="-122"/>
+              </a:rPr>
               <a:t>SDSoC</a:t>
             </a:r>
           </a:p>
           <a:p>
             <a:pPr algn="ctr"/>
             <a:r>
-              <a:rPr kumimoji="1" lang="zh-CN" altLang="en-US" b="1" dirty="0" smtClean="0"/>
+              <a:rPr kumimoji="1" lang="zh-CN" altLang="en-US" b="1" dirty="0" smtClean="0">
+                <a:latin typeface="SimHei" charset="-122"/>
+                <a:ea typeface="SimHei" charset="-122"/>
+                <a:cs typeface="SimHei" charset="-122"/>
+              </a:rPr>
               <a:t>软件定义的开发方式</a:t>
             </a:r>
-            <a:endParaRPr kumimoji="1" lang="zh-CN" altLang="en-US" b="1" dirty="0"/>
+            <a:endParaRPr kumimoji="1" lang="zh-CN" altLang="en-US" b="1" dirty="0">
+              <a:latin typeface="SimHei" charset="-122"/>
+              <a:ea typeface="SimHei" charset="-122"/>
+              <a:cs typeface="SimHei" charset="-122"/>
+            </a:endParaRPr>
           </a:p>
         </p:txBody>
       </p:sp>
@@ -7433,7 +9537,7 @@
         <p:spPr>
           <a:xfrm>
             <a:off x="1432927" y="2319015"/>
-            <a:ext cx="1443024" cy="400110"/>
+            <a:ext cx="1210588" cy="400110"/>
           </a:xfrm>
           <a:prstGeom prst="rect">
             <a:avLst/>
@@ -7451,6 +9555,9 @@
                 <a:solidFill>
                   <a:srgbClr val="FF0000"/>
                 </a:solidFill>
+                <a:latin typeface="SimHei" charset="-122"/>
+                <a:ea typeface="SimHei" charset="-122"/>
+                <a:cs typeface="SimHei" charset="-122"/>
               </a:rPr>
               <a:t>GEMM</a:t>
             </a:r>
@@ -7459,6 +9566,9 @@
                 <a:solidFill>
                   <a:srgbClr val="FF0000"/>
                 </a:solidFill>
+                <a:latin typeface="SimHei" charset="-122"/>
+                <a:ea typeface="SimHei" charset="-122"/>
+                <a:cs typeface="SimHei" charset="-122"/>
               </a:rPr>
               <a:t>运算</a:t>
             </a:r>
@@ -7466,6 +9576,9 @@
               <a:solidFill>
                 <a:srgbClr val="FF0000"/>
               </a:solidFill>
+              <a:latin typeface="SimHei" charset="-122"/>
+              <a:ea typeface="SimHei" charset="-122"/>
+              <a:cs typeface="SimHei" charset="-122"/>
             </a:endParaRPr>
           </a:p>
         </p:txBody>
@@ -7890,7 +10003,7 @@
 </p:sld>
 </file>
 
-<file path=ppt/slides/slide6.xml><?xml version="1.0" encoding="utf-8"?>
+<file path=ppt/slides/slide7.xml><?xml version="1.0" encoding="utf-8"?>
 <p:sld xmlns:a="http://schemas.openxmlformats.org/drawingml/2006/main" xmlns:r="http://schemas.openxmlformats.org/officeDocument/2006/relationships" xmlns:p="http://schemas.openxmlformats.org/presentationml/2006/main">
   <p:cSld>
     <p:spTree>
@@ -7923,15 +10036,23 @@
           <a:lstStyle/>
           <a:p>
             <a:r>
-              <a:rPr kumimoji="1" lang="zh-CN" altLang="en-US" dirty="0" smtClean="0"/>
+              <a:rPr kumimoji="1" lang="zh-CN" altLang="en-US" dirty="0" smtClean="0">
+                <a:latin typeface="SimHei" charset="-122"/>
+                <a:ea typeface="SimHei" charset="-122"/>
+                <a:cs typeface="SimHei" charset="-122"/>
+              </a:rPr>
               <a:t>硬件设计优化</a:t>
             </a:r>
-            <a:endParaRPr kumimoji="1" lang="zh-CN" altLang="en-US" dirty="0"/>
-          </a:p>
-        </p:txBody>
-      </p:sp>
-      <mc:AlternateContent xmlns:mc="http://schemas.openxmlformats.org/markup-compatibility/2006" xmlns:a14="http://schemas.microsoft.com/office/drawing/2010/main">
-        <mc:Choice Requires="a14">
+            <a:endParaRPr kumimoji="1" lang="zh-CN" altLang="en-US" dirty="0">
+              <a:latin typeface="SimHei" charset="-122"/>
+              <a:ea typeface="SimHei" charset="-122"/>
+              <a:cs typeface="SimHei" charset="-122"/>
+            </a:endParaRPr>
+          </a:p>
+        </p:txBody>
+      </p:sp>
+      <mc:AlternateContent xmlns:mc="http://schemas.openxmlformats.org/markup-compatibility/2006">
+        <mc:Choice xmlns:a14="http://schemas.microsoft.com/office/drawing/2010/main" Requires="a14">
           <p:graphicFrame>
             <p:nvGraphicFramePr>
               <p:cNvPr id="4" name="Content Placeholder 3"/>
@@ -7942,7 +10063,7 @@
                 <p:ph idx="1"/>
                 <p:extLst>
                   <p:ext uri="{D42A27DB-BD31-4B8C-83A1-F6EECF244321}">
-                    <p14:modId xmlns:p14="http://schemas.microsoft.com/office/powerpoint/2010/main" val="927174378"/>
+                    <p14:modId xmlns:p14="http://schemas.microsoft.com/office/powerpoint/2010/main" val="903763908"/>
                   </p:ext>
                 </p:extLst>
               </p:nvPr>
@@ -8316,7 +10437,7 @@
             </a:graphic>
           </p:graphicFrame>
         </mc:Choice>
-        <mc:Fallback xmlns="">
+        <mc:Fallback>
           <p:graphicFrame>
             <p:nvGraphicFramePr>
               <p:cNvPr id="4" name="Content Placeholder 3"/>
@@ -8327,7 +10448,7 @@
                 <p:ph idx="1"/>
                 <p:extLst>
                   <p:ext uri="{D42A27DB-BD31-4B8C-83A1-F6EECF244321}">
-                    <p14:modId xmlns:p14="http://schemas.microsoft.com/office/powerpoint/2010/main" val="927174378"/>
+                    <p14:modId xmlns:p14="http://schemas.microsoft.com/office/powerpoint/2010/main" val="903763908"/>
                   </p:ext>
                 </p:extLst>
               </p:nvPr>
@@ -8718,34 +10839,66 @@
           <a:lstStyle/>
           <a:p>
             <a:r>
-              <a:rPr kumimoji="1" lang="zh-CN" altLang="en-US" sz="1400" dirty="0" smtClean="0"/>
+              <a:rPr kumimoji="1" lang="zh-CN" altLang="en-US" sz="1400" dirty="0" smtClean="0">
+                <a:latin typeface="SimHei" charset="-122"/>
+                <a:ea typeface="SimHei" charset="-122"/>
+                <a:cs typeface="SimHei" charset="-122"/>
+              </a:rPr>
               <a:t>图</a:t>
             </a:r>
             <a:r>
-              <a:rPr kumimoji="1" lang="en-US" altLang="zh-CN" sz="1400" dirty="0" smtClean="0"/>
+              <a:rPr kumimoji="1" lang="en-US" altLang="zh-CN" sz="1400" dirty="0" smtClean="0">
+                <a:latin typeface="SimHei" charset="-122"/>
+                <a:ea typeface="SimHei" charset="-122"/>
+                <a:cs typeface="SimHei" charset="-122"/>
+              </a:rPr>
               <a:t>2.</a:t>
             </a:r>
             <a:r>
-              <a:rPr kumimoji="1" lang="zh-CN" altLang="en-US" sz="1400" dirty="0" smtClean="0"/>
+              <a:rPr kumimoji="1" lang="zh-CN" altLang="en-US" sz="1400" dirty="0" smtClean="0">
+                <a:latin typeface="SimHei" charset="-122"/>
+                <a:ea typeface="SimHei" charset="-122"/>
+                <a:cs typeface="SimHei" charset="-122"/>
+              </a:rPr>
               <a:t> 计算硬件资源（</a:t>
             </a:r>
             <a:r>
-              <a:rPr kumimoji="1" lang="en-US" altLang="zh-CN" sz="1400" dirty="0" smtClean="0"/>
+              <a:rPr kumimoji="1" lang="en-US" altLang="zh-CN" sz="1400" dirty="0" smtClean="0">
+                <a:latin typeface="SimHei" charset="-122"/>
+                <a:ea typeface="SimHei" charset="-122"/>
+                <a:cs typeface="SimHei" charset="-122"/>
+              </a:rPr>
               <a:t>DSP</a:t>
             </a:r>
             <a:r>
-              <a:rPr kumimoji="1" lang="zh-CN" altLang="en-US" sz="1400" dirty="0" smtClean="0"/>
+              <a:rPr kumimoji="1" lang="zh-CN" altLang="en-US" sz="1400" dirty="0" smtClean="0">
+                <a:latin typeface="SimHei" charset="-122"/>
+                <a:ea typeface="SimHei" charset="-122"/>
+                <a:cs typeface="SimHei" charset="-122"/>
+              </a:rPr>
               <a:t>，</a:t>
             </a:r>
             <a:r>
-              <a:rPr kumimoji="1" lang="en-US" altLang="zh-CN" sz="1400" dirty="0" smtClean="0"/>
+              <a:rPr kumimoji="1" lang="en-US" altLang="zh-CN" sz="1400" dirty="0" smtClean="0">
+                <a:latin typeface="SimHei" charset="-122"/>
+                <a:ea typeface="SimHei" charset="-122"/>
+                <a:cs typeface="SimHei" charset="-122"/>
+              </a:rPr>
               <a:t>LUT</a:t>
             </a:r>
             <a:r>
-              <a:rPr kumimoji="1" lang="zh-CN" altLang="en-US" sz="1400" dirty="0" smtClean="0"/>
+              <a:rPr kumimoji="1" lang="zh-CN" altLang="en-US" sz="1400" dirty="0" smtClean="0">
+                <a:latin typeface="SimHei" charset="-122"/>
+                <a:ea typeface="SimHei" charset="-122"/>
+                <a:cs typeface="SimHei" charset="-122"/>
+              </a:rPr>
               <a:t>等）约束条件</a:t>
             </a:r>
-            <a:endParaRPr kumimoji="1" lang="zh-CN" altLang="en-US" sz="1400" dirty="0"/>
+            <a:endParaRPr kumimoji="1" lang="zh-CN" altLang="en-US" sz="1400" dirty="0">
+              <a:latin typeface="SimHei" charset="-122"/>
+              <a:ea typeface="SimHei" charset="-122"/>
+              <a:cs typeface="SimHei" charset="-122"/>
+            </a:endParaRPr>
           </a:p>
         </p:txBody>
       </p:sp>
@@ -8788,7 +10941,7 @@
         <p:spPr>
           <a:xfrm>
             <a:off x="5585493" y="6321945"/>
-            <a:ext cx="1976823" cy="307777"/>
+            <a:ext cx="2069797" cy="307777"/>
           </a:xfrm>
           <a:prstGeom prst="rect">
             <a:avLst/>
@@ -8802,22 +10955,42 @@
           <a:lstStyle/>
           <a:p>
             <a:r>
-              <a:rPr kumimoji="1" lang="zh-CN" altLang="en-US" sz="1400" dirty="0" smtClean="0"/>
+              <a:rPr kumimoji="1" lang="zh-CN" altLang="en-US" sz="1400" dirty="0" smtClean="0">
+                <a:latin typeface="SimHei" charset="-122"/>
+                <a:ea typeface="SimHei" charset="-122"/>
+                <a:cs typeface="SimHei" charset="-122"/>
+              </a:rPr>
               <a:t>图</a:t>
             </a:r>
             <a:r>
-              <a:rPr kumimoji="1" lang="en-US" altLang="zh-CN" sz="1400" dirty="0"/>
+              <a:rPr kumimoji="1" lang="en-US" altLang="zh-CN" sz="1400" dirty="0">
+                <a:latin typeface="SimHei" charset="-122"/>
+                <a:ea typeface="SimHei" charset="-122"/>
+                <a:cs typeface="SimHei" charset="-122"/>
+              </a:rPr>
               <a:t>3</a:t>
             </a:r>
             <a:r>
-              <a:rPr kumimoji="1" lang="en-US" altLang="zh-CN" sz="1400" dirty="0" smtClean="0"/>
+              <a:rPr kumimoji="1" lang="en-US" altLang="zh-CN" sz="1400" dirty="0" smtClean="0">
+                <a:latin typeface="SimHei" charset="-122"/>
+                <a:ea typeface="SimHei" charset="-122"/>
+                <a:cs typeface="SimHei" charset="-122"/>
+              </a:rPr>
               <a:t>.</a:t>
             </a:r>
             <a:r>
-              <a:rPr kumimoji="1" lang="zh-CN" altLang="en-US" sz="1400" dirty="0" smtClean="0"/>
+              <a:rPr kumimoji="1" lang="zh-CN" altLang="en-US" sz="1400" dirty="0" smtClean="0">
+                <a:latin typeface="SimHei" charset="-122"/>
+                <a:ea typeface="SimHei" charset="-122"/>
+                <a:cs typeface="SimHei" charset="-122"/>
+              </a:rPr>
               <a:t> 半精度浮点数格式</a:t>
             </a:r>
-            <a:endParaRPr kumimoji="1" lang="zh-CN" altLang="en-US" sz="1400" dirty="0"/>
+            <a:endParaRPr kumimoji="1" lang="zh-CN" altLang="en-US" sz="1400" dirty="0">
+              <a:latin typeface="SimHei" charset="-122"/>
+              <a:ea typeface="SimHei" charset="-122"/>
+              <a:cs typeface="SimHei" charset="-122"/>
+            </a:endParaRPr>
           </a:p>
         </p:txBody>
       </p:sp>
@@ -9075,7 +11248,7 @@
 </p:sld>
 </file>
 
-<file path=ppt/slides/slide7.xml><?xml version="1.0" encoding="utf-8"?>
+<file path=ppt/slides/slide8.xml><?xml version="1.0" encoding="utf-8"?>
 <p:sld xmlns:a="http://schemas.openxmlformats.org/drawingml/2006/main" xmlns:r="http://schemas.openxmlformats.org/officeDocument/2006/relationships" xmlns:p="http://schemas.openxmlformats.org/presentationml/2006/main">
   <p:cSld>
     <p:spTree>
@@ -9108,22 +11281,42 @@
           <a:lstStyle/>
           <a:p>
             <a:r>
-              <a:rPr kumimoji="1" lang="zh-CN" altLang="en-US" dirty="0" smtClean="0"/>
+              <a:rPr kumimoji="1" lang="zh-CN" altLang="en-US" dirty="0" smtClean="0">
+                <a:latin typeface="SimHei" charset="-122"/>
+                <a:ea typeface="SimHei" charset="-122"/>
+                <a:cs typeface="SimHei" charset="-122"/>
+              </a:rPr>
               <a:t>测试结果 </a:t>
             </a:r>
             <a:r>
-              <a:rPr kumimoji="1" lang="en-US" altLang="zh-CN" dirty="0" smtClean="0"/>
+              <a:rPr kumimoji="1" lang="en-US" altLang="zh-CN" dirty="0" smtClean="0">
+                <a:latin typeface="SimHei" charset="-122"/>
+                <a:ea typeface="SimHei" charset="-122"/>
+                <a:cs typeface="SimHei" charset="-122"/>
+              </a:rPr>
               <a:t>-</a:t>
             </a:r>
             <a:r>
-              <a:rPr kumimoji="1" lang="zh-CN" altLang="en-US" dirty="0" smtClean="0"/>
+              <a:rPr kumimoji="1" lang="zh-CN" altLang="en-US" dirty="0" smtClean="0">
+                <a:latin typeface="SimHei" charset="-122"/>
+                <a:ea typeface="SimHei" charset="-122"/>
+                <a:cs typeface="SimHei" charset="-122"/>
+              </a:rPr>
               <a:t> </a:t>
             </a:r>
             <a:r>
-              <a:rPr kumimoji="1" lang="en-US" altLang="zh-CN" dirty="0" smtClean="0"/>
+              <a:rPr kumimoji="1" lang="en-US" altLang="zh-CN" dirty="0" smtClean="0">
+                <a:latin typeface="SimHei" charset="-122"/>
+                <a:ea typeface="SimHei" charset="-122"/>
+                <a:cs typeface="SimHei" charset="-122"/>
+              </a:rPr>
               <a:t>GEMM</a:t>
             </a:r>
-            <a:endParaRPr kumimoji="1" lang="zh-CN" altLang="en-US" dirty="0"/>
+            <a:endParaRPr kumimoji="1" lang="zh-CN" altLang="en-US" dirty="0">
+              <a:latin typeface="SimHei" charset="-122"/>
+              <a:ea typeface="SimHei" charset="-122"/>
+              <a:cs typeface="SimHei" charset="-122"/>
+            </a:endParaRPr>
           </a:p>
         </p:txBody>
       </p:sp>
@@ -9150,18 +11343,34 @@
           <a:lstStyle/>
           <a:p>
             <a:r>
-              <a:rPr kumimoji="1" lang="en-US" altLang="zh-CN" sz="5000" b="1" dirty="0" smtClean="0"/>
+              <a:rPr kumimoji="1" lang="en-US" altLang="zh-CN" sz="5000" b="1" dirty="0" smtClean="0">
+                <a:latin typeface="SimHei" charset="-122"/>
+                <a:ea typeface="SimHei" charset="-122"/>
+                <a:cs typeface="SimHei" charset="-122"/>
+              </a:rPr>
               <a:t>12.31</a:t>
             </a:r>
             <a:r>
-              <a:rPr kumimoji="1" lang="zh-CN" altLang="en-US" sz="5000" dirty="0" smtClean="0"/>
+              <a:rPr kumimoji="1" lang="zh-CN" altLang="en-US" sz="5000" dirty="0" smtClean="0">
+                <a:latin typeface="SimHei" charset="-122"/>
+                <a:ea typeface="SimHei" charset="-122"/>
+                <a:cs typeface="SimHei" charset="-122"/>
+              </a:rPr>
               <a:t> </a:t>
             </a:r>
             <a:r>
-              <a:rPr kumimoji="1" lang="en-US" altLang="zh-CN" sz="5000" dirty="0" smtClean="0"/>
+              <a:rPr kumimoji="1" lang="en-US" altLang="zh-CN" sz="5000" dirty="0" smtClean="0">
+                <a:latin typeface="SimHei" charset="-122"/>
+                <a:ea typeface="SimHei" charset="-122"/>
+                <a:cs typeface="SimHei" charset="-122"/>
+              </a:rPr>
               <a:t>GFLOPS</a:t>
             </a:r>
-            <a:endParaRPr kumimoji="1" lang="zh-CN" altLang="en-US" sz="5000" dirty="0"/>
+            <a:endParaRPr kumimoji="1" lang="zh-CN" altLang="en-US" sz="5000" dirty="0">
+              <a:latin typeface="SimHei" charset="-122"/>
+              <a:ea typeface="SimHei" charset="-122"/>
+              <a:cs typeface="SimHei" charset="-122"/>
+            </a:endParaRPr>
           </a:p>
         </p:txBody>
       </p:sp>
@@ -9188,10 +11397,18 @@
           <a:lstStyle/>
           <a:p>
             <a:r>
-              <a:rPr kumimoji="1" lang="zh-CN" altLang="en-US" sz="2500" dirty="0" smtClean="0"/>
+              <a:rPr kumimoji="1" lang="zh-CN" altLang="en-US" sz="2500" dirty="0" smtClean="0">
+                <a:latin typeface="SimHei" charset="-122"/>
+                <a:ea typeface="SimHei" charset="-122"/>
+                <a:cs typeface="SimHei" charset="-122"/>
+              </a:rPr>
               <a:t>半精度浮点数的最快性能</a:t>
             </a:r>
-            <a:endParaRPr kumimoji="1" lang="zh-CN" altLang="en-US" sz="2500" dirty="0"/>
+            <a:endParaRPr kumimoji="1" lang="zh-CN" altLang="en-US" sz="2500" dirty="0">
+              <a:latin typeface="SimHei" charset="-122"/>
+              <a:ea typeface="SimHei" charset="-122"/>
+              <a:cs typeface="SimHei" charset="-122"/>
+            </a:endParaRPr>
           </a:p>
         </p:txBody>
       </p:sp>
@@ -9204,7 +11421,7 @@
         <p:spPr>
           <a:xfrm>
             <a:off x="628650" y="3333193"/>
-            <a:ext cx="2565126" cy="861774"/>
+            <a:ext cx="2428870" cy="861774"/>
           </a:xfrm>
           <a:prstGeom prst="rect">
             <a:avLst/>
@@ -9218,18 +11435,34 @@
           <a:lstStyle/>
           <a:p>
             <a:r>
-              <a:rPr kumimoji="1" lang="en-US" altLang="zh-CN" sz="5000" b="1" dirty="0" smtClean="0"/>
+              <a:rPr kumimoji="1" lang="en-US" altLang="zh-CN" sz="5000" b="1" dirty="0" smtClean="0">
+                <a:latin typeface="SimHei" charset="-122"/>
+                <a:ea typeface="SimHei" charset="-122"/>
+                <a:cs typeface="SimHei" charset="-122"/>
+              </a:rPr>
               <a:t>96.36</a:t>
             </a:r>
             <a:r>
-              <a:rPr kumimoji="1" lang="zh-CN" altLang="en-US" sz="5000" b="1" dirty="0" smtClean="0"/>
+              <a:rPr kumimoji="1" lang="zh-CN" altLang="en-US" sz="5000" b="1" dirty="0" smtClean="0">
+                <a:latin typeface="SimHei" charset="-122"/>
+                <a:ea typeface="SimHei" charset="-122"/>
+                <a:cs typeface="SimHei" charset="-122"/>
+              </a:rPr>
               <a:t> </a:t>
             </a:r>
             <a:r>
-              <a:rPr kumimoji="1" lang="en-US" altLang="zh-CN" sz="5000" dirty="0"/>
+              <a:rPr kumimoji="1" lang="en-US" altLang="zh-CN" sz="5000" dirty="0">
+                <a:latin typeface="SimHei" charset="-122"/>
+                <a:ea typeface="SimHei" charset="-122"/>
+                <a:cs typeface="SimHei" charset="-122"/>
+              </a:rPr>
               <a:t>%</a:t>
             </a:r>
-            <a:endParaRPr kumimoji="1" lang="zh-CN" altLang="en-US" sz="5000" dirty="0"/>
+            <a:endParaRPr kumimoji="1" lang="zh-CN" altLang="en-US" sz="5000" dirty="0">
+              <a:latin typeface="SimHei" charset="-122"/>
+              <a:ea typeface="SimHei" charset="-122"/>
+              <a:cs typeface="SimHei" charset="-122"/>
+            </a:endParaRPr>
           </a:p>
         </p:txBody>
       </p:sp>
@@ -9256,14 +11489,26 @@
           <a:lstStyle/>
           <a:p>
             <a:r>
-              <a:rPr kumimoji="1" lang="en-US" altLang="zh-CN" sz="2500" dirty="0" smtClean="0"/>
+              <a:rPr kumimoji="1" lang="en-US" altLang="zh-CN" sz="2500" dirty="0" smtClean="0">
+                <a:latin typeface="SimHei" charset="-122"/>
+                <a:ea typeface="SimHei" charset="-122"/>
+                <a:cs typeface="SimHei" charset="-122"/>
+              </a:rPr>
               <a:t>DSP</a:t>
             </a:r>
             <a:r>
-              <a:rPr kumimoji="1" lang="zh-CN" altLang="en-US" sz="2500" dirty="0" smtClean="0"/>
+              <a:rPr kumimoji="1" lang="zh-CN" altLang="en-US" sz="2500" dirty="0" smtClean="0">
+                <a:latin typeface="SimHei" charset="-122"/>
+                <a:ea typeface="SimHei" charset="-122"/>
+                <a:cs typeface="SimHei" charset="-122"/>
+              </a:rPr>
               <a:t>的占用比</a:t>
             </a:r>
-            <a:endParaRPr kumimoji="1" lang="zh-CN" altLang="en-US" sz="2500" dirty="0"/>
+            <a:endParaRPr kumimoji="1" lang="zh-CN" altLang="en-US" sz="2500" dirty="0">
+              <a:latin typeface="SimHei" charset="-122"/>
+              <a:ea typeface="SimHei" charset="-122"/>
+              <a:cs typeface="SimHei" charset="-122"/>
+            </a:endParaRPr>
           </a:p>
         </p:txBody>
       </p:sp>
@@ -9276,7 +11521,7 @@
         <p:spPr>
           <a:xfrm>
             <a:off x="628650" y="5056741"/>
-            <a:ext cx="1951175" cy="861774"/>
+            <a:ext cx="2108269" cy="861774"/>
           </a:xfrm>
           <a:prstGeom prst="rect">
             <a:avLst/>
@@ -9290,10 +11535,18 @@
           <a:lstStyle/>
           <a:p>
             <a:r>
-              <a:rPr kumimoji="1" lang="en-US" altLang="zh-CN" sz="5000" b="1" dirty="0" smtClean="0"/>
+              <a:rPr kumimoji="1" lang="en-US" altLang="zh-CN" sz="5000" b="1" dirty="0" smtClean="0">
+                <a:latin typeface="SimHei" charset="-122"/>
+                <a:ea typeface="SimHei" charset="-122"/>
+                <a:cs typeface="SimHei" charset="-122"/>
+              </a:rPr>
               <a:t>5.42 x</a:t>
             </a:r>
-            <a:endParaRPr kumimoji="1" lang="zh-CN" altLang="en-US" sz="5000" dirty="0"/>
+            <a:endParaRPr kumimoji="1" lang="zh-CN" altLang="en-US" sz="5000" dirty="0">
+              <a:latin typeface="SimHei" charset="-122"/>
+              <a:ea typeface="SimHei" charset="-122"/>
+              <a:cs typeface="SimHei" charset="-122"/>
+            </a:endParaRPr>
           </a:p>
         </p:txBody>
       </p:sp>
@@ -9306,7 +11559,7 @@
         <p:spPr>
           <a:xfrm>
             <a:off x="628650" y="5918515"/>
-            <a:ext cx="3644587" cy="477054"/>
+            <a:ext cx="3390672" cy="477054"/>
           </a:xfrm>
           <a:prstGeom prst="rect">
             <a:avLst/>
@@ -9320,18 +11573,34 @@
           <a:lstStyle/>
           <a:p>
             <a:r>
-              <a:rPr kumimoji="1" lang="zh-CN" altLang="en-US" sz="2500" dirty="0" smtClean="0"/>
+              <a:rPr kumimoji="1" lang="zh-CN" altLang="en-US" sz="2500" dirty="0" smtClean="0">
+                <a:latin typeface="SimHei" charset="-122"/>
+                <a:ea typeface="SimHei" charset="-122"/>
+                <a:cs typeface="SimHei" charset="-122"/>
+              </a:rPr>
               <a:t>相对</a:t>
             </a:r>
             <a:r>
-              <a:rPr kumimoji="1" lang="en-US" altLang="zh-CN" sz="2500" dirty="0" smtClean="0"/>
+              <a:rPr kumimoji="1" lang="en-US" altLang="zh-CN" sz="2500" dirty="0" smtClean="0">
+                <a:latin typeface="SimHei" charset="-122"/>
+                <a:ea typeface="SimHei" charset="-122"/>
+                <a:cs typeface="SimHei" charset="-122"/>
+              </a:rPr>
               <a:t>OpenBLAS</a:t>
             </a:r>
             <a:r>
-              <a:rPr kumimoji="1" lang="zh-CN" altLang="en-US" sz="2500" dirty="0" smtClean="0"/>
+              <a:rPr kumimoji="1" lang="zh-CN" altLang="en-US" sz="2500" dirty="0" smtClean="0">
+                <a:latin typeface="SimHei" charset="-122"/>
+                <a:ea typeface="SimHei" charset="-122"/>
+                <a:cs typeface="SimHei" charset="-122"/>
+              </a:rPr>
               <a:t>的加速比</a:t>
             </a:r>
-            <a:endParaRPr kumimoji="1" lang="zh-CN" altLang="en-US" sz="2500" dirty="0"/>
+            <a:endParaRPr kumimoji="1" lang="zh-CN" altLang="en-US" sz="2500" dirty="0">
+              <a:latin typeface="SimHei" charset="-122"/>
+              <a:ea typeface="SimHei" charset="-122"/>
+              <a:cs typeface="SimHei" charset="-122"/>
+            </a:endParaRPr>
           </a:p>
         </p:txBody>
       </p:sp>
@@ -9677,7 +11946,7 @@
 </p:sld>
 </file>
 
-<file path=ppt/slides/slide8.xml><?xml version="1.0" encoding="utf-8"?>
+<file path=ppt/slides/slide9.xml><?xml version="1.0" encoding="utf-8"?>
 <p:sld xmlns:a="http://schemas.openxmlformats.org/drawingml/2006/main" xmlns:r="http://schemas.openxmlformats.org/officeDocument/2006/relationships" xmlns:p="http://schemas.openxmlformats.org/presentationml/2006/main">
   <p:cSld>
     <p:spTree>
@@ -9710,22 +11979,42 @@
           <a:lstStyle/>
           <a:p>
             <a:r>
-              <a:rPr kumimoji="1" lang="zh-CN" altLang="en-US" dirty="0"/>
+              <a:rPr kumimoji="1" lang="zh-CN" altLang="en-US" dirty="0">
+                <a:latin typeface="SimHei" charset="-122"/>
+                <a:ea typeface="SimHei" charset="-122"/>
+                <a:cs typeface="SimHei" charset="-122"/>
+              </a:rPr>
               <a:t>测试结果 </a:t>
             </a:r>
             <a:r>
-              <a:rPr kumimoji="1" lang="en-US" altLang="zh-CN" dirty="0" smtClean="0"/>
+              <a:rPr kumimoji="1" lang="en-US" altLang="zh-CN" dirty="0" smtClean="0">
+                <a:latin typeface="SimHei" charset="-122"/>
+                <a:ea typeface="SimHei" charset="-122"/>
+                <a:cs typeface="SimHei" charset="-122"/>
+              </a:rPr>
               <a:t>-</a:t>
             </a:r>
             <a:r>
-              <a:rPr kumimoji="1" lang="zh-CN" altLang="en-US" dirty="0" smtClean="0"/>
+              <a:rPr kumimoji="1" lang="zh-CN" altLang="en-US" dirty="0" smtClean="0">
+                <a:latin typeface="SimHei" charset="-122"/>
+                <a:ea typeface="SimHei" charset="-122"/>
+                <a:cs typeface="SimHei" charset="-122"/>
+              </a:rPr>
               <a:t> </a:t>
             </a:r>
             <a:r>
-              <a:rPr kumimoji="1" lang="en-US" altLang="zh-CN" dirty="0" smtClean="0"/>
+              <a:rPr kumimoji="1" lang="en-US" altLang="zh-CN" dirty="0" smtClean="0">
+                <a:latin typeface="SimHei" charset="-122"/>
+                <a:ea typeface="SimHei" charset="-122"/>
+                <a:cs typeface="SimHei" charset="-122"/>
+              </a:rPr>
               <a:t>Caffe</a:t>
             </a:r>
-            <a:endParaRPr kumimoji="1" lang="zh-CN" altLang="en-US" dirty="0"/>
+            <a:endParaRPr kumimoji="1" lang="zh-CN" altLang="en-US" dirty="0">
+              <a:latin typeface="SimHei" charset="-122"/>
+              <a:ea typeface="SimHei" charset="-122"/>
+              <a:cs typeface="SimHei" charset="-122"/>
+            </a:endParaRPr>
           </a:p>
         </p:txBody>
       </p:sp>
@@ -9768,7 +12057,7 @@
         <p:spPr>
           <a:xfrm>
             <a:off x="628650" y="6453809"/>
-            <a:ext cx="1258678" cy="307777"/>
+            <a:ext cx="1351652" cy="307777"/>
           </a:xfrm>
           <a:prstGeom prst="rect">
             <a:avLst/>
@@ -9782,22 +12071,42 @@
           <a:lstStyle/>
           <a:p>
             <a:r>
-              <a:rPr kumimoji="1" lang="zh-CN" altLang="en-US" sz="1400" dirty="0" smtClean="0"/>
+              <a:rPr kumimoji="1" lang="zh-CN" altLang="en-US" sz="1400" dirty="0" smtClean="0">
+                <a:latin typeface="SimHei" charset="-122"/>
+                <a:ea typeface="SimHei" charset="-122"/>
+                <a:cs typeface="SimHei" charset="-122"/>
+              </a:rPr>
               <a:t>图</a:t>
             </a:r>
             <a:r>
-              <a:rPr kumimoji="1" lang="en-US" altLang="zh-CN" sz="1400" dirty="0"/>
+              <a:rPr kumimoji="1" lang="en-US" altLang="zh-CN" sz="1400" dirty="0">
+                <a:latin typeface="SimHei" charset="-122"/>
+                <a:ea typeface="SimHei" charset="-122"/>
+                <a:cs typeface="SimHei" charset="-122"/>
+              </a:rPr>
               <a:t>4</a:t>
             </a:r>
             <a:r>
-              <a:rPr kumimoji="1" lang="en-US" altLang="zh-CN" sz="1400" dirty="0" smtClean="0"/>
+              <a:rPr kumimoji="1" lang="en-US" altLang="zh-CN" sz="1400" dirty="0" smtClean="0">
+                <a:latin typeface="SimHei" charset="-122"/>
+                <a:ea typeface="SimHei" charset="-122"/>
+                <a:cs typeface="SimHei" charset="-122"/>
+              </a:rPr>
               <a:t>.</a:t>
             </a:r>
             <a:r>
-              <a:rPr kumimoji="1" lang="zh-CN" altLang="en-US" sz="1400" dirty="0" smtClean="0"/>
+              <a:rPr kumimoji="1" lang="zh-CN" altLang="en-US" sz="1400" dirty="0" smtClean="0">
+                <a:latin typeface="SimHei" charset="-122"/>
+                <a:ea typeface="SimHei" charset="-122"/>
+                <a:cs typeface="SimHei" charset="-122"/>
+              </a:rPr>
               <a:t> 实验环境</a:t>
             </a:r>
-            <a:endParaRPr kumimoji="1" lang="zh-CN" altLang="en-US" sz="1400" dirty="0"/>
+            <a:endParaRPr kumimoji="1" lang="zh-CN" altLang="en-US" sz="1400" dirty="0">
+              <a:latin typeface="SimHei" charset="-122"/>
+              <a:ea typeface="SimHei" charset="-122"/>
+              <a:cs typeface="SimHei" charset="-122"/>
+            </a:endParaRPr>
           </a:p>
         </p:txBody>
       </p:sp>
@@ -9810,7 +12119,7 @@
         <p:spPr>
           <a:xfrm>
             <a:off x="5389270" y="1690689"/>
-            <a:ext cx="1951175" cy="861774"/>
+            <a:ext cx="2108269" cy="861774"/>
           </a:xfrm>
           <a:prstGeom prst="rect">
             <a:avLst/>
@@ -9824,18 +12133,34 @@
           <a:lstStyle/>
           <a:p>
             <a:r>
-              <a:rPr kumimoji="1" lang="en-US" altLang="zh-CN" sz="5000" b="1" dirty="0" smtClean="0"/>
+              <a:rPr kumimoji="1" lang="en-US" altLang="zh-CN" sz="5000" b="1" dirty="0" smtClean="0">
+                <a:latin typeface="SimHei" charset="-122"/>
+                <a:ea typeface="SimHei" charset="-122"/>
+                <a:cs typeface="SimHei" charset="-122"/>
+              </a:rPr>
               <a:t>2.39</a:t>
             </a:r>
             <a:r>
-              <a:rPr kumimoji="1" lang="zh-CN" altLang="en-US" sz="5000" b="1" dirty="0" smtClean="0"/>
+              <a:rPr kumimoji="1" lang="zh-CN" altLang="en-US" sz="5000" b="1" dirty="0" smtClean="0">
+                <a:latin typeface="SimHei" charset="-122"/>
+                <a:ea typeface="SimHei" charset="-122"/>
+                <a:cs typeface="SimHei" charset="-122"/>
+              </a:rPr>
               <a:t> </a:t>
             </a:r>
             <a:r>
-              <a:rPr kumimoji="1" lang="en-US" altLang="zh-CN" sz="5000" b="1" dirty="0" smtClean="0"/>
+              <a:rPr kumimoji="1" lang="en-US" altLang="zh-CN" sz="5000" b="1" dirty="0" smtClean="0">
+                <a:latin typeface="SimHei" charset="-122"/>
+                <a:ea typeface="SimHei" charset="-122"/>
+                <a:cs typeface="SimHei" charset="-122"/>
+              </a:rPr>
               <a:t>x</a:t>
             </a:r>
-            <a:endParaRPr kumimoji="1" lang="zh-CN" altLang="en-US" sz="5000" dirty="0"/>
+            <a:endParaRPr kumimoji="1" lang="zh-CN" altLang="en-US" sz="5000" dirty="0">
+              <a:latin typeface="SimHei" charset="-122"/>
+              <a:ea typeface="SimHei" charset="-122"/>
+              <a:cs typeface="SimHei" charset="-122"/>
+            </a:endParaRPr>
           </a:p>
         </p:txBody>
       </p:sp>
@@ -9862,10 +12187,18 @@
           <a:lstStyle/>
           <a:p>
             <a:r>
-              <a:rPr kumimoji="1" lang="zh-CN" altLang="en-US" sz="2500" dirty="0" smtClean="0"/>
+              <a:rPr kumimoji="1" lang="zh-CN" altLang="en-US" sz="2500" dirty="0" smtClean="0">
+                <a:latin typeface="SimHei" charset="-122"/>
+                <a:ea typeface="SimHei" charset="-122"/>
+                <a:cs typeface="SimHei" charset="-122"/>
+              </a:rPr>
               <a:t>卷积层加速比</a:t>
             </a:r>
-            <a:endParaRPr kumimoji="1" lang="zh-CN" altLang="en-US" sz="2500" dirty="0"/>
+            <a:endParaRPr kumimoji="1" lang="zh-CN" altLang="en-US" sz="2500" dirty="0">
+              <a:latin typeface="SimHei" charset="-122"/>
+              <a:ea typeface="SimHei" charset="-122"/>
+              <a:cs typeface="SimHei" charset="-122"/>
+            </a:endParaRPr>
           </a:p>
         </p:txBody>
       </p:sp>
@@ -9878,7 +12211,7 @@
         <p:spPr>
           <a:xfrm>
             <a:off x="5389269" y="3210475"/>
-            <a:ext cx="2118209" cy="861774"/>
+            <a:ext cx="1787669" cy="861774"/>
           </a:xfrm>
           <a:prstGeom prst="rect">
             <a:avLst/>
@@ -9892,10 +12225,18 @@
           <a:lstStyle/>
           <a:p>
             <a:r>
-              <a:rPr kumimoji="1" lang="en-US" altLang="zh-CN" sz="5000" b="1" dirty="0" smtClean="0"/>
+              <a:rPr kumimoji="1" lang="en-US" altLang="zh-CN" sz="5000" b="1" dirty="0" smtClean="0">
+                <a:latin typeface="SimHei" charset="-122"/>
+                <a:ea typeface="SimHei" charset="-122"/>
+                <a:cs typeface="SimHei" charset="-122"/>
+              </a:rPr>
               <a:t>MNIST</a:t>
             </a:r>
-            <a:endParaRPr kumimoji="1" lang="zh-CN" altLang="en-US" sz="5000" dirty="0"/>
+            <a:endParaRPr kumimoji="1" lang="zh-CN" altLang="en-US" sz="5000" dirty="0">
+              <a:latin typeface="SimHei" charset="-122"/>
+              <a:ea typeface="SimHei" charset="-122"/>
+              <a:cs typeface="SimHei" charset="-122"/>
+            </a:endParaRPr>
           </a:p>
         </p:txBody>
       </p:sp>
@@ -9922,10 +12263,18 @@
           <a:lstStyle/>
           <a:p>
             <a:r>
-              <a:rPr kumimoji="1" lang="zh-CN" altLang="en-US" sz="2500" dirty="0" smtClean="0"/>
+              <a:rPr kumimoji="1" lang="zh-CN" altLang="en-US" sz="2500" dirty="0" smtClean="0">
+                <a:latin typeface="SimHei" charset="-122"/>
+                <a:ea typeface="SimHei" charset="-122"/>
+                <a:cs typeface="SimHei" charset="-122"/>
+              </a:rPr>
               <a:t>神经网络应用测试</a:t>
             </a:r>
-            <a:endParaRPr kumimoji="1" lang="zh-CN" altLang="en-US" sz="2500" dirty="0"/>
+            <a:endParaRPr kumimoji="1" lang="zh-CN" altLang="en-US" sz="2500" dirty="0">
+              <a:latin typeface="SimHei" charset="-122"/>
+              <a:ea typeface="SimHei" charset="-122"/>
+              <a:cs typeface="SimHei" charset="-122"/>
+            </a:endParaRPr>
           </a:p>
         </p:txBody>
       </p:sp>
@@ -10190,545 +12539,6 @@
       <p:bldP spid="8" grpId="0"/>
       <p:bldP spid="9" grpId="0"/>
       <p:bldP spid="10" grpId="0"/>
-    </p:bldLst>
-  </p:timing>
-</p:sld>
-</file>
-
-<file path=ppt/slides/slide9.xml><?xml version="1.0" encoding="utf-8"?>
-<p:sld xmlns:a="http://schemas.openxmlformats.org/drawingml/2006/main" xmlns:r="http://schemas.openxmlformats.org/officeDocument/2006/relationships" xmlns:p="http://schemas.openxmlformats.org/presentationml/2006/main">
-  <p:cSld>
-    <p:spTree>
-      <p:nvGrpSpPr>
-        <p:cNvPr id="1" name=""/>
-        <p:cNvGrpSpPr/>
-        <p:nvPr/>
-      </p:nvGrpSpPr>
-      <p:grpSpPr>
-        <a:xfrm>
-          <a:off x="0" y="0"/>
-          <a:ext cx="0" cy="0"/>
-          <a:chOff x="0" y="0"/>
-          <a:chExt cx="0" cy="0"/>
-        </a:xfrm>
-      </p:grpSpPr>
-      <p:sp>
-        <p:nvSpPr>
-          <p:cNvPr id="2" name="Title 1"/>
-          <p:cNvSpPr>
-            <a:spLocks noGrp="1"/>
-          </p:cNvSpPr>
-          <p:nvPr>
-            <p:ph type="title"/>
-          </p:nvPr>
-        </p:nvSpPr>
-        <p:spPr/>
-        <p:txBody>
-          <a:bodyPr/>
-          <a:lstStyle/>
-          <a:p>
-            <a:r>
-              <a:rPr kumimoji="1" lang="zh-CN" altLang="en-US" dirty="0" smtClean="0"/>
-              <a:t>总结</a:t>
-            </a:r>
-            <a:endParaRPr kumimoji="1" lang="zh-CN" altLang="en-US" dirty="0"/>
-          </a:p>
-        </p:txBody>
-      </p:sp>
-      <p:sp>
-        <p:nvSpPr>
-          <p:cNvPr id="5" name="TextBox 4"/>
-          <p:cNvSpPr txBox="1"/>
-          <p:nvPr/>
-        </p:nvSpPr>
-        <p:spPr>
-          <a:xfrm>
-            <a:off x="289577" y="1690689"/>
-            <a:ext cx="8564845" cy="477054"/>
-          </a:xfrm>
-          <a:prstGeom prst="rect">
-            <a:avLst/>
-          </a:prstGeom>
-          <a:noFill/>
-        </p:spPr>
-        <p:txBody>
-          <a:bodyPr wrap="none" rtlCol="0">
-            <a:spAutoFit/>
-          </a:bodyPr>
-          <a:lstStyle/>
-          <a:p>
-            <a:r>
-              <a:rPr kumimoji="1" lang="zh-CN" altLang="en-US" sz="2500" dirty="0" smtClean="0"/>
-              <a:t>“</a:t>
-            </a:r>
-            <a:r>
-              <a:rPr kumimoji="1" lang="en-US" altLang="zh-CN" sz="2500" dirty="0" smtClean="0"/>
-              <a:t>SoCaffe</a:t>
-            </a:r>
-            <a:r>
-              <a:rPr kumimoji="1" lang="zh-CN" altLang="en-US" sz="2500" dirty="0" smtClean="0"/>
-              <a:t>是实用</a:t>
-            </a:r>
-            <a:r>
-              <a:rPr kumimoji="1" lang="zh-CN" altLang="en-US" sz="2500" dirty="0"/>
-              <a:t>的、高效</a:t>
-            </a:r>
-            <a:r>
-              <a:rPr kumimoji="1" lang="zh-CN" altLang="en-US" sz="2500" dirty="0" smtClean="0"/>
-              <a:t>的基于</a:t>
-            </a:r>
-            <a:r>
-              <a:rPr kumimoji="1" lang="en-US" altLang="zh-CN" sz="2500" dirty="0" smtClean="0"/>
-              <a:t>Zynq SoC</a:t>
-            </a:r>
-            <a:r>
-              <a:rPr kumimoji="1" lang="zh-CN" altLang="en-US" sz="2500" dirty="0" smtClean="0"/>
-              <a:t>的深度</a:t>
-            </a:r>
-            <a:r>
-              <a:rPr kumimoji="1" lang="zh-CN" altLang="en-US" sz="2500" dirty="0"/>
-              <a:t>学习</a:t>
-            </a:r>
-            <a:r>
-              <a:rPr kumimoji="1" lang="zh-CN" altLang="en-US" sz="2500" dirty="0" smtClean="0"/>
-              <a:t>框架”</a:t>
-            </a:r>
-            <a:endParaRPr kumimoji="1" lang="zh-CN" altLang="en-US" sz="2500" dirty="0"/>
-          </a:p>
-        </p:txBody>
-      </p:sp>
-      <p:graphicFrame>
-        <p:nvGraphicFramePr>
-          <p:cNvPr id="10" name="Table 9"/>
-          <p:cNvGraphicFramePr>
-            <a:graphicFrameLocks noGrp="1"/>
-          </p:cNvGraphicFramePr>
-          <p:nvPr>
-            <p:extLst>
-              <p:ext uri="{D42A27DB-BD31-4B8C-83A1-F6EECF244321}">
-                <p14:modId xmlns:p14="http://schemas.microsoft.com/office/powerpoint/2010/main" val="412228866"/>
-              </p:ext>
-            </p:extLst>
-          </p:nvPr>
-        </p:nvGraphicFramePr>
-        <p:xfrm>
-          <a:off x="1239077" y="2655404"/>
-          <a:ext cx="6665844" cy="2392680"/>
-        </p:xfrm>
-        <a:graphic>
-          <a:graphicData uri="http://schemas.openxmlformats.org/drawingml/2006/table">
-            <a:tbl>
-              <a:tblPr firstRow="1" bandRow="1">
-                <a:tableStyleId>{5940675A-B579-460E-94D1-54222C63F5DA}</a:tableStyleId>
-              </a:tblPr>
-              <a:tblGrid>
-                <a:gridCol w="2221948"/>
-                <a:gridCol w="2429653"/>
-                <a:gridCol w="2014243"/>
-              </a:tblGrid>
-              <a:tr h="370840">
-                <a:tc>
-                  <a:txBody>
-                    <a:bodyPr/>
-                    <a:lstStyle/>
-                    <a:p>
-                      <a:endParaRPr lang="zh-CN" altLang="en-US" dirty="0"/>
-                    </a:p>
-                  </a:txBody>
-                  <a:tcPr/>
-                </a:tc>
-                <a:tc gridSpan="2">
-                  <a:txBody>
-                    <a:bodyPr/>
-                    <a:lstStyle/>
-                    <a:p>
-                      <a:r>
-                        <a:rPr lang="zh-CN" altLang="en-US" b="1" dirty="0" smtClean="0"/>
-                        <a:t>工作总量</a:t>
-                      </a:r>
-                      <a:endParaRPr lang="zh-CN" altLang="en-US" b="1" dirty="0"/>
-                    </a:p>
-                  </a:txBody>
-                  <a:tcPr/>
-                </a:tc>
-                <a:tc hMerge="1">
-                  <a:txBody>
-                    <a:bodyPr/>
-                    <a:lstStyle/>
-                    <a:p>
-                      <a:endParaRPr lang="zh-CN" altLang="en-US"/>
-                    </a:p>
-                  </a:txBody>
-                  <a:tcPr/>
-                </a:tc>
-              </a:tr>
-              <a:tr h="370840">
-                <a:tc>
-                  <a:txBody>
-                    <a:bodyPr/>
-                    <a:lstStyle/>
-                    <a:p>
-                      <a:r>
-                        <a:rPr lang="zh-CN" altLang="en-US" dirty="0" smtClean="0"/>
-                        <a:t>前期工作</a:t>
-                      </a:r>
-                      <a:endParaRPr lang="zh-CN" altLang="en-US" dirty="0"/>
-                    </a:p>
-                  </a:txBody>
-                  <a:tcPr/>
-                </a:tc>
-                <a:tc gridSpan="2">
-                  <a:txBody>
-                    <a:bodyPr/>
-                    <a:lstStyle/>
-                    <a:p>
-                      <a:r>
-                        <a:rPr lang="zh-CN" altLang="en-US" dirty="0" smtClean="0"/>
-                        <a:t>利用</a:t>
-                      </a:r>
-                      <a:r>
-                        <a:rPr lang="en-US" altLang="zh-CN" dirty="0" smtClean="0"/>
-                        <a:t>GEMM</a:t>
-                      </a:r>
-                      <a:r>
-                        <a:rPr lang="zh-CN" altLang="en-US" dirty="0" smtClean="0"/>
-                        <a:t>优化</a:t>
-                      </a:r>
-                      <a:r>
-                        <a:rPr lang="en-US" altLang="zh-CN" dirty="0" smtClean="0"/>
-                        <a:t>darknet</a:t>
-                      </a:r>
-                      <a:r>
-                        <a:rPr lang="zh-CN" altLang="en-US" dirty="0" smtClean="0"/>
-                        <a:t>和</a:t>
-                      </a:r>
-                      <a:r>
-                        <a:rPr lang="en-US" altLang="zh-CN" dirty="0" smtClean="0"/>
-                        <a:t>YOLO</a:t>
-                      </a:r>
-                      <a:r>
-                        <a:rPr lang="zh-CN" altLang="en-US" dirty="0" smtClean="0"/>
-                        <a:t>网络</a:t>
-                      </a:r>
-                      <a:endParaRPr lang="zh-CN" altLang="en-US" dirty="0"/>
-                    </a:p>
-                  </a:txBody>
-                  <a:tcPr/>
-                </a:tc>
-                <a:tc hMerge="1">
-                  <a:txBody>
-                    <a:bodyPr/>
-                    <a:lstStyle/>
-                    <a:p>
-                      <a:endParaRPr lang="zh-CN" altLang="en-US" dirty="0"/>
-                    </a:p>
-                  </a:txBody>
-                  <a:tcPr/>
-                </a:tc>
-              </a:tr>
-              <a:tr h="370840">
-                <a:tc>
-                  <a:txBody>
-                    <a:bodyPr/>
-                    <a:lstStyle/>
-                    <a:p>
-                      <a:r>
-                        <a:rPr lang="zh-CN" altLang="en-US" dirty="0" smtClean="0"/>
-                        <a:t>独立</a:t>
-                      </a:r>
-                      <a:r>
-                        <a:rPr lang="en-US" altLang="zh-CN" dirty="0" smtClean="0"/>
-                        <a:t>GEMM</a:t>
-                      </a:r>
-                      <a:r>
-                        <a:rPr lang="zh-CN" altLang="en-US" dirty="0" smtClean="0"/>
-                        <a:t>加速库</a:t>
-                      </a:r>
-                      <a:endParaRPr lang="en-US" altLang="zh-CN" dirty="0" smtClean="0"/>
-                    </a:p>
-                    <a:p>
-                      <a:r>
-                        <a:rPr lang="en-US" altLang="zh-CN" dirty="0" smtClean="0"/>
-                        <a:t>(SoGEMM)</a:t>
-                      </a:r>
-                      <a:endParaRPr lang="zh-CN" altLang="en-US" dirty="0"/>
-                    </a:p>
-                  </a:txBody>
-                  <a:tcPr/>
-                </a:tc>
-                <a:tc>
-                  <a:txBody>
-                    <a:bodyPr/>
-                    <a:lstStyle/>
-                    <a:p>
-                      <a:r>
-                        <a:rPr lang="en-US" altLang="zh-CN" dirty="0" smtClean="0"/>
-                        <a:t>37</a:t>
-                      </a:r>
-                      <a:r>
-                        <a:rPr lang="zh-CN" altLang="en-US" dirty="0" smtClean="0"/>
-                        <a:t>个代码文件，</a:t>
-                      </a:r>
-                      <a:r>
-                        <a:rPr lang="en-US" altLang="zh-CN" dirty="0" smtClean="0"/>
-                        <a:t>2631</a:t>
-                      </a:r>
-                      <a:r>
-                        <a:rPr lang="zh-CN" altLang="en-US" dirty="0" smtClean="0"/>
-                        <a:t>行</a:t>
-                      </a:r>
-                      <a:endParaRPr lang="zh-CN" altLang="en-US" dirty="0"/>
-                    </a:p>
-                  </a:txBody>
-                  <a:tcPr/>
-                </a:tc>
-                <a:tc>
-                  <a:txBody>
-                    <a:bodyPr/>
-                    <a:lstStyle/>
-                    <a:p>
-                      <a:r>
-                        <a:rPr lang="zh-CN" altLang="en-US" dirty="0" smtClean="0"/>
-                        <a:t>纯</a:t>
-                      </a:r>
-                      <a:r>
-                        <a:rPr lang="en-US" altLang="zh-CN" dirty="0" smtClean="0"/>
-                        <a:t>C/C++</a:t>
-                      </a:r>
-                      <a:r>
-                        <a:rPr lang="zh-CN" altLang="en-US" dirty="0" smtClean="0"/>
-                        <a:t>开发</a:t>
-                      </a:r>
-                      <a:endParaRPr lang="zh-CN" altLang="en-US" dirty="0"/>
-                    </a:p>
-                  </a:txBody>
-                  <a:tcPr/>
-                </a:tc>
-              </a:tr>
-              <a:tr h="370840">
-                <a:tc>
-                  <a:txBody>
-                    <a:bodyPr/>
-                    <a:lstStyle/>
-                    <a:p>
-                      <a:r>
-                        <a:rPr lang="zh-CN" altLang="en-US" dirty="0" smtClean="0"/>
-                        <a:t>多种优化策略</a:t>
-                      </a:r>
-                      <a:endParaRPr lang="zh-CN" altLang="en-US" dirty="0"/>
-                    </a:p>
-                  </a:txBody>
-                  <a:tcPr/>
-                </a:tc>
-                <a:tc gridSpan="2">
-                  <a:txBody>
-                    <a:bodyPr/>
-                    <a:lstStyle/>
-                    <a:p>
-                      <a:r>
-                        <a:rPr lang="en-US" altLang="zh-CN" dirty="0" smtClean="0"/>
-                        <a:t>50</a:t>
-                      </a:r>
-                      <a:r>
-                        <a:rPr lang="zh-CN" altLang="en-US" dirty="0" smtClean="0"/>
-                        <a:t>多种优化条件、预编译</a:t>
-                      </a:r>
-                      <a:r>
-                        <a:rPr lang="en-US" altLang="zh-CN" dirty="0" smtClean="0"/>
-                        <a:t>pragma</a:t>
-                      </a:r>
-                      <a:endParaRPr lang="zh-CN" altLang="en-US" dirty="0"/>
-                    </a:p>
-                  </a:txBody>
-                  <a:tcPr/>
-                </a:tc>
-                <a:tc hMerge="1">
-                  <a:txBody>
-                    <a:bodyPr/>
-                    <a:lstStyle/>
-                    <a:p>
-                      <a:endParaRPr lang="zh-CN" altLang="en-US"/>
-                    </a:p>
-                  </a:txBody>
-                  <a:tcPr/>
-                </a:tc>
-              </a:tr>
-              <a:tr h="370840">
-                <a:tc>
-                  <a:txBody>
-                    <a:bodyPr/>
-                    <a:lstStyle/>
-                    <a:p>
-                      <a:r>
-                        <a:rPr lang="en-US" altLang="zh-CN" dirty="0" smtClean="0"/>
-                        <a:t>SoCaffe</a:t>
-                      </a:r>
-                      <a:r>
-                        <a:rPr lang="zh-CN" altLang="en-US" dirty="0" smtClean="0"/>
-                        <a:t>系统</a:t>
-                      </a:r>
-                      <a:endParaRPr lang="zh-CN" altLang="en-US" dirty="0"/>
-                    </a:p>
-                  </a:txBody>
-                  <a:tcPr/>
-                </a:tc>
-                <a:tc>
-                  <a:txBody>
-                    <a:bodyPr/>
-                    <a:lstStyle/>
-                    <a:p>
-                      <a:r>
-                        <a:rPr lang="zh-CN" altLang="en-US" dirty="0" smtClean="0"/>
-                        <a:t>交叉编译完成</a:t>
-                      </a:r>
-                      <a:r>
-                        <a:rPr lang="en-US" altLang="zh-CN" dirty="0" smtClean="0"/>
-                        <a:t>Caffe</a:t>
-                      </a:r>
-                      <a:r>
-                        <a:rPr lang="zh-CN" altLang="en-US" dirty="0" smtClean="0"/>
-                        <a:t>和所有第三方链接库</a:t>
-                      </a:r>
-                      <a:endParaRPr lang="zh-CN" altLang="en-US" dirty="0"/>
-                    </a:p>
-                  </a:txBody>
-                  <a:tcPr/>
-                </a:tc>
-                <a:tc>
-                  <a:txBody>
-                    <a:bodyPr/>
-                    <a:lstStyle/>
-                    <a:p>
-                      <a:r>
-                        <a:rPr lang="zh-CN" altLang="en-US" dirty="0" smtClean="0"/>
-                        <a:t>运行环境搭建</a:t>
-                      </a:r>
-                      <a:endParaRPr lang="zh-CN" altLang="en-US" dirty="0"/>
-                    </a:p>
-                  </a:txBody>
-                  <a:tcPr/>
-                </a:tc>
-              </a:tr>
-            </a:tbl>
-          </a:graphicData>
-        </a:graphic>
-      </p:graphicFrame>
-      <p:sp>
-        <p:nvSpPr>
-          <p:cNvPr id="13" name="TextBox 12"/>
-          <p:cNvSpPr txBox="1"/>
-          <p:nvPr/>
-        </p:nvSpPr>
-        <p:spPr>
-          <a:xfrm>
-            <a:off x="3432313" y="5367130"/>
-            <a:ext cx="1723549" cy="707886"/>
-          </a:xfrm>
-          <a:prstGeom prst="rect">
-            <a:avLst/>
-          </a:prstGeom>
-          <a:noFill/>
-        </p:spPr>
-        <p:txBody>
-          <a:bodyPr wrap="none" rtlCol="0">
-            <a:spAutoFit/>
-          </a:bodyPr>
-          <a:lstStyle/>
-          <a:p>
-            <a:r>
-              <a:rPr kumimoji="1" lang="zh-CN" altLang="en-US" sz="4000" b="1" dirty="0" smtClean="0"/>
-              <a:t>谢谢！</a:t>
-            </a:r>
-            <a:endParaRPr kumimoji="1" lang="zh-CN" altLang="en-US" sz="4000" b="1" dirty="0"/>
-          </a:p>
-        </p:txBody>
-      </p:sp>
-    </p:spTree>
-    <p:extLst>
-      <p:ext uri="{BB962C8B-B14F-4D97-AF65-F5344CB8AC3E}">
-        <p14:creationId xmlns:p14="http://schemas.microsoft.com/office/powerpoint/2010/main" val="895532036"/>
-      </p:ext>
-    </p:extLst>
-  </p:cSld>
-  <p:clrMapOvr>
-    <a:masterClrMapping/>
-  </p:clrMapOvr>
-  <p:timing>
-    <p:tnLst>
-      <p:par>
-        <p:cTn id="1" dur="indefinite" restart="never" nodeType="tmRoot">
-          <p:childTnLst>
-            <p:seq concurrent="1" nextAc="seek">
-              <p:cTn id="2" dur="indefinite" nodeType="mainSeq">
-                <p:childTnLst>
-                  <p:par>
-                    <p:cTn id="3" fill="hold">
-                      <p:stCondLst>
-                        <p:cond delay="indefinite"/>
-                      </p:stCondLst>
-                      <p:childTnLst>
-                        <p:par>
-                          <p:cTn id="4" fill="hold">
-                            <p:stCondLst>
-                              <p:cond delay="0"/>
-                            </p:stCondLst>
-                            <p:childTnLst>
-                              <p:par>
-                                <p:cTn id="5" presetID="1" presetClass="entr" presetSubtype="0" fill="hold" grpId="0" nodeType="clickEffect">
-                                  <p:stCondLst>
-                                    <p:cond delay="0"/>
-                                  </p:stCondLst>
-                                  <p:childTnLst>
-                                    <p:set>
-                                      <p:cBhvr>
-                                        <p:cTn id="6" dur="1" fill="hold">
-                                          <p:stCondLst>
-                                            <p:cond delay="0"/>
-                                          </p:stCondLst>
-                                        </p:cTn>
-                                        <p:tgtEl>
-                                          <p:spTgt spid="13"/>
-                                        </p:tgtEl>
-                                        <p:attrNameLst>
-                                          <p:attrName>style.visibility</p:attrName>
-                                        </p:attrNameLst>
-                                      </p:cBhvr>
-                                      <p:to>
-                                        <p:strVal val="visible"/>
-                                      </p:to>
-                                    </p:set>
-                                  </p:childTnLst>
-                                </p:cTn>
-                              </p:par>
-                            </p:childTnLst>
-                          </p:cTn>
-                        </p:par>
-                      </p:childTnLst>
-                    </p:cTn>
-                  </p:par>
-                </p:childTnLst>
-              </p:cTn>
-              <p:prevCondLst>
-                <p:cond evt="onPrev" delay="0">
-                  <p:tgtEl>
-                    <p:sldTgt/>
-                  </p:tgtEl>
-                </p:cond>
-              </p:prevCondLst>
-              <p:nextCondLst>
-                <p:cond evt="onNext" delay="0">
-                  <p:tgtEl>
-                    <p:sldTgt/>
-                  </p:tgtEl>
-                </p:cond>
-              </p:nextCondLst>
-            </p:seq>
-          </p:childTnLst>
-        </p:cTn>
-      </p:par>
-    </p:tnLst>
-    <p:bldLst>
-      <p:bldP spid="13" grpId="0"/>
     </p:bldLst>
   </p:timing>
 </p:sld>
